--- a/你是王.pptx
+++ b/你是王.pptx
@@ -7,7 +7,7 @@
   <p:sldIdLst>
     <p:sldId id="256" r:id="rId2"/>
   </p:sldIdLst>
-  <p:sldSz cx="9144000" cy="6858000" type="screen4x3"/>
+  <p:sldSz cx="9144000" cy="5143500" type="screen16x9"/>
   <p:notesSz cx="6858000" cy="9144000"/>
   <p:defaultTextStyle>
     <a:defPPr>
@@ -136,8 +136,8 @@
         </p:nvSpPr>
         <p:spPr>
           <a:xfrm>
-            <a:off x="685800" y="2130425"/>
-            <a:ext cx="7772400" cy="1470025"/>
+            <a:off x="685800" y="1597819"/>
+            <a:ext cx="7772400" cy="1102519"/>
           </a:xfrm>
         </p:spPr>
         <p:txBody>
@@ -164,8 +164,8 @@
         </p:nvSpPr>
         <p:spPr>
           <a:xfrm>
-            <a:off x="1371600" y="3886200"/>
-            <a:ext cx="6400800" cy="1752600"/>
+            <a:off x="1371600" y="2914650"/>
+            <a:ext cx="6400800" cy="1314450"/>
           </a:xfrm>
         </p:spPr>
         <p:txBody>
@@ -289,7 +289,7 @@
             <a:fld id="{505C1DF9-CE24-4975-BF9D-C60A005B3778}" type="datetimeFigureOut">
               <a:rPr lang="en-US" smtClean="0"/>
               <a:pPr/>
-              <a:t>9/16/2017</a:t>
+              <a:t>7/20/2019</a:t>
             </a:fld>
             <a:endParaRPr lang="en-US"/>
           </a:p>
@@ -456,7 +456,7 @@
             <a:fld id="{505C1DF9-CE24-4975-BF9D-C60A005B3778}" type="datetimeFigureOut">
               <a:rPr lang="en-US" smtClean="0"/>
               <a:pPr/>
-              <a:t>9/16/2017</a:t>
+              <a:t>7/20/2019</a:t>
             </a:fld>
             <a:endParaRPr lang="en-US"/>
           </a:p>
@@ -542,8 +542,8 @@
         </p:nvSpPr>
         <p:spPr>
           <a:xfrm>
-            <a:off x="6629400" y="274638"/>
-            <a:ext cx="2057400" cy="5851525"/>
+            <a:off x="6629400" y="205979"/>
+            <a:ext cx="2057400" cy="4388644"/>
           </a:xfrm>
         </p:spPr>
         <p:txBody>
@@ -570,8 +570,8 @@
         </p:nvSpPr>
         <p:spPr>
           <a:xfrm>
-            <a:off x="457200" y="274638"/>
-            <a:ext cx="6019800" cy="5851525"/>
+            <a:off x="457200" y="205979"/>
+            <a:ext cx="6019800" cy="4388644"/>
           </a:xfrm>
         </p:spPr>
         <p:txBody>
@@ -633,7 +633,7 @@
             <a:fld id="{505C1DF9-CE24-4975-BF9D-C60A005B3778}" type="datetimeFigureOut">
               <a:rPr lang="en-US" smtClean="0"/>
               <a:pPr/>
-              <a:t>9/16/2017</a:t>
+              <a:t>7/20/2019</a:t>
             </a:fld>
             <a:endParaRPr lang="en-US"/>
           </a:p>
@@ -800,7 +800,7 @@
             <a:fld id="{505C1DF9-CE24-4975-BF9D-C60A005B3778}" type="datetimeFigureOut">
               <a:rPr lang="en-US" smtClean="0"/>
               <a:pPr/>
-              <a:t>9/16/2017</a:t>
+              <a:t>7/20/2019</a:t>
             </a:fld>
             <a:endParaRPr lang="en-US"/>
           </a:p>
@@ -886,8 +886,8 @@
         </p:nvSpPr>
         <p:spPr>
           <a:xfrm>
-            <a:off x="722313" y="4406900"/>
-            <a:ext cx="7772400" cy="1362075"/>
+            <a:off x="722313" y="3305176"/>
+            <a:ext cx="7772400" cy="1021556"/>
           </a:xfrm>
         </p:spPr>
         <p:txBody>
@@ -918,8 +918,8 @@
         </p:nvSpPr>
         <p:spPr>
           <a:xfrm>
-            <a:off x="722313" y="2906713"/>
-            <a:ext cx="7772400" cy="1500187"/>
+            <a:off x="722313" y="2180035"/>
+            <a:ext cx="7772400" cy="1125140"/>
           </a:xfrm>
         </p:spPr>
         <p:txBody>
@@ -1043,7 +1043,7 @@
             <a:fld id="{505C1DF9-CE24-4975-BF9D-C60A005B3778}" type="datetimeFigureOut">
               <a:rPr lang="en-US" smtClean="0"/>
               <a:pPr/>
-              <a:t>9/16/2017</a:t>
+              <a:t>7/20/2019</a:t>
             </a:fld>
             <a:endParaRPr lang="en-US"/>
           </a:p>
@@ -1152,8 +1152,8 @@
         </p:nvSpPr>
         <p:spPr>
           <a:xfrm>
-            <a:off x="457200" y="1600200"/>
-            <a:ext cx="4038600" cy="4525963"/>
+            <a:off x="457200" y="1200151"/>
+            <a:ext cx="4038600" cy="3394472"/>
           </a:xfrm>
         </p:spPr>
         <p:txBody>
@@ -1237,8 +1237,8 @@
         </p:nvSpPr>
         <p:spPr>
           <a:xfrm>
-            <a:off x="4648200" y="1600200"/>
-            <a:ext cx="4038600" cy="4525963"/>
+            <a:off x="4648200" y="1200151"/>
+            <a:ext cx="4038600" cy="3394472"/>
           </a:xfrm>
         </p:spPr>
         <p:txBody>
@@ -1328,7 +1328,7 @@
             <a:fld id="{505C1DF9-CE24-4975-BF9D-C60A005B3778}" type="datetimeFigureOut">
               <a:rPr lang="en-US" smtClean="0"/>
               <a:pPr/>
-              <a:t>9/16/2017</a:t>
+              <a:t>7/20/2019</a:t>
             </a:fld>
             <a:endParaRPr lang="en-US"/>
           </a:p>
@@ -1441,8 +1441,8 @@
         </p:nvSpPr>
         <p:spPr>
           <a:xfrm>
-            <a:off x="457200" y="1535113"/>
-            <a:ext cx="4040188" cy="639762"/>
+            <a:off x="457200" y="1151335"/>
+            <a:ext cx="4040188" cy="479822"/>
           </a:xfrm>
         </p:spPr>
         <p:txBody>
@@ -1506,8 +1506,8 @@
         </p:nvSpPr>
         <p:spPr>
           <a:xfrm>
-            <a:off x="457200" y="2174875"/>
-            <a:ext cx="4040188" cy="3951288"/>
+            <a:off x="457200" y="1631156"/>
+            <a:ext cx="4040188" cy="2963466"/>
           </a:xfrm>
         </p:spPr>
         <p:txBody>
@@ -1591,8 +1591,8 @@
         </p:nvSpPr>
         <p:spPr>
           <a:xfrm>
-            <a:off x="4645025" y="1535113"/>
-            <a:ext cx="4041775" cy="639762"/>
+            <a:off x="4645026" y="1151335"/>
+            <a:ext cx="4041775" cy="479822"/>
           </a:xfrm>
         </p:spPr>
         <p:txBody>
@@ -1656,8 +1656,8 @@
         </p:nvSpPr>
         <p:spPr>
           <a:xfrm>
-            <a:off x="4645025" y="2174875"/>
-            <a:ext cx="4041775" cy="3951288"/>
+            <a:off x="4645026" y="1631156"/>
+            <a:ext cx="4041775" cy="2963466"/>
           </a:xfrm>
         </p:spPr>
         <p:txBody>
@@ -1747,7 +1747,7 @@
             <a:fld id="{505C1DF9-CE24-4975-BF9D-C60A005B3778}" type="datetimeFigureOut">
               <a:rPr lang="en-US" smtClean="0"/>
               <a:pPr/>
-              <a:t>9/16/2017</a:t>
+              <a:t>7/20/2019</a:t>
             </a:fld>
             <a:endParaRPr lang="en-US"/>
           </a:p>
@@ -1862,7 +1862,7 @@
             <a:fld id="{505C1DF9-CE24-4975-BF9D-C60A005B3778}" type="datetimeFigureOut">
               <a:rPr lang="en-US" smtClean="0"/>
               <a:pPr/>
-              <a:t>9/16/2017</a:t>
+              <a:t>7/20/2019</a:t>
             </a:fld>
             <a:endParaRPr lang="en-US"/>
           </a:p>
@@ -1954,7 +1954,7 @@
             <a:fld id="{505C1DF9-CE24-4975-BF9D-C60A005B3778}" type="datetimeFigureOut">
               <a:rPr lang="en-US" smtClean="0"/>
               <a:pPr/>
-              <a:t>9/16/2017</a:t>
+              <a:t>7/20/2019</a:t>
             </a:fld>
             <a:endParaRPr lang="en-US"/>
           </a:p>
@@ -2040,8 +2040,8 @@
         </p:nvSpPr>
         <p:spPr>
           <a:xfrm>
-            <a:off x="457200" y="273050"/>
-            <a:ext cx="3008313" cy="1162050"/>
+            <a:off x="457201" y="204787"/>
+            <a:ext cx="3008313" cy="871538"/>
           </a:xfrm>
         </p:spPr>
         <p:txBody>
@@ -2072,8 +2072,8 @@
         </p:nvSpPr>
         <p:spPr>
           <a:xfrm>
-            <a:off x="3575050" y="273050"/>
-            <a:ext cx="5111750" cy="5853113"/>
+            <a:off x="3575050" y="204788"/>
+            <a:ext cx="5111750" cy="4389835"/>
           </a:xfrm>
         </p:spPr>
         <p:txBody>
@@ -2157,8 +2157,8 @@
         </p:nvSpPr>
         <p:spPr>
           <a:xfrm>
-            <a:off x="457200" y="1435100"/>
-            <a:ext cx="3008313" cy="4691063"/>
+            <a:off x="457201" y="1076326"/>
+            <a:ext cx="3008313" cy="3518297"/>
           </a:xfrm>
         </p:spPr>
         <p:txBody>
@@ -2228,7 +2228,7 @@
             <a:fld id="{505C1DF9-CE24-4975-BF9D-C60A005B3778}" type="datetimeFigureOut">
               <a:rPr lang="en-US" smtClean="0"/>
               <a:pPr/>
-              <a:t>9/16/2017</a:t>
+              <a:t>7/20/2019</a:t>
             </a:fld>
             <a:endParaRPr lang="en-US"/>
           </a:p>
@@ -2314,8 +2314,8 @@
         </p:nvSpPr>
         <p:spPr>
           <a:xfrm>
-            <a:off x="1792288" y="4800600"/>
-            <a:ext cx="5486400" cy="566738"/>
+            <a:off x="1792288" y="3600450"/>
+            <a:ext cx="5486400" cy="425054"/>
           </a:xfrm>
         </p:spPr>
         <p:txBody>
@@ -2346,8 +2346,8 @@
         </p:nvSpPr>
         <p:spPr>
           <a:xfrm>
-            <a:off x="1792288" y="612775"/>
-            <a:ext cx="5486400" cy="4114800"/>
+            <a:off x="1792288" y="459581"/>
+            <a:ext cx="5486400" cy="3086100"/>
           </a:xfrm>
         </p:spPr>
         <p:txBody>
@@ -2411,8 +2411,8 @@
         </p:nvSpPr>
         <p:spPr>
           <a:xfrm>
-            <a:off x="1792288" y="5367338"/>
-            <a:ext cx="5486400" cy="804862"/>
+            <a:off x="1792288" y="4025503"/>
+            <a:ext cx="5486400" cy="603647"/>
           </a:xfrm>
         </p:spPr>
         <p:txBody>
@@ -2482,7 +2482,7 @@
             <a:fld id="{505C1DF9-CE24-4975-BF9D-C60A005B3778}" type="datetimeFigureOut">
               <a:rPr lang="en-US" smtClean="0"/>
               <a:pPr/>
-              <a:t>9/16/2017</a:t>
+              <a:t>7/20/2019</a:t>
             </a:fld>
             <a:endParaRPr lang="en-US"/>
           </a:p>
@@ -2578,8 +2578,8 @@
         </p:nvSpPr>
         <p:spPr>
           <a:xfrm>
-            <a:off x="457200" y="274638"/>
-            <a:ext cx="8229600" cy="1143000"/>
+            <a:off x="457200" y="205979"/>
+            <a:ext cx="8229600" cy="857250"/>
           </a:xfrm>
           <a:prstGeom prst="rect">
             <a:avLst/>
@@ -2611,8 +2611,8 @@
         </p:nvSpPr>
         <p:spPr>
           <a:xfrm>
-            <a:off x="457200" y="1600200"/>
-            <a:ext cx="8229600" cy="4525963"/>
+            <a:off x="457200" y="1200151"/>
+            <a:ext cx="8229600" cy="3394472"/>
           </a:xfrm>
           <a:prstGeom prst="rect">
             <a:avLst/>
@@ -2673,8 +2673,8 @@
         </p:nvSpPr>
         <p:spPr>
           <a:xfrm>
-            <a:off x="457200" y="6356350"/>
-            <a:ext cx="2133600" cy="365125"/>
+            <a:off x="457200" y="4767263"/>
+            <a:ext cx="2133600" cy="273844"/>
           </a:xfrm>
           <a:prstGeom prst="rect">
             <a:avLst/>
@@ -2697,7 +2697,7 @@
             <a:fld id="{505C1DF9-CE24-4975-BF9D-C60A005B3778}" type="datetimeFigureOut">
               <a:rPr lang="en-US" smtClean="0"/>
               <a:pPr/>
-              <a:t>9/16/2017</a:t>
+              <a:t>7/20/2019</a:t>
             </a:fld>
             <a:endParaRPr lang="en-US"/>
           </a:p>
@@ -2715,8 +2715,8 @@
         </p:nvSpPr>
         <p:spPr>
           <a:xfrm>
-            <a:off x="3124200" y="6356350"/>
-            <a:ext cx="2895600" cy="365125"/>
+            <a:off x="3124200" y="4767263"/>
+            <a:ext cx="2895600" cy="273844"/>
           </a:xfrm>
           <a:prstGeom prst="rect">
             <a:avLst/>
@@ -2752,8 +2752,8 @@
         </p:nvSpPr>
         <p:spPr>
           <a:xfrm>
-            <a:off x="6553200" y="6356350"/>
-            <a:ext cx="2133600" cy="365125"/>
+            <a:off x="6553200" y="4767263"/>
+            <a:ext cx="2133600" cy="273844"/>
           </a:xfrm>
           <a:prstGeom prst="rect">
             <a:avLst/>
@@ -3080,11 +3080,13 @@
         </p:nvSpPr>
         <p:spPr/>
         <p:txBody>
-          <a:bodyPr/>
-          <a:lstStyle/>
-          <a:p>
-            <a:r>
-              <a:rPr lang="zh-TW" altLang="en-US" b="1" dirty="0">
+          <a:bodyPr>
+            <a:normAutofit/>
+          </a:bodyPr>
+          <a:lstStyle/>
+          <a:p>
+            <a:r>
+              <a:rPr lang="zh-TW" altLang="en-US" sz="4000" b="1" dirty="0">
                 <a:solidFill>
                   <a:srgbClr val="000066"/>
                 </a:solidFill>
@@ -3093,7 +3095,7 @@
               </a:rPr>
               <a:t>你是王</a:t>
             </a:r>
-            <a:endParaRPr lang="en-US" b="1" dirty="0">
+            <a:endParaRPr lang="en-US" sz="4000" b="1" dirty="0">
               <a:solidFill>
                 <a:srgbClr val="000066"/>
               </a:solidFill>
@@ -3115,13 +3117,13 @@
         </p:nvSpPr>
         <p:spPr>
           <a:xfrm>
-            <a:off x="357158" y="1600200"/>
-            <a:ext cx="8643998" cy="4525963"/>
+            <a:off x="357158" y="1200151"/>
+            <a:ext cx="8643998" cy="3394472"/>
           </a:xfrm>
         </p:spPr>
         <p:txBody>
           <a:bodyPr>
-            <a:normAutofit/>
+            <a:noAutofit/>
           </a:bodyPr>
           <a:lstStyle/>
           <a:p>
@@ -3129,7 +3131,7 @@
               <a:buNone/>
             </a:pPr>
             <a:r>
-              <a:rPr lang="zh-TW" altLang="en-US" sz="5400" b="1" dirty="0">
+              <a:rPr lang="zh-TW" altLang="en-US" sz="4800" b="1" dirty="0">
                 <a:solidFill>
                   <a:srgbClr val="000066"/>
                 </a:solidFill>
@@ -3139,7 +3141,7 @@
               <a:t>神你極偉</a:t>
             </a:r>
             <a:r>
-              <a:rPr lang="zh-TW" altLang="en-US" sz="5400" b="1" dirty="0" smtClean="0">
+              <a:rPr lang="zh-TW" altLang="en-US" sz="4800" b="1" dirty="0" smtClean="0">
                 <a:solidFill>
                   <a:srgbClr val="000066"/>
                 </a:solidFill>
@@ -3149,7 +3151,7 @@
               <a:t>大  萬</a:t>
             </a:r>
             <a:r>
-              <a:rPr lang="zh-TW" altLang="en-US" sz="5400" b="1" dirty="0">
+              <a:rPr lang="zh-TW" altLang="en-US" sz="4800" b="1" dirty="0">
                 <a:solidFill>
                   <a:srgbClr val="000066"/>
                 </a:solidFill>
@@ -3159,7 +3161,7 @@
               <a:t>有都歸</a:t>
             </a:r>
             <a:r>
-              <a:rPr lang="zh-TW" altLang="en-US" sz="5400" b="1" dirty="0" smtClean="0">
+              <a:rPr lang="zh-TW" altLang="en-US" sz="4800" b="1" dirty="0" smtClean="0">
                 <a:solidFill>
                   <a:srgbClr val="000066"/>
                 </a:solidFill>
@@ -3168,7 +3170,7 @@
               </a:rPr>
               <a:t>你</a:t>
             </a:r>
-            <a:endParaRPr lang="en-US" altLang="zh-TW" sz="5400" b="1" dirty="0" smtClean="0">
+            <a:endParaRPr lang="en-US" altLang="zh-TW" sz="4800" b="1" dirty="0" smtClean="0">
               <a:solidFill>
                 <a:srgbClr val="000066"/>
               </a:solidFill>
@@ -3181,7 +3183,7 @@
               <a:buNone/>
             </a:pPr>
             <a:r>
-              <a:rPr lang="zh-TW" altLang="en-US" sz="5400" b="1" dirty="0" smtClean="0">
+              <a:rPr lang="zh-TW" altLang="en-US" sz="4800" b="1" dirty="0" smtClean="0">
                 <a:solidFill>
                   <a:srgbClr val="000066"/>
                 </a:solidFill>
@@ -3191,7 +3193,7 @@
               <a:t>主</a:t>
             </a:r>
             <a:r>
-              <a:rPr lang="zh-TW" altLang="en-US" sz="5400" b="1" dirty="0">
+              <a:rPr lang="zh-TW" altLang="en-US" sz="4800" b="1" dirty="0">
                 <a:solidFill>
                   <a:srgbClr val="000066"/>
                 </a:solidFill>
@@ -3201,7 +3203,7 @@
               <a:t>宰一</a:t>
             </a:r>
             <a:r>
-              <a:rPr lang="zh-TW" altLang="en-US" sz="5400" b="1" dirty="0" smtClean="0">
+              <a:rPr lang="zh-TW" altLang="en-US" sz="4800" b="1" dirty="0" smtClean="0">
                 <a:solidFill>
                   <a:srgbClr val="000066"/>
                 </a:solidFill>
@@ -3211,7 +3213,7 @@
               <a:t>切  你</a:t>
             </a:r>
             <a:r>
-              <a:rPr lang="zh-TW" altLang="en-US" sz="5400" b="1" dirty="0">
+              <a:rPr lang="zh-TW" altLang="en-US" sz="4800" b="1" dirty="0">
                 <a:solidFill>
                   <a:srgbClr val="000066"/>
                 </a:solidFill>
@@ -3221,7 +3223,7 @@
               <a:t>是</a:t>
             </a:r>
             <a:r>
-              <a:rPr lang="zh-TW" altLang="en-US" sz="5400" b="1" dirty="0" smtClean="0">
+              <a:rPr lang="zh-TW" altLang="en-US" sz="4800" b="1" dirty="0" smtClean="0">
                 <a:solidFill>
                   <a:srgbClr val="000066"/>
                 </a:solidFill>
@@ -3230,7 +3232,7 @@
               </a:rPr>
               <a:t>王</a:t>
             </a:r>
-            <a:endParaRPr lang="en-US" altLang="zh-TW" sz="5400" b="1" dirty="0">
+            <a:endParaRPr lang="en-US" altLang="zh-TW" sz="4800" b="1" dirty="0">
               <a:solidFill>
                 <a:srgbClr val="000066"/>
               </a:solidFill>
@@ -3243,7 +3245,7 @@
               <a:buNone/>
             </a:pPr>
             <a:r>
-              <a:rPr lang="zh-TW" altLang="en-US" sz="5400" b="1" dirty="0" smtClean="0">
+              <a:rPr lang="zh-TW" altLang="en-US" sz="4800" b="1" dirty="0" smtClean="0">
                 <a:solidFill>
                   <a:srgbClr val="000066"/>
                 </a:solidFill>
@@ -3253,7 +3255,7 @@
               <a:t>尊</a:t>
             </a:r>
             <a:r>
-              <a:rPr lang="zh-TW" altLang="en-US" sz="5400" b="1" dirty="0">
+              <a:rPr lang="zh-TW" altLang="en-US" sz="4800" b="1" dirty="0">
                 <a:solidFill>
                   <a:srgbClr val="000066"/>
                 </a:solidFill>
@@ -3263,7 +3265,7 @@
               <a:t>貴</a:t>
             </a:r>
             <a:r>
-              <a:rPr lang="zh-TW" altLang="en-US" sz="5400" b="1" dirty="0" smtClean="0">
+              <a:rPr lang="zh-TW" altLang="en-US" sz="4800" b="1" dirty="0" smtClean="0">
                 <a:solidFill>
                   <a:srgbClr val="000066"/>
                 </a:solidFill>
@@ -3273,7 +3275,7 @@
               <a:t>主  我</a:t>
             </a:r>
             <a:r>
-              <a:rPr lang="zh-TW" altLang="en-US" sz="5400" b="1" dirty="0">
+              <a:rPr lang="zh-TW" altLang="en-US" sz="4800" b="1" dirty="0">
                 <a:solidFill>
                   <a:srgbClr val="000066"/>
                 </a:solidFill>
@@ -3283,7 +3285,7 @@
               <a:t>景</a:t>
             </a:r>
             <a:r>
-              <a:rPr lang="zh-TW" altLang="en-US" sz="5400" b="1" dirty="0" smtClean="0">
+              <a:rPr lang="zh-TW" altLang="en-US" sz="4800" b="1" dirty="0" smtClean="0">
                 <a:solidFill>
                   <a:srgbClr val="000066"/>
                 </a:solidFill>
@@ -3292,7 +3294,7 @@
               </a:rPr>
               <a:t>仰</a:t>
             </a:r>
-            <a:endParaRPr lang="en-US" altLang="zh-TW" sz="5400" b="1" dirty="0" smtClean="0">
+            <a:endParaRPr lang="en-US" altLang="zh-TW" sz="4800" b="1" dirty="0" smtClean="0">
               <a:solidFill>
                 <a:srgbClr val="000066"/>
               </a:solidFill>
@@ -3305,7 +3307,7 @@
               <a:buNone/>
             </a:pPr>
             <a:r>
-              <a:rPr lang="zh-TW" altLang="en-US" sz="5400" b="1" dirty="0" smtClean="0">
+              <a:rPr lang="zh-TW" altLang="en-US" sz="4800" b="1" dirty="0" smtClean="0">
                 <a:solidFill>
                   <a:srgbClr val="000066"/>
                 </a:solidFill>
@@ -3315,7 +3317,7 @@
               <a:t>屈</a:t>
             </a:r>
             <a:r>
-              <a:rPr lang="zh-TW" altLang="en-US" sz="5400" b="1" dirty="0">
+              <a:rPr lang="zh-TW" altLang="en-US" sz="4800" b="1" dirty="0">
                 <a:solidFill>
                   <a:srgbClr val="000066"/>
                 </a:solidFill>
@@ -3325,7 +3327,7 @@
               <a:t>膝你</a:t>
             </a:r>
             <a:r>
-              <a:rPr lang="zh-TW" altLang="en-US" sz="5400" b="1" dirty="0" smtClean="0">
+              <a:rPr lang="zh-TW" altLang="en-US" sz="4800" b="1" dirty="0" smtClean="0">
                 <a:solidFill>
                   <a:srgbClr val="000066"/>
                 </a:solidFill>
@@ -3335,7 +3337,7 @@
               <a:t>前  讓</a:t>
             </a:r>
             <a:r>
-              <a:rPr lang="zh-TW" altLang="en-US" sz="5400" b="1" dirty="0">
+              <a:rPr lang="zh-TW" altLang="en-US" sz="4800" b="1" dirty="0">
                 <a:solidFill>
                   <a:srgbClr val="000066"/>
                 </a:solidFill>
@@ -3344,7 +3346,7 @@
               </a:rPr>
               <a:t>我頌讚你</a:t>
             </a:r>
-            <a:endParaRPr lang="en-US" sz="5400" b="1" dirty="0">
+            <a:endParaRPr lang="en-US" sz="4800" b="1" dirty="0">
               <a:solidFill>
                 <a:srgbClr val="000066"/>
               </a:solidFill>

--- a/你是王.pptx
+++ b/你是王.pptx
@@ -5,7 +5,9 @@
     <p:sldMasterId id="2147483677" r:id="rId1"/>
   </p:sldMasterIdLst>
   <p:sldIdLst>
-    <p:sldId id="256" r:id="rId2"/>
+    <p:sldId id="257" r:id="rId2"/>
+    <p:sldId id="258" r:id="rId3"/>
+    <p:sldId id="259" r:id="rId4"/>
   </p:sldIdLst>
   <p:sldSz cx="9144000" cy="5143500" type="screen16x9"/>
   <p:notesSz cx="6858000" cy="9144000"/>
@@ -104,6 +106,22 @@
       </a:defRPr>
     </a:lvl9pPr>
   </p:defaultTextStyle>
+  <p:extLst>
+    <p:ext uri="{EFAFB233-063F-42B5-8137-9DF3F51BA10A}">
+      <p15:sldGuideLst xmlns:p15="http://schemas.microsoft.com/office/powerpoint/2012/main">
+        <p15:guide id="1" orient="horz" pos="1620">
+          <p15:clr>
+            <a:srgbClr val="A4A3A4"/>
+          </p15:clr>
+        </p15:guide>
+        <p15:guide id="2" pos="2880">
+          <p15:clr>
+            <a:srgbClr val="A4A3A4"/>
+          </p15:clr>
+        </p15:guide>
+      </p15:sldGuideLst>
+    </p:ext>
+  </p:extLst>
 </p:presentation>
 </file>
 
@@ -289,7 +307,7 @@
             <a:fld id="{505C1DF9-CE24-4975-BF9D-C60A005B3778}" type="datetimeFigureOut">
               <a:rPr lang="en-US" smtClean="0"/>
               <a:pPr/>
-              <a:t>7/20/2019</a:t>
+              <a:t>12/26/2020</a:t>
             </a:fld>
             <a:endParaRPr lang="en-US"/>
           </a:p>
@@ -456,7 +474,7 @@
             <a:fld id="{505C1DF9-CE24-4975-BF9D-C60A005B3778}" type="datetimeFigureOut">
               <a:rPr lang="en-US" smtClean="0"/>
               <a:pPr/>
-              <a:t>7/20/2019</a:t>
+              <a:t>12/26/2020</a:t>
             </a:fld>
             <a:endParaRPr lang="en-US"/>
           </a:p>
@@ -633,7 +651,7 @@
             <a:fld id="{505C1DF9-CE24-4975-BF9D-C60A005B3778}" type="datetimeFigureOut">
               <a:rPr lang="en-US" smtClean="0"/>
               <a:pPr/>
-              <a:t>7/20/2019</a:t>
+              <a:t>12/26/2020</a:t>
             </a:fld>
             <a:endParaRPr lang="en-US"/>
           </a:p>
@@ -800,7 +818,7 @@
             <a:fld id="{505C1DF9-CE24-4975-BF9D-C60A005B3778}" type="datetimeFigureOut">
               <a:rPr lang="en-US" smtClean="0"/>
               <a:pPr/>
-              <a:t>7/20/2019</a:t>
+              <a:t>12/26/2020</a:t>
             </a:fld>
             <a:endParaRPr lang="en-US"/>
           </a:p>
@@ -1043,7 +1061,7 @@
             <a:fld id="{505C1DF9-CE24-4975-BF9D-C60A005B3778}" type="datetimeFigureOut">
               <a:rPr lang="en-US" smtClean="0"/>
               <a:pPr/>
-              <a:t>7/20/2019</a:t>
+              <a:t>12/26/2020</a:t>
             </a:fld>
             <a:endParaRPr lang="en-US"/>
           </a:p>
@@ -1328,7 +1346,7 @@
             <a:fld id="{505C1DF9-CE24-4975-BF9D-C60A005B3778}" type="datetimeFigureOut">
               <a:rPr lang="en-US" smtClean="0"/>
               <a:pPr/>
-              <a:t>7/20/2019</a:t>
+              <a:t>12/26/2020</a:t>
             </a:fld>
             <a:endParaRPr lang="en-US"/>
           </a:p>
@@ -1747,7 +1765,7 @@
             <a:fld id="{505C1DF9-CE24-4975-BF9D-C60A005B3778}" type="datetimeFigureOut">
               <a:rPr lang="en-US" smtClean="0"/>
               <a:pPr/>
-              <a:t>7/20/2019</a:t>
+              <a:t>12/26/2020</a:t>
             </a:fld>
             <a:endParaRPr lang="en-US"/>
           </a:p>
@@ -1862,7 +1880,7 @@
             <a:fld id="{505C1DF9-CE24-4975-BF9D-C60A005B3778}" type="datetimeFigureOut">
               <a:rPr lang="en-US" smtClean="0"/>
               <a:pPr/>
-              <a:t>7/20/2019</a:t>
+              <a:t>12/26/2020</a:t>
             </a:fld>
             <a:endParaRPr lang="en-US"/>
           </a:p>
@@ -1954,7 +1972,7 @@
             <a:fld id="{505C1DF9-CE24-4975-BF9D-C60A005B3778}" type="datetimeFigureOut">
               <a:rPr lang="en-US" smtClean="0"/>
               <a:pPr/>
-              <a:t>7/20/2019</a:t>
+              <a:t>12/26/2020</a:t>
             </a:fld>
             <a:endParaRPr lang="en-US"/>
           </a:p>
@@ -2228,7 +2246,7 @@
             <a:fld id="{505C1DF9-CE24-4975-BF9D-C60A005B3778}" type="datetimeFigureOut">
               <a:rPr lang="en-US" smtClean="0"/>
               <a:pPr/>
-              <a:t>7/20/2019</a:t>
+              <a:t>12/26/2020</a:t>
             </a:fld>
             <a:endParaRPr lang="en-US"/>
           </a:p>
@@ -2482,7 +2500,7 @@
             <a:fld id="{505C1DF9-CE24-4975-BF9D-C60A005B3778}" type="datetimeFigureOut">
               <a:rPr lang="en-US" smtClean="0"/>
               <a:pPr/>
-              <a:t>7/20/2019</a:t>
+              <a:t>12/26/2020</a:t>
             </a:fld>
             <a:endParaRPr lang="en-US"/>
           </a:p>
@@ -2697,7 +2715,7 @@
             <a:fld id="{505C1DF9-CE24-4975-BF9D-C60A005B3778}" type="datetimeFigureOut">
               <a:rPr lang="en-US" smtClean="0"/>
               <a:pPr/>
-              <a:t>7/20/2019</a:t>
+              <a:t>12/26/2020</a:t>
             </a:fld>
             <a:endParaRPr lang="en-US"/>
           </a:p>
@@ -3070,7 +3088,7 @@
       </p:grpSpPr>
       <p:sp>
         <p:nvSpPr>
-          <p:cNvPr id="4" name="Title 3"/>
+          <p:cNvPr id="4" name="標題 3"/>
           <p:cNvSpPr>
             <a:spLocks noGrp="1"/>
           </p:cNvSpPr>
@@ -3078,54 +3096,158 @@
             <p:ph type="title"/>
           </p:nvPr>
         </p:nvSpPr>
-        <p:spPr/>
+        <p:spPr>
+          <a:xfrm>
+            <a:off x="0" y="2143135"/>
+            <a:ext cx="9144000" cy="857250"/>
+          </a:xfrm>
+        </p:spPr>
         <p:txBody>
           <a:bodyPr>
+            <a:noAutofit/>
+          </a:bodyPr>
+          <a:lstStyle/>
+          <a:p>
+            <a:r>
+              <a:rPr lang="zh-CN" altLang="en-US" sz="5400" b="1" i="1" dirty="0" smtClean="0">
+                <a:solidFill>
+                  <a:srgbClr val="660033"/>
+                </a:solidFill>
+                <a:effectLst>
+                  <a:outerShdw blurRad="38100" dist="38100" dir="2700000" algn="tl">
+                    <a:srgbClr val="000000">
+                      <a:alpha val="43137"/>
+                    </a:srgbClr>
+                  </a:outerShdw>
+                </a:effectLst>
+                <a:latin typeface="微軟正黑體" pitchFamily="34" charset="-120"/>
+                <a:ea typeface="微軟正黑體" pitchFamily="34" charset="-120"/>
+              </a:rPr>
+              <a:t>袮</a:t>
+            </a:r>
+            <a:r>
+              <a:rPr lang="zh-TW" altLang="en-US" sz="5400" b="1" i="1" dirty="0">
+                <a:solidFill>
+                  <a:srgbClr val="660033"/>
+                </a:solidFill>
+                <a:effectLst>
+                  <a:outerShdw blurRad="38100" dist="38100" dir="2700000" algn="tl">
+                    <a:srgbClr val="000000">
+                      <a:alpha val="43137"/>
+                    </a:srgbClr>
+                  </a:outerShdw>
+                </a:effectLst>
+                <a:latin typeface="微軟正黑體" pitchFamily="34" charset="-120"/>
+                <a:ea typeface="微軟正黑體" pitchFamily="34" charset="-120"/>
+              </a:rPr>
+              <a:t>是王</a:t>
+            </a:r>
+          </a:p>
+        </p:txBody>
+      </p:sp>
+    </p:spTree>
+    <p:extLst>
+      <p:ext uri="{BB962C8B-B14F-4D97-AF65-F5344CB8AC3E}">
+        <p14:creationId xmlns:p14="http://schemas.microsoft.com/office/powerpoint/2010/main" val="748537289"/>
+      </p:ext>
+    </p:extLst>
+  </p:cSld>
+  <p:clrMapOvr>
+    <a:masterClrMapping/>
+  </p:clrMapOvr>
+</p:sld>
+</file>
+
+<file path=ppt/slides/slide2.xml><?xml version="1.0" encoding="utf-8"?>
+<p:sld xmlns:a="http://schemas.openxmlformats.org/drawingml/2006/main" xmlns:r="http://schemas.openxmlformats.org/officeDocument/2006/relationships" xmlns:p="http://schemas.openxmlformats.org/presentationml/2006/main">
+  <p:cSld>
+    <p:spTree>
+      <p:nvGrpSpPr>
+        <p:cNvPr id="1" name=""/>
+        <p:cNvGrpSpPr/>
+        <p:nvPr/>
+      </p:nvGrpSpPr>
+      <p:grpSpPr>
+        <a:xfrm>
+          <a:off x="0" y="0"/>
+          <a:ext cx="0" cy="0"/>
+          <a:chOff x="0" y="0"/>
+          <a:chExt cx="0" cy="0"/>
+        </a:xfrm>
+      </p:grpSpPr>
+      <p:sp>
+        <p:nvSpPr>
+          <p:cNvPr id="5" name="內容版面配置區 4"/>
+          <p:cNvSpPr>
+            <a:spLocks noGrp="1"/>
+          </p:cNvSpPr>
+          <p:nvPr>
+            <p:ph idx="1"/>
+          </p:nvPr>
+        </p:nvSpPr>
+        <p:spPr>
+          <a:xfrm>
+            <a:off x="0" y="1563638"/>
+            <a:ext cx="9144000" cy="1803647"/>
+          </a:xfrm>
+        </p:spPr>
+        <p:txBody>
+          <a:bodyPr anchor="ctr">
             <a:normAutofit/>
           </a:bodyPr>
           <a:lstStyle/>
           <a:p>
-            <a:r>
-              <a:rPr lang="zh-TW" altLang="en-US" sz="4000" b="1" dirty="0">
+            <a:pPr algn="ctr">
+              <a:buNone/>
+            </a:pPr>
+            <a:r>
+              <a:rPr lang="zh-TW" altLang="en-US" sz="4800" b="1" dirty="0">
                 <a:solidFill>
-                  <a:srgbClr val="000066"/>
+                  <a:srgbClr val="660033"/>
                 </a:solidFill>
                 <a:latin typeface="微軟正黑體" pitchFamily="34" charset="-120"/>
                 <a:ea typeface="微軟正黑體" pitchFamily="34" charset="-120"/>
               </a:rPr>
-              <a:t>你是王</a:t>
-            </a:r>
-            <a:endParaRPr lang="en-US" sz="4000" b="1" dirty="0">
+              <a:t>神</a:t>
+            </a:r>
+            <a:r>
+              <a:rPr lang="zh-CN" altLang="en-US" sz="4800" b="1" dirty="0">
+                <a:solidFill>
+                  <a:srgbClr val="660033"/>
+                </a:solidFill>
+                <a:latin typeface="微軟正黑體" pitchFamily="34" charset="-120"/>
+                <a:ea typeface="微軟正黑體" pitchFamily="34" charset="-120"/>
+              </a:rPr>
+              <a:t>袮</a:t>
+            </a:r>
+            <a:r>
+              <a:rPr lang="zh-TW" altLang="en-US" sz="4800" b="1" dirty="0">
+                <a:solidFill>
+                  <a:srgbClr val="660033"/>
+                </a:solidFill>
+                <a:latin typeface="微軟正黑體" pitchFamily="34" charset="-120"/>
+                <a:ea typeface="微軟正黑體" pitchFamily="34" charset="-120"/>
+              </a:rPr>
+              <a:t>極偉大  萬有都歸</a:t>
+            </a:r>
+            <a:r>
+              <a:rPr lang="zh-CN" altLang="en-US" sz="4800" b="1" dirty="0">
+                <a:solidFill>
+                  <a:srgbClr val="660033"/>
+                </a:solidFill>
+                <a:latin typeface="微軟正黑體" pitchFamily="34" charset="-120"/>
+                <a:ea typeface="微軟正黑體" pitchFamily="34" charset="-120"/>
+              </a:rPr>
+              <a:t>袮</a:t>
+            </a:r>
+            <a:endParaRPr lang="en-US" altLang="zh-TW" sz="4800" b="1" dirty="0">
               <a:solidFill>
-                <a:srgbClr val="000066"/>
+                <a:srgbClr val="660033"/>
               </a:solidFill>
               <a:latin typeface="微軟正黑體" pitchFamily="34" charset="-120"/>
               <a:ea typeface="微軟正黑體" pitchFamily="34" charset="-120"/>
             </a:endParaRPr>
           </a:p>
-        </p:txBody>
-      </p:sp>
-      <p:sp>
-        <p:nvSpPr>
-          <p:cNvPr id="5" name="Content Placeholder 4"/>
-          <p:cNvSpPr>
-            <a:spLocks noGrp="1"/>
-          </p:cNvSpPr>
-          <p:nvPr>
-            <p:ph idx="1"/>
-          </p:nvPr>
-        </p:nvSpPr>
-        <p:spPr>
-          <a:xfrm>
-            <a:off x="357158" y="1200151"/>
-            <a:ext cx="8643998" cy="3394472"/>
-          </a:xfrm>
-        </p:spPr>
-        <p:txBody>
-          <a:bodyPr>
-            <a:noAutofit/>
-          </a:bodyPr>
-          <a:lstStyle/>
           <a:p>
             <a:pPr algn="ctr">
               <a:buNone/>
@@ -3133,46 +3255,111 @@
             <a:r>
               <a:rPr lang="zh-TW" altLang="en-US" sz="4800" b="1" dirty="0">
                 <a:solidFill>
-                  <a:srgbClr val="000066"/>
+                  <a:srgbClr val="660033"/>
                 </a:solidFill>
                 <a:latin typeface="微軟正黑體" pitchFamily="34" charset="-120"/>
                 <a:ea typeface="微軟正黑體" pitchFamily="34" charset="-120"/>
               </a:rPr>
-              <a:t>神你極偉</a:t>
-            </a:r>
-            <a:r>
-              <a:rPr lang="zh-TW" altLang="en-US" sz="4800" b="1" dirty="0" smtClean="0">
+              <a:t>主宰一切  </a:t>
+            </a:r>
+            <a:r>
+              <a:rPr lang="zh-CN" altLang="en-US" sz="4800" b="1" dirty="0">
                 <a:solidFill>
-                  <a:srgbClr val="000066"/>
+                  <a:srgbClr val="660033"/>
                 </a:solidFill>
                 <a:latin typeface="微軟正黑體" pitchFamily="34" charset="-120"/>
                 <a:ea typeface="微軟正黑體" pitchFamily="34" charset="-120"/>
               </a:rPr>
-              <a:t>大  萬</a:t>
+              <a:t>袮</a:t>
             </a:r>
             <a:r>
               <a:rPr lang="zh-TW" altLang="en-US" sz="4800" b="1" dirty="0">
                 <a:solidFill>
-                  <a:srgbClr val="000066"/>
+                  <a:srgbClr val="660033"/>
                 </a:solidFill>
                 <a:latin typeface="微軟正黑體" pitchFamily="34" charset="-120"/>
                 <a:ea typeface="微軟正黑體" pitchFamily="34" charset="-120"/>
               </a:rPr>
-              <a:t>有都歸</a:t>
-            </a:r>
-            <a:r>
-              <a:rPr lang="zh-TW" altLang="en-US" sz="4800" b="1" dirty="0" smtClean="0">
+              <a:t>是王</a:t>
+            </a:r>
+            <a:endParaRPr lang="en-US" altLang="zh-TW" sz="4800" b="1" dirty="0">
+              <a:solidFill>
+                <a:srgbClr val="660033"/>
+              </a:solidFill>
+              <a:latin typeface="微軟正黑體" pitchFamily="34" charset="-120"/>
+              <a:ea typeface="微軟正黑體" pitchFamily="34" charset="-120"/>
+            </a:endParaRPr>
+          </a:p>
+        </p:txBody>
+      </p:sp>
+    </p:spTree>
+    <p:extLst>
+      <p:ext uri="{BB962C8B-B14F-4D97-AF65-F5344CB8AC3E}">
+        <p14:creationId xmlns:p14="http://schemas.microsoft.com/office/powerpoint/2010/main" val="2335412257"/>
+      </p:ext>
+    </p:extLst>
+  </p:cSld>
+  <p:clrMapOvr>
+    <a:masterClrMapping/>
+  </p:clrMapOvr>
+</p:sld>
+</file>
+
+<file path=ppt/slides/slide3.xml><?xml version="1.0" encoding="utf-8"?>
+<p:sld xmlns:a="http://schemas.openxmlformats.org/drawingml/2006/main" xmlns:r="http://schemas.openxmlformats.org/officeDocument/2006/relationships" xmlns:p="http://schemas.openxmlformats.org/presentationml/2006/main">
+  <p:cSld>
+    <p:spTree>
+      <p:nvGrpSpPr>
+        <p:cNvPr id="1" name=""/>
+        <p:cNvGrpSpPr/>
+        <p:nvPr/>
+      </p:nvGrpSpPr>
+      <p:grpSpPr>
+        <a:xfrm>
+          <a:off x="0" y="0"/>
+          <a:ext cx="0" cy="0"/>
+          <a:chOff x="0" y="0"/>
+          <a:chExt cx="0" cy="0"/>
+        </a:xfrm>
+      </p:grpSpPr>
+      <p:sp>
+        <p:nvSpPr>
+          <p:cNvPr id="5" name="內容版面配置區 4"/>
+          <p:cNvSpPr>
+            <a:spLocks noGrp="1"/>
+          </p:cNvSpPr>
+          <p:nvPr>
+            <p:ph idx="1"/>
+          </p:nvPr>
+        </p:nvSpPr>
+        <p:spPr>
+          <a:xfrm>
+            <a:off x="0" y="1563638"/>
+            <a:ext cx="9144000" cy="1803647"/>
+          </a:xfrm>
+        </p:spPr>
+        <p:txBody>
+          <a:bodyPr anchor="ctr">
+            <a:normAutofit/>
+          </a:bodyPr>
+          <a:lstStyle/>
+          <a:p>
+            <a:pPr algn="ctr">
+              <a:buNone/>
+            </a:pPr>
+            <a:r>
+              <a:rPr lang="zh-TW" altLang="en-US" sz="4800" b="1" dirty="0">
                 <a:solidFill>
-                  <a:srgbClr val="000066"/>
+                  <a:srgbClr val="660033"/>
                 </a:solidFill>
                 <a:latin typeface="微軟正黑體" pitchFamily="34" charset="-120"/>
                 <a:ea typeface="微軟正黑體" pitchFamily="34" charset="-120"/>
               </a:rPr>
-              <a:t>你</a:t>
-            </a:r>
-            <a:endParaRPr lang="en-US" altLang="zh-TW" sz="4800" b="1" dirty="0" smtClean="0">
+              <a:t>尊貴主  我景仰</a:t>
+            </a:r>
+            <a:endParaRPr lang="en-US" altLang="zh-TW" sz="4800" b="1" dirty="0">
               <a:solidFill>
-                <a:srgbClr val="000066"/>
+                <a:srgbClr val="660033"/>
               </a:solidFill>
               <a:latin typeface="微軟正黑體" pitchFamily="34" charset="-120"/>
               <a:ea typeface="微軟正黑體" pitchFamily="34" charset="-120"/>
@@ -3183,191 +3370,65 @@
               <a:buNone/>
             </a:pPr>
             <a:r>
-              <a:rPr lang="zh-TW" altLang="en-US" sz="4800" b="1" dirty="0" smtClean="0">
+              <a:rPr lang="zh-TW" altLang="en-US" sz="4800" b="1" dirty="0">
                 <a:solidFill>
-                  <a:srgbClr val="000066"/>
+                  <a:srgbClr val="660033"/>
                 </a:solidFill>
                 <a:latin typeface="微軟正黑體" pitchFamily="34" charset="-120"/>
                 <a:ea typeface="微軟正黑體" pitchFamily="34" charset="-120"/>
               </a:rPr>
-              <a:t>主</a:t>
-            </a:r>
-            <a:r>
-              <a:rPr lang="zh-TW" altLang="en-US" sz="4800" b="1" dirty="0">
+              <a:t>屈膝</a:t>
+            </a:r>
+            <a:r>
+              <a:rPr lang="zh-CN" altLang="en-US" sz="4800" b="1" dirty="0">
                 <a:solidFill>
-                  <a:srgbClr val="000066"/>
+                  <a:srgbClr val="660033"/>
                 </a:solidFill>
                 <a:latin typeface="微軟正黑體" pitchFamily="34" charset="-120"/>
                 <a:ea typeface="微軟正黑體" pitchFamily="34" charset="-120"/>
               </a:rPr>
-              <a:t>宰一</a:t>
-            </a:r>
-            <a:r>
-              <a:rPr lang="zh-TW" altLang="en-US" sz="4800" b="1" dirty="0" smtClean="0">
+              <a:t>袮</a:t>
+            </a:r>
+            <a:r>
+              <a:rPr lang="zh-TW" altLang="en-US" sz="4800" b="1" dirty="0">
                 <a:solidFill>
-                  <a:srgbClr val="000066"/>
+                  <a:srgbClr val="660033"/>
                 </a:solidFill>
                 <a:latin typeface="微軟正黑體" pitchFamily="34" charset="-120"/>
                 <a:ea typeface="微軟正黑體" pitchFamily="34" charset="-120"/>
               </a:rPr>
-              <a:t>切  你</a:t>
-            </a:r>
-            <a:r>
-              <a:rPr lang="zh-TW" altLang="en-US" sz="4800" b="1" dirty="0">
+              <a:t>前  讓我頌讚</a:t>
+            </a:r>
+            <a:r>
+              <a:rPr lang="zh-CN" altLang="en-US" sz="4800" b="1" dirty="0">
                 <a:solidFill>
-                  <a:srgbClr val="000066"/>
+                  <a:srgbClr val="660033"/>
                 </a:solidFill>
                 <a:latin typeface="微軟正黑體" pitchFamily="34" charset="-120"/>
                 <a:ea typeface="微軟正黑體" pitchFamily="34" charset="-120"/>
               </a:rPr>
-              <a:t>是</a:t>
-            </a:r>
-            <a:r>
-              <a:rPr lang="zh-TW" altLang="en-US" sz="4800" b="1" dirty="0" smtClean="0">
-                <a:solidFill>
-                  <a:srgbClr val="000066"/>
-                </a:solidFill>
-                <a:latin typeface="微軟正黑體" pitchFamily="34" charset="-120"/>
-                <a:ea typeface="微軟正黑體" pitchFamily="34" charset="-120"/>
-              </a:rPr>
-              <a:t>王</a:t>
-            </a:r>
-            <a:endParaRPr lang="en-US" altLang="zh-TW" sz="4800" b="1" dirty="0">
+              <a:t>袮</a:t>
+            </a:r>
+            <a:endParaRPr lang="en-US" sz="4800" b="1" dirty="0">
               <a:solidFill>
-                <a:srgbClr val="000066"/>
+                <a:srgbClr val="660033"/>
               </a:solidFill>
               <a:latin typeface="微軟正黑體" pitchFamily="34" charset="-120"/>
               <a:ea typeface="微軟正黑體" pitchFamily="34" charset="-120"/>
             </a:endParaRPr>
           </a:p>
-          <a:p>
-            <a:pPr algn="ctr">
-              <a:buNone/>
-            </a:pPr>
-            <a:r>
-              <a:rPr lang="zh-TW" altLang="en-US" sz="4800" b="1" dirty="0" smtClean="0">
-                <a:solidFill>
-                  <a:srgbClr val="000066"/>
-                </a:solidFill>
-                <a:latin typeface="微軟正黑體" pitchFamily="34" charset="-120"/>
-                <a:ea typeface="微軟正黑體" pitchFamily="34" charset="-120"/>
-              </a:rPr>
-              <a:t>尊</a:t>
-            </a:r>
-            <a:r>
-              <a:rPr lang="zh-TW" altLang="en-US" sz="4800" b="1" dirty="0">
-                <a:solidFill>
-                  <a:srgbClr val="000066"/>
-                </a:solidFill>
-                <a:latin typeface="微軟正黑體" pitchFamily="34" charset="-120"/>
-                <a:ea typeface="微軟正黑體" pitchFamily="34" charset="-120"/>
-              </a:rPr>
-              <a:t>貴</a:t>
-            </a:r>
-            <a:r>
-              <a:rPr lang="zh-TW" altLang="en-US" sz="4800" b="1" dirty="0" smtClean="0">
-                <a:solidFill>
-                  <a:srgbClr val="000066"/>
-                </a:solidFill>
-                <a:latin typeface="微軟正黑體" pitchFamily="34" charset="-120"/>
-                <a:ea typeface="微軟正黑體" pitchFamily="34" charset="-120"/>
-              </a:rPr>
-              <a:t>主  我</a:t>
-            </a:r>
-            <a:r>
-              <a:rPr lang="zh-TW" altLang="en-US" sz="4800" b="1" dirty="0">
-                <a:solidFill>
-                  <a:srgbClr val="000066"/>
-                </a:solidFill>
-                <a:latin typeface="微軟正黑體" pitchFamily="34" charset="-120"/>
-                <a:ea typeface="微軟正黑體" pitchFamily="34" charset="-120"/>
-              </a:rPr>
-              <a:t>景</a:t>
-            </a:r>
-            <a:r>
-              <a:rPr lang="zh-TW" altLang="en-US" sz="4800" b="1" dirty="0" smtClean="0">
-                <a:solidFill>
-                  <a:srgbClr val="000066"/>
-                </a:solidFill>
-                <a:latin typeface="微軟正黑體" pitchFamily="34" charset="-120"/>
-                <a:ea typeface="微軟正黑體" pitchFamily="34" charset="-120"/>
-              </a:rPr>
-              <a:t>仰</a:t>
-            </a:r>
-            <a:endParaRPr lang="en-US" altLang="zh-TW" sz="4800" b="1" dirty="0" smtClean="0">
-              <a:solidFill>
-                <a:srgbClr val="000066"/>
-              </a:solidFill>
-              <a:latin typeface="微軟正黑體" pitchFamily="34" charset="-120"/>
-              <a:ea typeface="微軟正黑體" pitchFamily="34" charset="-120"/>
-            </a:endParaRPr>
-          </a:p>
-          <a:p>
-            <a:pPr algn="ctr">
-              <a:buNone/>
-            </a:pPr>
-            <a:r>
-              <a:rPr lang="zh-TW" altLang="en-US" sz="4800" b="1" dirty="0" smtClean="0">
-                <a:solidFill>
-                  <a:srgbClr val="000066"/>
-                </a:solidFill>
-                <a:latin typeface="微軟正黑體" pitchFamily="34" charset="-120"/>
-                <a:ea typeface="微軟正黑體" pitchFamily="34" charset="-120"/>
-              </a:rPr>
-              <a:t>屈</a:t>
-            </a:r>
-            <a:r>
-              <a:rPr lang="zh-TW" altLang="en-US" sz="4800" b="1" dirty="0">
-                <a:solidFill>
-                  <a:srgbClr val="000066"/>
-                </a:solidFill>
-                <a:latin typeface="微軟正黑體" pitchFamily="34" charset="-120"/>
-                <a:ea typeface="微軟正黑體" pitchFamily="34" charset="-120"/>
-              </a:rPr>
-              <a:t>膝你</a:t>
-            </a:r>
-            <a:r>
-              <a:rPr lang="zh-TW" altLang="en-US" sz="4800" b="1" dirty="0" smtClean="0">
-                <a:solidFill>
-                  <a:srgbClr val="000066"/>
-                </a:solidFill>
-                <a:latin typeface="微軟正黑體" pitchFamily="34" charset="-120"/>
-                <a:ea typeface="微軟正黑體" pitchFamily="34" charset="-120"/>
-              </a:rPr>
-              <a:t>前  讓</a:t>
-            </a:r>
-            <a:r>
-              <a:rPr lang="zh-TW" altLang="en-US" sz="4800" b="1" dirty="0">
-                <a:solidFill>
-                  <a:srgbClr val="000066"/>
-                </a:solidFill>
-                <a:latin typeface="微軟正黑體" pitchFamily="34" charset="-120"/>
-                <a:ea typeface="微軟正黑體" pitchFamily="34" charset="-120"/>
-              </a:rPr>
-              <a:t>我頌讚你</a:t>
-            </a:r>
-            <a:endParaRPr lang="en-US" sz="4800" b="1" dirty="0">
-              <a:solidFill>
-                <a:srgbClr val="000066"/>
-              </a:solidFill>
-              <a:latin typeface="微軟正黑體" pitchFamily="34" charset="-120"/>
-              <a:ea typeface="微軟正黑體" pitchFamily="34" charset="-120"/>
-            </a:endParaRPr>
-          </a:p>
         </p:txBody>
       </p:sp>
     </p:spTree>
+    <p:extLst>
+      <p:ext uri="{BB962C8B-B14F-4D97-AF65-F5344CB8AC3E}">
+        <p14:creationId xmlns:p14="http://schemas.microsoft.com/office/powerpoint/2010/main" val="3977907090"/>
+      </p:ext>
+    </p:extLst>
   </p:cSld>
   <p:clrMapOvr>
     <a:masterClrMapping/>
   </p:clrMapOvr>
-  <p:timing>
-    <p:tnLst>
-      <p:par>
-        <p:cTn id="1" dur="indefinite" restart="never" nodeType="tmRoot"/>
-      </p:par>
-    </p:tnLst>
-  </p:timing>
 </p:sld>
 </file>
 

--- a/你是王.pptx
+++ b/你是王.pptx
@@ -8,6 +8,27 @@
     <p:sldId id="257" r:id="rId2"/>
     <p:sldId id="258" r:id="rId3"/>
     <p:sldId id="259" r:id="rId4"/>
+    <p:sldId id="260" r:id="rId5"/>
+    <p:sldId id="261" r:id="rId6"/>
+    <p:sldId id="262" r:id="rId7"/>
+    <p:sldId id="263" r:id="rId8"/>
+    <p:sldId id="264" r:id="rId9"/>
+    <p:sldId id="265" r:id="rId10"/>
+    <p:sldId id="266" r:id="rId11"/>
+    <p:sldId id="267" r:id="rId12"/>
+    <p:sldId id="268" r:id="rId13"/>
+    <p:sldId id="269" r:id="rId14"/>
+    <p:sldId id="270" r:id="rId15"/>
+    <p:sldId id="271" r:id="rId16"/>
+    <p:sldId id="272" r:id="rId17"/>
+    <p:sldId id="274" r:id="rId18"/>
+    <p:sldId id="275" r:id="rId19"/>
+    <p:sldId id="276" r:id="rId20"/>
+    <p:sldId id="277" r:id="rId21"/>
+    <p:sldId id="278" r:id="rId22"/>
+    <p:sldId id="279" r:id="rId23"/>
+    <p:sldId id="280" r:id="rId24"/>
+    <p:sldId id="281" r:id="rId25"/>
   </p:sldIdLst>
   <p:sldSz cx="9144000" cy="5143500" type="screen16x9"/>
   <p:notesSz cx="6858000" cy="9144000"/>
@@ -108,7 +129,7 @@
   </p:defaultTextStyle>
   <p:extLst>
     <p:ext uri="{EFAFB233-063F-42B5-8137-9DF3F51BA10A}">
-      <p15:sldGuideLst xmlns:p15="http://schemas.microsoft.com/office/powerpoint/2012/main">
+      <p15:sldGuideLst xmlns:p15="http://schemas.microsoft.com/office/powerpoint/2012/main" xmlns="">
         <p15:guide id="1" orient="horz" pos="1620">
           <p15:clr>
             <a:srgbClr val="A4A3A4"/>
@@ -307,7 +328,7 @@
             <a:fld id="{505C1DF9-CE24-4975-BF9D-C60A005B3778}" type="datetimeFigureOut">
               <a:rPr lang="en-US" smtClean="0"/>
               <a:pPr/>
-              <a:t>12/26/2020</a:t>
+              <a:t>3/8/2022</a:t>
             </a:fld>
             <a:endParaRPr lang="en-US"/>
           </a:p>
@@ -474,7 +495,7 @@
             <a:fld id="{505C1DF9-CE24-4975-BF9D-C60A005B3778}" type="datetimeFigureOut">
               <a:rPr lang="en-US" smtClean="0"/>
               <a:pPr/>
-              <a:t>12/26/2020</a:t>
+              <a:t>3/8/2022</a:t>
             </a:fld>
             <a:endParaRPr lang="en-US"/>
           </a:p>
@@ -651,7 +672,7 @@
             <a:fld id="{505C1DF9-CE24-4975-BF9D-C60A005B3778}" type="datetimeFigureOut">
               <a:rPr lang="en-US" smtClean="0"/>
               <a:pPr/>
-              <a:t>12/26/2020</a:t>
+              <a:t>3/8/2022</a:t>
             </a:fld>
             <a:endParaRPr lang="en-US"/>
           </a:p>
@@ -818,7 +839,7 @@
             <a:fld id="{505C1DF9-CE24-4975-BF9D-C60A005B3778}" type="datetimeFigureOut">
               <a:rPr lang="en-US" smtClean="0"/>
               <a:pPr/>
-              <a:t>12/26/2020</a:t>
+              <a:t>3/8/2022</a:t>
             </a:fld>
             <a:endParaRPr lang="en-US"/>
           </a:p>
@@ -1061,7 +1082,7 @@
             <a:fld id="{505C1DF9-CE24-4975-BF9D-C60A005B3778}" type="datetimeFigureOut">
               <a:rPr lang="en-US" smtClean="0"/>
               <a:pPr/>
-              <a:t>12/26/2020</a:t>
+              <a:t>3/8/2022</a:t>
             </a:fld>
             <a:endParaRPr lang="en-US"/>
           </a:p>
@@ -1346,7 +1367,7 @@
             <a:fld id="{505C1DF9-CE24-4975-BF9D-C60A005B3778}" type="datetimeFigureOut">
               <a:rPr lang="en-US" smtClean="0"/>
               <a:pPr/>
-              <a:t>12/26/2020</a:t>
+              <a:t>3/8/2022</a:t>
             </a:fld>
             <a:endParaRPr lang="en-US"/>
           </a:p>
@@ -1765,7 +1786,7 @@
             <a:fld id="{505C1DF9-CE24-4975-BF9D-C60A005B3778}" type="datetimeFigureOut">
               <a:rPr lang="en-US" smtClean="0"/>
               <a:pPr/>
-              <a:t>12/26/2020</a:t>
+              <a:t>3/8/2022</a:t>
             </a:fld>
             <a:endParaRPr lang="en-US"/>
           </a:p>
@@ -1880,7 +1901,7 @@
             <a:fld id="{505C1DF9-CE24-4975-BF9D-C60A005B3778}" type="datetimeFigureOut">
               <a:rPr lang="en-US" smtClean="0"/>
               <a:pPr/>
-              <a:t>12/26/2020</a:t>
+              <a:t>3/8/2022</a:t>
             </a:fld>
             <a:endParaRPr lang="en-US"/>
           </a:p>
@@ -1972,7 +1993,7 @@
             <a:fld id="{505C1DF9-CE24-4975-BF9D-C60A005B3778}" type="datetimeFigureOut">
               <a:rPr lang="en-US" smtClean="0"/>
               <a:pPr/>
-              <a:t>12/26/2020</a:t>
+              <a:t>3/8/2022</a:t>
             </a:fld>
             <a:endParaRPr lang="en-US"/>
           </a:p>
@@ -2246,7 +2267,7 @@
             <a:fld id="{505C1DF9-CE24-4975-BF9D-C60A005B3778}" type="datetimeFigureOut">
               <a:rPr lang="en-US" smtClean="0"/>
               <a:pPr/>
-              <a:t>12/26/2020</a:t>
+              <a:t>3/8/2022</a:t>
             </a:fld>
             <a:endParaRPr lang="en-US"/>
           </a:p>
@@ -2500,7 +2521,7 @@
             <a:fld id="{505C1DF9-CE24-4975-BF9D-C60A005B3778}" type="datetimeFigureOut">
               <a:rPr lang="en-US" smtClean="0"/>
               <a:pPr/>
-              <a:t>12/26/2020</a:t>
+              <a:t>3/8/2022</a:t>
             </a:fld>
             <a:endParaRPr lang="en-US"/>
           </a:p>
@@ -2715,7 +2736,7 @@
             <a:fld id="{505C1DF9-CE24-4975-BF9D-C60A005B3778}" type="datetimeFigureOut">
               <a:rPr lang="en-US" smtClean="0"/>
               <a:pPr/>
-              <a:t>12/26/2020</a:t>
+              <a:t>3/8/2022</a:t>
             </a:fld>
             <a:endParaRPr lang="en-US"/>
           </a:p>
@@ -3148,7 +3169,1924 @@
     </p:spTree>
     <p:extLst>
       <p:ext uri="{BB962C8B-B14F-4D97-AF65-F5344CB8AC3E}">
-        <p14:creationId xmlns:p14="http://schemas.microsoft.com/office/powerpoint/2010/main" val="748537289"/>
+        <p14:creationId xmlns:p14="http://schemas.microsoft.com/office/powerpoint/2010/main" xmlns="" val="748537289"/>
+      </p:ext>
+    </p:extLst>
+  </p:cSld>
+  <p:clrMapOvr>
+    <a:masterClrMapping/>
+  </p:clrMapOvr>
+</p:sld>
+</file>
+
+<file path=ppt/slides/slide10.xml><?xml version="1.0" encoding="utf-8"?>
+<p:sld xmlns:a="http://schemas.openxmlformats.org/drawingml/2006/main" xmlns:r="http://schemas.openxmlformats.org/officeDocument/2006/relationships" xmlns:p="http://schemas.openxmlformats.org/presentationml/2006/main">
+  <p:cSld>
+    <p:spTree>
+      <p:nvGrpSpPr>
+        <p:cNvPr id="1" name=""/>
+        <p:cNvGrpSpPr/>
+        <p:nvPr/>
+      </p:nvGrpSpPr>
+      <p:grpSpPr>
+        <a:xfrm>
+          <a:off x="0" y="0"/>
+          <a:ext cx="0" cy="0"/>
+          <a:chOff x="0" y="0"/>
+          <a:chExt cx="0" cy="0"/>
+        </a:xfrm>
+      </p:grpSpPr>
+      <p:sp>
+        <p:nvSpPr>
+          <p:cNvPr id="4" name="標題 3"/>
+          <p:cNvSpPr>
+            <a:spLocks noGrp="1"/>
+          </p:cNvSpPr>
+          <p:nvPr>
+            <p:ph type="title"/>
+          </p:nvPr>
+        </p:nvSpPr>
+        <p:spPr>
+          <a:xfrm>
+            <a:off x="0" y="1995686"/>
+            <a:ext cx="9144000" cy="857250"/>
+          </a:xfrm>
+        </p:spPr>
+        <p:txBody>
+          <a:bodyPr>
+            <a:noAutofit/>
+          </a:bodyPr>
+          <a:lstStyle/>
+          <a:p>
+            <a:r>
+              <a:rPr lang="zh-TW" altLang="en-US" sz="5400" b="1" i="1" dirty="0" smtClean="0">
+                <a:solidFill>
+                  <a:srgbClr val="660033"/>
+                </a:solidFill>
+                <a:effectLst>
+                  <a:outerShdw blurRad="38100" dist="38100" dir="2700000" algn="tl">
+                    <a:srgbClr val="000000">
+                      <a:alpha val="43137"/>
+                    </a:srgbClr>
+                  </a:outerShdw>
+                </a:effectLst>
+                <a:latin typeface="微軟正黑體" pitchFamily="34" charset="-120"/>
+                <a:ea typeface="微軟正黑體" pitchFamily="34" charset="-120"/>
+              </a:rPr>
+              <a:t>我</a:t>
+            </a:r>
+            <a:r>
+              <a:rPr lang="zh-TW" altLang="en-US" sz="5400" b="1" i="1" dirty="0">
+                <a:solidFill>
+                  <a:srgbClr val="660033"/>
+                </a:solidFill>
+                <a:effectLst>
+                  <a:outerShdw blurRad="38100" dist="38100" dir="2700000" algn="tl">
+                    <a:srgbClr val="000000">
+                      <a:alpha val="43137"/>
+                    </a:srgbClr>
+                  </a:outerShdw>
+                </a:effectLst>
+                <a:latin typeface="微軟正黑體" pitchFamily="34" charset="-120"/>
+                <a:ea typeface="微軟正黑體" pitchFamily="34" charset="-120"/>
+              </a:rPr>
+              <a:t>需要有</a:t>
+            </a:r>
+            <a:r>
+              <a:rPr lang="zh-CN" altLang="en-US" sz="5400" b="1" i="1" dirty="0">
+                <a:solidFill>
+                  <a:srgbClr val="660033"/>
+                </a:solidFill>
+                <a:effectLst>
+                  <a:outerShdw blurRad="38100" dist="38100" dir="2700000" algn="tl">
+                    <a:srgbClr val="000000">
+                      <a:alpha val="43137"/>
+                    </a:srgbClr>
+                  </a:outerShdw>
+                </a:effectLst>
+                <a:latin typeface="微軟正黑體" pitchFamily="34" charset="-120"/>
+                <a:ea typeface="微軟正黑體" pitchFamily="34" charset="-120"/>
+              </a:rPr>
+              <a:t>袮</a:t>
+            </a:r>
+            <a:r>
+              <a:rPr lang="zh-TW" altLang="en-US" sz="5400" b="1" i="1" dirty="0">
+                <a:solidFill>
+                  <a:srgbClr val="660033"/>
+                </a:solidFill>
+                <a:effectLst>
+                  <a:outerShdw blurRad="38100" dist="38100" dir="2700000" algn="tl">
+                    <a:srgbClr val="000000">
+                      <a:alpha val="43137"/>
+                    </a:srgbClr>
+                  </a:outerShdw>
+                </a:effectLst>
+                <a:latin typeface="微軟正黑體" pitchFamily="34" charset="-120"/>
+                <a:ea typeface="微軟正黑體" pitchFamily="34" charset="-120"/>
+              </a:rPr>
+              <a:t>在我生命中</a:t>
+            </a:r>
+          </a:p>
+        </p:txBody>
+      </p:sp>
+    </p:spTree>
+    <p:extLst>
+      <p:ext uri="{BB962C8B-B14F-4D97-AF65-F5344CB8AC3E}">
+        <p14:creationId xmlns:p14="http://schemas.microsoft.com/office/powerpoint/2010/main" xmlns="" val="923418580"/>
+      </p:ext>
+    </p:extLst>
+  </p:cSld>
+  <p:clrMapOvr>
+    <a:masterClrMapping/>
+  </p:clrMapOvr>
+</p:sld>
+</file>
+
+<file path=ppt/slides/slide11.xml><?xml version="1.0" encoding="utf-8"?>
+<p:sld xmlns:a="http://schemas.openxmlformats.org/drawingml/2006/main" xmlns:r="http://schemas.openxmlformats.org/officeDocument/2006/relationships" xmlns:p="http://schemas.openxmlformats.org/presentationml/2006/main">
+  <p:cSld>
+    <p:spTree>
+      <p:nvGrpSpPr>
+        <p:cNvPr id="1" name=""/>
+        <p:cNvGrpSpPr/>
+        <p:nvPr/>
+      </p:nvGrpSpPr>
+      <p:grpSpPr>
+        <a:xfrm>
+          <a:off x="0" y="0"/>
+          <a:ext cx="0" cy="0"/>
+          <a:chOff x="0" y="0"/>
+          <a:chExt cx="0" cy="0"/>
+        </a:xfrm>
+      </p:grpSpPr>
+      <p:sp>
+        <p:nvSpPr>
+          <p:cNvPr id="5" name="內容版面配置區 4"/>
+          <p:cNvSpPr>
+            <a:spLocks noGrp="1"/>
+          </p:cNvSpPr>
+          <p:nvPr>
+            <p:ph idx="1"/>
+          </p:nvPr>
+        </p:nvSpPr>
+        <p:spPr>
+          <a:xfrm>
+            <a:off x="0" y="1563640"/>
+            <a:ext cx="9144000" cy="1803647"/>
+          </a:xfrm>
+        </p:spPr>
+        <p:txBody>
+          <a:bodyPr anchor="ctr">
+            <a:normAutofit/>
+          </a:bodyPr>
+          <a:lstStyle/>
+          <a:p>
+            <a:pPr algn="ctr">
+              <a:buNone/>
+            </a:pPr>
+            <a:r>
+              <a:rPr lang="zh-TW" altLang="en-US" sz="4800" b="1" dirty="0">
+                <a:solidFill>
+                  <a:srgbClr val="660033"/>
+                </a:solidFill>
+                <a:latin typeface="微軟正黑體" pitchFamily="34" charset="-120"/>
+                <a:ea typeface="微軟正黑體" pitchFamily="34" charset="-120"/>
+              </a:rPr>
+              <a:t>哦主 </a:t>
+            </a:r>
+            <a:r>
+              <a:rPr lang="zh-TW" altLang="en-US" sz="4800" b="1" dirty="0" smtClean="0">
+                <a:solidFill>
+                  <a:srgbClr val="660033"/>
+                </a:solidFill>
+                <a:latin typeface="微軟正黑體" pitchFamily="34" charset="-120"/>
+                <a:ea typeface="微軟正黑體" pitchFamily="34" charset="-120"/>
+              </a:rPr>
+              <a:t> 求</a:t>
+            </a:r>
+            <a:r>
+              <a:rPr lang="zh-CN" altLang="en-US" sz="4800" b="1" dirty="0">
+                <a:solidFill>
+                  <a:srgbClr val="660033"/>
+                </a:solidFill>
+                <a:latin typeface="微軟正黑體" pitchFamily="34" charset="-120"/>
+                <a:ea typeface="微軟正黑體" pitchFamily="34" charset="-120"/>
+              </a:rPr>
+              <a:t>袮</a:t>
+            </a:r>
+            <a:r>
+              <a:rPr lang="zh-TW" altLang="en-US" sz="4800" b="1" dirty="0">
+                <a:solidFill>
+                  <a:srgbClr val="660033"/>
+                </a:solidFill>
+                <a:latin typeface="微軟正黑體" pitchFamily="34" charset="-120"/>
+                <a:ea typeface="微軟正黑體" pitchFamily="34" charset="-120"/>
+              </a:rPr>
+              <a:t>保</a:t>
+            </a:r>
+            <a:r>
+              <a:rPr lang="zh-TW" altLang="en-US" sz="4800" b="1" dirty="0" smtClean="0">
+                <a:solidFill>
+                  <a:srgbClr val="660033"/>
+                </a:solidFill>
+                <a:latin typeface="微軟正黑體" pitchFamily="34" charset="-120"/>
+                <a:ea typeface="微軟正黑體" pitchFamily="34" charset="-120"/>
+              </a:rPr>
+              <a:t>守我</a:t>
+            </a:r>
+            <a:r>
+              <a:rPr lang="zh-TW" altLang="en-US" sz="4800" b="1" dirty="0">
+                <a:solidFill>
+                  <a:srgbClr val="660033"/>
+                </a:solidFill>
+                <a:latin typeface="微軟正黑體" pitchFamily="34" charset="-120"/>
+                <a:ea typeface="微軟正黑體" pitchFamily="34" charset="-120"/>
+              </a:rPr>
+              <a:t>的</a:t>
+            </a:r>
+            <a:r>
+              <a:rPr lang="zh-TW" altLang="en-US" sz="4800" b="1" dirty="0" smtClean="0">
+                <a:solidFill>
+                  <a:srgbClr val="660033"/>
+                </a:solidFill>
+                <a:latin typeface="微軟正黑體" pitchFamily="34" charset="-120"/>
+                <a:ea typeface="微軟正黑體" pitchFamily="34" charset="-120"/>
+              </a:rPr>
+              <a:t>心  我</a:t>
+            </a:r>
+            <a:r>
+              <a:rPr lang="zh-TW" altLang="en-US" sz="4800" b="1" dirty="0">
+                <a:solidFill>
+                  <a:srgbClr val="660033"/>
+                </a:solidFill>
+                <a:latin typeface="微軟正黑體" pitchFamily="34" charset="-120"/>
+                <a:ea typeface="微軟正黑體" pitchFamily="34" charset="-120"/>
+              </a:rPr>
+              <a:t>的意念 </a:t>
+            </a:r>
+            <a:endParaRPr lang="en-US" altLang="zh-TW" sz="4800" b="1" dirty="0">
+              <a:solidFill>
+                <a:srgbClr val="660033"/>
+              </a:solidFill>
+              <a:latin typeface="微軟正黑體" pitchFamily="34" charset="-120"/>
+              <a:ea typeface="微軟正黑體" pitchFamily="34" charset="-120"/>
+            </a:endParaRPr>
+          </a:p>
+          <a:p>
+            <a:pPr algn="ctr">
+              <a:buNone/>
+            </a:pPr>
+            <a:r>
+              <a:rPr lang="zh-TW" altLang="en-US" sz="4800" b="1" dirty="0">
+                <a:solidFill>
+                  <a:srgbClr val="660033"/>
+                </a:solidFill>
+                <a:latin typeface="微軟正黑體" pitchFamily="34" charset="-120"/>
+                <a:ea typeface="微軟正黑體" pitchFamily="34" charset="-120"/>
+              </a:rPr>
+              <a:t>使我能夠遵行</a:t>
+            </a:r>
+            <a:r>
+              <a:rPr lang="zh-CN" altLang="en-US" sz="4800" b="1" dirty="0">
+                <a:solidFill>
+                  <a:srgbClr val="660033"/>
+                </a:solidFill>
+                <a:latin typeface="微軟正黑體" pitchFamily="34" charset="-120"/>
+                <a:ea typeface="微軟正黑體" pitchFamily="34" charset="-120"/>
+              </a:rPr>
+              <a:t>袮</a:t>
+            </a:r>
+            <a:r>
+              <a:rPr lang="zh-TW" altLang="en-US" sz="4800" b="1" dirty="0">
+                <a:solidFill>
+                  <a:srgbClr val="660033"/>
+                </a:solidFill>
+                <a:latin typeface="微軟正黑體" pitchFamily="34" charset="-120"/>
+                <a:ea typeface="微軟正黑體" pitchFamily="34" charset="-120"/>
+              </a:rPr>
+              <a:t>旨意</a:t>
+            </a:r>
+            <a:endParaRPr lang="en-US" altLang="zh-TW" sz="4800" b="1" dirty="0">
+              <a:solidFill>
+                <a:srgbClr val="660033"/>
+              </a:solidFill>
+              <a:latin typeface="微軟正黑體" pitchFamily="34" charset="-120"/>
+              <a:ea typeface="微軟正黑體" pitchFamily="34" charset="-120"/>
+            </a:endParaRPr>
+          </a:p>
+        </p:txBody>
+      </p:sp>
+      <p:sp>
+        <p:nvSpPr>
+          <p:cNvPr id="3" name="TextBox 2"/>
+          <p:cNvSpPr txBox="1"/>
+          <p:nvPr/>
+        </p:nvSpPr>
+        <p:spPr>
+          <a:xfrm>
+            <a:off x="0" y="3867896"/>
+            <a:ext cx="9144000" cy="623248"/>
+          </a:xfrm>
+          <a:prstGeom prst="rect">
+            <a:avLst/>
+          </a:prstGeom>
+          <a:noFill/>
+        </p:spPr>
+        <p:txBody>
+          <a:bodyPr wrap="square" lIns="68580" tIns="34290" rIns="68580" bIns="34290" rtlCol="0">
+            <a:spAutoFit/>
+          </a:bodyPr>
+          <a:lstStyle/>
+          <a:p>
+            <a:pPr algn="ctr"/>
+            <a:r>
+              <a:rPr lang="en-US" sz="3600" b="1" dirty="0">
+                <a:solidFill>
+                  <a:srgbClr val="660033"/>
+                </a:solidFill>
+                <a:latin typeface="Microsoft JhengHei" panose="020B0604030504040204" pitchFamily="34" charset="-120"/>
+                <a:ea typeface="Microsoft JhengHei" panose="020B0604030504040204" pitchFamily="34" charset="-120"/>
+              </a:rPr>
+              <a:t>( </a:t>
+            </a:r>
+            <a:r>
+              <a:rPr lang="zh-CN" altLang="en-US" sz="3600" b="1" dirty="0" smtClean="0">
+                <a:solidFill>
+                  <a:srgbClr val="660033"/>
+                </a:solidFill>
+                <a:latin typeface="Microsoft JhengHei" panose="020B0604030504040204" pitchFamily="34" charset="-120"/>
+                <a:ea typeface="Microsoft JhengHei" panose="020B0604030504040204" pitchFamily="34" charset="-120"/>
+              </a:rPr>
+              <a:t>正 </a:t>
+            </a:r>
+            <a:r>
+              <a:rPr lang="en-US" sz="3600" b="1" dirty="0">
+                <a:solidFill>
+                  <a:srgbClr val="660033"/>
+                </a:solidFill>
+                <a:latin typeface="Microsoft JhengHei" panose="020B0604030504040204" pitchFamily="34" charset="-120"/>
+                <a:ea typeface="Microsoft JhengHei" panose="020B0604030504040204" pitchFamily="34" charset="-120"/>
+              </a:rPr>
+              <a:t>)</a:t>
+            </a:r>
+            <a:endParaRPr lang="vi-VN" sz="3600" b="1" dirty="0">
+              <a:solidFill>
+                <a:srgbClr val="660033"/>
+              </a:solidFill>
+              <a:ea typeface="Microsoft JhengHei" panose="020B0604030504040204" pitchFamily="34" charset="-120"/>
+            </a:endParaRPr>
+          </a:p>
+        </p:txBody>
+      </p:sp>
+    </p:spTree>
+    <p:extLst>
+      <p:ext uri="{BB962C8B-B14F-4D97-AF65-F5344CB8AC3E}">
+        <p14:creationId xmlns:p14="http://schemas.microsoft.com/office/powerpoint/2010/main" xmlns="" val="3305604035"/>
+      </p:ext>
+    </p:extLst>
+  </p:cSld>
+  <p:clrMapOvr>
+    <a:masterClrMapping/>
+  </p:clrMapOvr>
+</p:sld>
+</file>
+
+<file path=ppt/slides/slide12.xml><?xml version="1.0" encoding="utf-8"?>
+<p:sld xmlns:a="http://schemas.openxmlformats.org/drawingml/2006/main" xmlns:r="http://schemas.openxmlformats.org/officeDocument/2006/relationships" xmlns:p="http://schemas.openxmlformats.org/presentationml/2006/main">
+  <p:cSld>
+    <p:spTree>
+      <p:nvGrpSpPr>
+        <p:cNvPr id="1" name=""/>
+        <p:cNvGrpSpPr/>
+        <p:nvPr/>
+      </p:nvGrpSpPr>
+      <p:grpSpPr>
+        <a:xfrm>
+          <a:off x="0" y="0"/>
+          <a:ext cx="0" cy="0"/>
+          <a:chOff x="0" y="0"/>
+          <a:chExt cx="0" cy="0"/>
+        </a:xfrm>
+      </p:grpSpPr>
+      <p:sp>
+        <p:nvSpPr>
+          <p:cNvPr id="5" name="內容版面配置區 4"/>
+          <p:cNvSpPr>
+            <a:spLocks noGrp="1"/>
+          </p:cNvSpPr>
+          <p:nvPr>
+            <p:ph idx="1"/>
+          </p:nvPr>
+        </p:nvSpPr>
+        <p:spPr>
+          <a:xfrm>
+            <a:off x="0" y="1563640"/>
+            <a:ext cx="9144000" cy="1803647"/>
+          </a:xfrm>
+        </p:spPr>
+        <p:txBody>
+          <a:bodyPr anchor="ctr">
+            <a:normAutofit/>
+          </a:bodyPr>
+          <a:lstStyle/>
+          <a:p>
+            <a:pPr algn="ctr">
+              <a:buNone/>
+            </a:pPr>
+            <a:r>
+              <a:rPr lang="zh-TW" altLang="en-US" sz="4800" b="1" dirty="0">
+                <a:solidFill>
+                  <a:srgbClr val="660033"/>
+                </a:solidFill>
+                <a:latin typeface="微軟正黑體" pitchFamily="34" charset="-120"/>
+                <a:ea typeface="微軟正黑體" pitchFamily="34" charset="-120"/>
+              </a:rPr>
+              <a:t>我願將</a:t>
+            </a:r>
+            <a:r>
+              <a:rPr lang="zh-CN" altLang="en-US" sz="4800" b="1" dirty="0">
+                <a:solidFill>
+                  <a:srgbClr val="660033"/>
+                </a:solidFill>
+                <a:latin typeface="微軟正黑體" pitchFamily="34" charset="-120"/>
+                <a:ea typeface="微軟正黑體" pitchFamily="34" charset="-120"/>
+              </a:rPr>
+              <a:t>袮</a:t>
+            </a:r>
+            <a:r>
+              <a:rPr lang="zh-TW" altLang="en-US" sz="4800" b="1" dirty="0">
+                <a:solidFill>
+                  <a:srgbClr val="660033"/>
+                </a:solidFill>
+                <a:latin typeface="微軟正黑體" pitchFamily="34" charset="-120"/>
+                <a:ea typeface="微軟正黑體" pitchFamily="34" charset="-120"/>
+              </a:rPr>
+              <a:t>話語深藏在我心</a:t>
+            </a:r>
+          </a:p>
+          <a:p>
+            <a:pPr algn="ctr">
+              <a:buNone/>
+            </a:pPr>
+            <a:r>
+              <a:rPr lang="zh-TW" altLang="en-US" sz="4800" b="1" dirty="0">
+                <a:solidFill>
+                  <a:srgbClr val="660033"/>
+                </a:solidFill>
+                <a:latin typeface="微軟正黑體" pitchFamily="34" charset="-120"/>
+                <a:ea typeface="微軟正黑體" pitchFamily="34" charset="-120"/>
+              </a:rPr>
+              <a:t>作路上的光  成為我腳前的燈</a:t>
+            </a:r>
+          </a:p>
+        </p:txBody>
+      </p:sp>
+      <p:sp>
+        <p:nvSpPr>
+          <p:cNvPr id="3" name="TextBox 2"/>
+          <p:cNvSpPr txBox="1"/>
+          <p:nvPr/>
+        </p:nvSpPr>
+        <p:spPr>
+          <a:xfrm>
+            <a:off x="0" y="3867896"/>
+            <a:ext cx="9144000" cy="623248"/>
+          </a:xfrm>
+          <a:prstGeom prst="rect">
+            <a:avLst/>
+          </a:prstGeom>
+          <a:noFill/>
+        </p:spPr>
+        <p:txBody>
+          <a:bodyPr wrap="square" lIns="68580" tIns="34290" rIns="68580" bIns="34290" rtlCol="0">
+            <a:spAutoFit/>
+          </a:bodyPr>
+          <a:lstStyle/>
+          <a:p>
+            <a:pPr algn="ctr"/>
+            <a:r>
+              <a:rPr lang="en-US" sz="3600" b="1" dirty="0" smtClean="0">
+                <a:solidFill>
+                  <a:srgbClr val="660033"/>
+                </a:solidFill>
+                <a:latin typeface="Microsoft JhengHei" panose="020B0604030504040204" pitchFamily="34" charset="-120"/>
+                <a:ea typeface="Microsoft JhengHei" panose="020B0604030504040204" pitchFamily="34" charset="-120"/>
+              </a:rPr>
+              <a:t>( </a:t>
+            </a:r>
+            <a:r>
+              <a:rPr lang="zh-CN" altLang="en-US" sz="3600" b="1" dirty="0" smtClean="0">
+                <a:solidFill>
+                  <a:srgbClr val="660033"/>
+                </a:solidFill>
+                <a:latin typeface="Microsoft JhengHei" panose="020B0604030504040204" pitchFamily="34" charset="-120"/>
+                <a:ea typeface="Microsoft JhengHei" panose="020B0604030504040204" pitchFamily="34" charset="-120"/>
+              </a:rPr>
+              <a:t>正 </a:t>
+            </a:r>
+            <a:r>
+              <a:rPr lang="en-US" sz="3600" b="1" dirty="0" smtClean="0">
+                <a:solidFill>
+                  <a:srgbClr val="660033"/>
+                </a:solidFill>
+                <a:latin typeface="Microsoft JhengHei" panose="020B0604030504040204" pitchFamily="34" charset="-120"/>
+                <a:ea typeface="Microsoft JhengHei" panose="020B0604030504040204" pitchFamily="34" charset="-120"/>
+              </a:rPr>
+              <a:t>)</a:t>
+            </a:r>
+            <a:endParaRPr lang="vi-VN" sz="3600" b="1" dirty="0">
+              <a:solidFill>
+                <a:srgbClr val="660033"/>
+              </a:solidFill>
+              <a:ea typeface="Microsoft JhengHei" panose="020B0604030504040204" pitchFamily="34" charset="-120"/>
+            </a:endParaRPr>
+          </a:p>
+        </p:txBody>
+      </p:sp>
+    </p:spTree>
+    <p:extLst>
+      <p:ext uri="{BB962C8B-B14F-4D97-AF65-F5344CB8AC3E}">
+        <p14:creationId xmlns:p14="http://schemas.microsoft.com/office/powerpoint/2010/main" xmlns="" val="2104074409"/>
+      </p:ext>
+    </p:extLst>
+  </p:cSld>
+  <p:clrMapOvr>
+    <a:masterClrMapping/>
+  </p:clrMapOvr>
+</p:sld>
+</file>
+
+<file path=ppt/slides/slide13.xml><?xml version="1.0" encoding="utf-8"?>
+<p:sld xmlns:a="http://schemas.openxmlformats.org/drawingml/2006/main" xmlns:r="http://schemas.openxmlformats.org/officeDocument/2006/relationships" xmlns:p="http://schemas.openxmlformats.org/presentationml/2006/main">
+  <p:cSld>
+    <p:spTree>
+      <p:nvGrpSpPr>
+        <p:cNvPr id="1" name=""/>
+        <p:cNvGrpSpPr/>
+        <p:nvPr/>
+      </p:nvGrpSpPr>
+      <p:grpSpPr>
+        <a:xfrm>
+          <a:off x="0" y="0"/>
+          <a:ext cx="0" cy="0"/>
+          <a:chOff x="0" y="0"/>
+          <a:chExt cx="0" cy="0"/>
+        </a:xfrm>
+      </p:grpSpPr>
+      <p:sp>
+        <p:nvSpPr>
+          <p:cNvPr id="5" name="內容版面配置區 4"/>
+          <p:cNvSpPr>
+            <a:spLocks noGrp="1"/>
+          </p:cNvSpPr>
+          <p:nvPr>
+            <p:ph idx="1"/>
+          </p:nvPr>
+        </p:nvSpPr>
+        <p:spPr>
+          <a:xfrm>
+            <a:off x="0" y="1563640"/>
+            <a:ext cx="9144000" cy="1803647"/>
+          </a:xfrm>
+        </p:spPr>
+        <p:txBody>
+          <a:bodyPr anchor="ctr">
+            <a:normAutofit/>
+          </a:bodyPr>
+          <a:lstStyle/>
+          <a:p>
+            <a:pPr algn="ctr">
+              <a:buNone/>
+            </a:pPr>
+            <a:r>
+              <a:rPr lang="zh-TW" altLang="en-US" sz="4800" b="1" dirty="0">
+                <a:solidFill>
+                  <a:srgbClr val="660033"/>
+                </a:solidFill>
+                <a:latin typeface="微軟正黑體" pitchFamily="34" charset="-120"/>
+                <a:ea typeface="微軟正黑體" pitchFamily="34" charset="-120"/>
+              </a:rPr>
+              <a:t>哦主  求</a:t>
+            </a:r>
+            <a:r>
+              <a:rPr lang="zh-CN" altLang="en-US" sz="4800" b="1" dirty="0">
+                <a:solidFill>
+                  <a:srgbClr val="660033"/>
+                </a:solidFill>
+                <a:latin typeface="微軟正黑體" pitchFamily="34" charset="-120"/>
+                <a:ea typeface="微軟正黑體" pitchFamily="34" charset="-120"/>
+              </a:rPr>
+              <a:t>袮</a:t>
+            </a:r>
+            <a:r>
+              <a:rPr lang="zh-TW" altLang="en-US" sz="4800" b="1" dirty="0">
+                <a:solidFill>
+                  <a:srgbClr val="660033"/>
+                </a:solidFill>
+                <a:latin typeface="微軟正黑體" pitchFamily="34" charset="-120"/>
+                <a:ea typeface="微軟正黑體" pitchFamily="34" charset="-120"/>
+              </a:rPr>
+              <a:t>堅</a:t>
+            </a:r>
+            <a:r>
+              <a:rPr lang="zh-TW" altLang="en-US" sz="4800" b="1" dirty="0" smtClean="0">
+                <a:solidFill>
+                  <a:srgbClr val="660033"/>
+                </a:solidFill>
+                <a:latin typeface="微軟正黑體" pitchFamily="34" charset="-120"/>
+                <a:ea typeface="微軟正黑體" pitchFamily="34" charset="-120"/>
+              </a:rPr>
+              <a:t>固我</a:t>
+            </a:r>
+            <a:r>
+              <a:rPr lang="zh-TW" altLang="en-US" sz="4800" b="1" dirty="0">
+                <a:solidFill>
+                  <a:srgbClr val="660033"/>
+                </a:solidFill>
+                <a:latin typeface="微軟正黑體" pitchFamily="34" charset="-120"/>
+                <a:ea typeface="微軟正黑體" pitchFamily="34" charset="-120"/>
+              </a:rPr>
+              <a:t>信</a:t>
+            </a:r>
+            <a:r>
+              <a:rPr lang="zh-TW" altLang="en-US" sz="4800" b="1" dirty="0" smtClean="0">
+                <a:solidFill>
+                  <a:srgbClr val="660033"/>
+                </a:solidFill>
+                <a:latin typeface="微軟正黑體" pitchFamily="34" charset="-120"/>
+                <a:ea typeface="微軟正黑體" pitchFamily="34" charset="-120"/>
+              </a:rPr>
+              <a:t>心  我</a:t>
+            </a:r>
+            <a:r>
+              <a:rPr lang="zh-TW" altLang="en-US" sz="4800" b="1" dirty="0">
+                <a:solidFill>
+                  <a:srgbClr val="660033"/>
+                </a:solidFill>
+                <a:latin typeface="微軟正黑體" pitchFamily="34" charset="-120"/>
+                <a:ea typeface="微軟正黑體" pitchFamily="34" charset="-120"/>
+              </a:rPr>
+              <a:t>的力量 </a:t>
+            </a:r>
+            <a:endParaRPr lang="en-US" altLang="zh-TW" sz="4800" b="1" dirty="0">
+              <a:solidFill>
+                <a:srgbClr val="660033"/>
+              </a:solidFill>
+              <a:latin typeface="微軟正黑體" pitchFamily="34" charset="-120"/>
+              <a:ea typeface="微軟正黑體" pitchFamily="34" charset="-120"/>
+            </a:endParaRPr>
+          </a:p>
+          <a:p>
+            <a:pPr algn="ctr">
+              <a:buNone/>
+            </a:pPr>
+            <a:r>
+              <a:rPr lang="zh-TW" altLang="en-US" sz="4800" b="1" dirty="0">
+                <a:solidFill>
+                  <a:srgbClr val="660033"/>
+                </a:solidFill>
+                <a:latin typeface="微軟正黑體" pitchFamily="34" charset="-120"/>
+                <a:ea typeface="微軟正黑體" pitchFamily="34" charset="-120"/>
+              </a:rPr>
+              <a:t>使我得以勇敢向前行</a:t>
+            </a:r>
+          </a:p>
+        </p:txBody>
+      </p:sp>
+      <p:sp>
+        <p:nvSpPr>
+          <p:cNvPr id="3" name="TextBox 2"/>
+          <p:cNvSpPr txBox="1"/>
+          <p:nvPr/>
+        </p:nvSpPr>
+        <p:spPr>
+          <a:xfrm>
+            <a:off x="0" y="3867896"/>
+            <a:ext cx="9144000" cy="623248"/>
+          </a:xfrm>
+          <a:prstGeom prst="rect">
+            <a:avLst/>
+          </a:prstGeom>
+          <a:noFill/>
+        </p:spPr>
+        <p:txBody>
+          <a:bodyPr wrap="square" lIns="68580" tIns="34290" rIns="68580" bIns="34290" rtlCol="0">
+            <a:spAutoFit/>
+          </a:bodyPr>
+          <a:lstStyle/>
+          <a:p>
+            <a:pPr algn="ctr"/>
+            <a:r>
+              <a:rPr lang="en-US" sz="3600" b="1" dirty="0">
+                <a:solidFill>
+                  <a:srgbClr val="660033"/>
+                </a:solidFill>
+                <a:latin typeface="Microsoft JhengHei" panose="020B0604030504040204" pitchFamily="34" charset="-120"/>
+                <a:ea typeface="Microsoft JhengHei" panose="020B0604030504040204" pitchFamily="34" charset="-120"/>
+              </a:rPr>
+              <a:t>( </a:t>
+            </a:r>
+            <a:r>
+              <a:rPr lang="zh-CN" altLang="en-US" sz="3600" b="1" dirty="0" smtClean="0">
+                <a:solidFill>
+                  <a:srgbClr val="660033"/>
+                </a:solidFill>
+                <a:latin typeface="Microsoft JhengHei" panose="020B0604030504040204" pitchFamily="34" charset="-120"/>
+                <a:ea typeface="Microsoft JhengHei" panose="020B0604030504040204" pitchFamily="34" charset="-120"/>
+              </a:rPr>
+              <a:t>正 </a:t>
+            </a:r>
+            <a:r>
+              <a:rPr lang="en-US" sz="3600" b="1" dirty="0">
+                <a:solidFill>
+                  <a:srgbClr val="660033"/>
+                </a:solidFill>
+                <a:latin typeface="Microsoft JhengHei" panose="020B0604030504040204" pitchFamily="34" charset="-120"/>
+                <a:ea typeface="Microsoft JhengHei" panose="020B0604030504040204" pitchFamily="34" charset="-120"/>
+              </a:rPr>
+              <a:t>)</a:t>
+            </a:r>
+            <a:endParaRPr lang="vi-VN" sz="3600" b="1" dirty="0">
+              <a:solidFill>
+                <a:srgbClr val="660033"/>
+              </a:solidFill>
+              <a:ea typeface="Microsoft JhengHei" panose="020B0604030504040204" pitchFamily="34" charset="-120"/>
+            </a:endParaRPr>
+          </a:p>
+        </p:txBody>
+      </p:sp>
+    </p:spTree>
+    <p:extLst>
+      <p:ext uri="{BB962C8B-B14F-4D97-AF65-F5344CB8AC3E}">
+        <p14:creationId xmlns:p14="http://schemas.microsoft.com/office/powerpoint/2010/main" xmlns="" val="893705007"/>
+      </p:ext>
+    </p:extLst>
+  </p:cSld>
+  <p:clrMapOvr>
+    <a:masterClrMapping/>
+  </p:clrMapOvr>
+</p:sld>
+</file>
+
+<file path=ppt/slides/slide14.xml><?xml version="1.0" encoding="utf-8"?>
+<p:sld xmlns:a="http://schemas.openxmlformats.org/drawingml/2006/main" xmlns:r="http://schemas.openxmlformats.org/officeDocument/2006/relationships" xmlns:p="http://schemas.openxmlformats.org/presentationml/2006/main">
+  <p:cSld>
+    <p:spTree>
+      <p:nvGrpSpPr>
+        <p:cNvPr id="1" name=""/>
+        <p:cNvGrpSpPr/>
+        <p:nvPr/>
+      </p:nvGrpSpPr>
+      <p:grpSpPr>
+        <a:xfrm>
+          <a:off x="0" y="0"/>
+          <a:ext cx="0" cy="0"/>
+          <a:chOff x="0" y="0"/>
+          <a:chExt cx="0" cy="0"/>
+        </a:xfrm>
+      </p:grpSpPr>
+      <p:sp>
+        <p:nvSpPr>
+          <p:cNvPr id="5" name="內容版面配置區 4"/>
+          <p:cNvSpPr>
+            <a:spLocks noGrp="1"/>
+          </p:cNvSpPr>
+          <p:nvPr>
+            <p:ph idx="1"/>
+          </p:nvPr>
+        </p:nvSpPr>
+        <p:spPr>
+          <a:xfrm>
+            <a:off x="0" y="1563640"/>
+            <a:ext cx="9144000" cy="1803647"/>
+          </a:xfrm>
+        </p:spPr>
+        <p:txBody>
+          <a:bodyPr anchor="ctr">
+            <a:normAutofit/>
+          </a:bodyPr>
+          <a:lstStyle/>
+          <a:p>
+            <a:pPr algn="ctr">
+              <a:buNone/>
+            </a:pPr>
+            <a:r>
+              <a:rPr lang="zh-TW" altLang="en-US" sz="4800" b="1" dirty="0">
+                <a:solidFill>
+                  <a:srgbClr val="660033"/>
+                </a:solidFill>
+                <a:latin typeface="微軟正黑體" pitchFamily="34" charset="-120"/>
+                <a:ea typeface="微軟正黑體" pitchFamily="34" charset="-120"/>
+              </a:rPr>
+              <a:t>因我知道有時我仍會軟弱</a:t>
+            </a:r>
+          </a:p>
+          <a:p>
+            <a:pPr algn="ctr">
+              <a:buNone/>
+            </a:pPr>
+            <a:r>
+              <a:rPr lang="zh-TW" altLang="en-US" sz="4800" b="1" dirty="0">
+                <a:solidFill>
+                  <a:srgbClr val="660033"/>
+                </a:solidFill>
+                <a:latin typeface="微軟正黑體" pitchFamily="34" charset="-120"/>
+                <a:ea typeface="微軟正黑體" pitchFamily="34" charset="-120"/>
+              </a:rPr>
+              <a:t>求</a:t>
+            </a:r>
+            <a:r>
+              <a:rPr lang="zh-CN" altLang="en-US" sz="4800" b="1" dirty="0">
+                <a:solidFill>
+                  <a:srgbClr val="660033"/>
+                </a:solidFill>
+                <a:latin typeface="微軟正黑體" pitchFamily="34" charset="-120"/>
+                <a:ea typeface="微軟正黑體" pitchFamily="34" charset="-120"/>
+              </a:rPr>
+              <a:t>袮</a:t>
+            </a:r>
+            <a:r>
+              <a:rPr lang="zh-TW" altLang="en-US" sz="4800" b="1" dirty="0">
+                <a:solidFill>
+                  <a:srgbClr val="660033"/>
+                </a:solidFill>
+                <a:latin typeface="微軟正黑體" pitchFamily="34" charset="-120"/>
+                <a:ea typeface="微軟正黑體" pitchFamily="34" charset="-120"/>
+              </a:rPr>
+              <a:t>帶領我  使我不會再退縮</a:t>
+            </a:r>
+          </a:p>
+        </p:txBody>
+      </p:sp>
+      <p:sp>
+        <p:nvSpPr>
+          <p:cNvPr id="3" name="TextBox 2"/>
+          <p:cNvSpPr txBox="1"/>
+          <p:nvPr/>
+        </p:nvSpPr>
+        <p:spPr>
+          <a:xfrm>
+            <a:off x="0" y="3867896"/>
+            <a:ext cx="9144000" cy="623248"/>
+          </a:xfrm>
+          <a:prstGeom prst="rect">
+            <a:avLst/>
+          </a:prstGeom>
+          <a:noFill/>
+        </p:spPr>
+        <p:txBody>
+          <a:bodyPr wrap="square" lIns="68580" tIns="34290" rIns="68580" bIns="34290" rtlCol="0">
+            <a:spAutoFit/>
+          </a:bodyPr>
+          <a:lstStyle/>
+          <a:p>
+            <a:pPr algn="ctr"/>
+            <a:r>
+              <a:rPr lang="en-US" sz="3600" b="1" dirty="0" smtClean="0">
+                <a:solidFill>
+                  <a:srgbClr val="660033"/>
+                </a:solidFill>
+                <a:latin typeface="Microsoft JhengHei" panose="020B0604030504040204" pitchFamily="34" charset="-120"/>
+                <a:ea typeface="Microsoft JhengHei" panose="020B0604030504040204" pitchFamily="34" charset="-120"/>
+              </a:rPr>
+              <a:t>( </a:t>
+            </a:r>
+            <a:r>
+              <a:rPr lang="zh-CN" altLang="en-US" sz="3600" b="1" dirty="0" smtClean="0">
+                <a:solidFill>
+                  <a:srgbClr val="660033"/>
+                </a:solidFill>
+                <a:latin typeface="Microsoft JhengHei" panose="020B0604030504040204" pitchFamily="34" charset="-120"/>
+                <a:ea typeface="Microsoft JhengHei" panose="020B0604030504040204" pitchFamily="34" charset="-120"/>
+              </a:rPr>
+              <a:t>正 </a:t>
+            </a:r>
+            <a:r>
+              <a:rPr lang="en-US" sz="3600" b="1" dirty="0" smtClean="0">
+                <a:solidFill>
+                  <a:srgbClr val="660033"/>
+                </a:solidFill>
+                <a:latin typeface="Microsoft JhengHei" panose="020B0604030504040204" pitchFamily="34" charset="-120"/>
+                <a:ea typeface="Microsoft JhengHei" panose="020B0604030504040204" pitchFamily="34" charset="-120"/>
+              </a:rPr>
+              <a:t>)</a:t>
+            </a:r>
+            <a:endParaRPr lang="vi-VN" sz="3600" b="1" dirty="0">
+              <a:solidFill>
+                <a:srgbClr val="660033"/>
+              </a:solidFill>
+              <a:ea typeface="Microsoft JhengHei" panose="020B0604030504040204" pitchFamily="34" charset="-120"/>
+            </a:endParaRPr>
+          </a:p>
+        </p:txBody>
+      </p:sp>
+    </p:spTree>
+    <p:extLst>
+      <p:ext uri="{BB962C8B-B14F-4D97-AF65-F5344CB8AC3E}">
+        <p14:creationId xmlns:p14="http://schemas.microsoft.com/office/powerpoint/2010/main" xmlns="" val="2723771421"/>
+      </p:ext>
+    </p:extLst>
+  </p:cSld>
+  <p:clrMapOvr>
+    <a:masterClrMapping/>
+  </p:clrMapOvr>
+</p:sld>
+</file>
+
+<file path=ppt/slides/slide15.xml><?xml version="1.0" encoding="utf-8"?>
+<p:sld xmlns:a="http://schemas.openxmlformats.org/drawingml/2006/main" xmlns:r="http://schemas.openxmlformats.org/officeDocument/2006/relationships" xmlns:p="http://schemas.openxmlformats.org/presentationml/2006/main">
+  <p:cSld>
+    <p:spTree>
+      <p:nvGrpSpPr>
+        <p:cNvPr id="1" name=""/>
+        <p:cNvGrpSpPr/>
+        <p:nvPr/>
+      </p:nvGrpSpPr>
+      <p:grpSpPr>
+        <a:xfrm>
+          <a:off x="0" y="0"/>
+          <a:ext cx="0" cy="0"/>
+          <a:chOff x="0" y="0"/>
+          <a:chExt cx="0" cy="0"/>
+        </a:xfrm>
+      </p:grpSpPr>
+      <p:sp>
+        <p:nvSpPr>
+          <p:cNvPr id="5" name="內容版面配置區 4"/>
+          <p:cNvSpPr>
+            <a:spLocks noGrp="1"/>
+          </p:cNvSpPr>
+          <p:nvPr>
+            <p:ph idx="1"/>
+          </p:nvPr>
+        </p:nvSpPr>
+        <p:spPr>
+          <a:xfrm>
+            <a:off x="0" y="1563640"/>
+            <a:ext cx="9144000" cy="1803647"/>
+          </a:xfrm>
+        </p:spPr>
+        <p:txBody>
+          <a:bodyPr anchor="ctr">
+            <a:normAutofit/>
+          </a:bodyPr>
+          <a:lstStyle/>
+          <a:p>
+            <a:pPr algn="ctr">
+              <a:buNone/>
+            </a:pPr>
+            <a:r>
+              <a:rPr lang="zh-TW" altLang="en-US" sz="4800" b="1" dirty="0">
+                <a:solidFill>
+                  <a:srgbClr val="660033"/>
+                </a:solidFill>
+                <a:latin typeface="微軟正黑體" pitchFamily="34" charset="-120"/>
+                <a:ea typeface="微軟正黑體" pitchFamily="34" charset="-120"/>
+              </a:rPr>
+              <a:t>我需要有</a:t>
+            </a:r>
+            <a:r>
+              <a:rPr lang="zh-CN" altLang="en-US" sz="4800" b="1" dirty="0">
+                <a:solidFill>
+                  <a:srgbClr val="660033"/>
+                </a:solidFill>
+                <a:latin typeface="微軟正黑體" pitchFamily="34" charset="-120"/>
+                <a:ea typeface="微軟正黑體" pitchFamily="34" charset="-120"/>
+              </a:rPr>
+              <a:t>袮</a:t>
+            </a:r>
+            <a:r>
+              <a:rPr lang="zh-TW" altLang="en-US" sz="4800" b="1" dirty="0">
+                <a:solidFill>
+                  <a:srgbClr val="660033"/>
+                </a:solidFill>
+                <a:latin typeface="微軟正黑體" pitchFamily="34" charset="-120"/>
+                <a:ea typeface="微軟正黑體" pitchFamily="34" charset="-120"/>
+              </a:rPr>
+              <a:t>在我生命中 </a:t>
+            </a:r>
+            <a:endParaRPr lang="en-US" altLang="zh-TW" sz="4800" b="1" dirty="0">
+              <a:solidFill>
+                <a:srgbClr val="660033"/>
+              </a:solidFill>
+              <a:latin typeface="微軟正黑體" pitchFamily="34" charset="-120"/>
+              <a:ea typeface="微軟正黑體" pitchFamily="34" charset="-120"/>
+            </a:endParaRPr>
+          </a:p>
+          <a:p>
+            <a:pPr algn="ctr">
+              <a:buNone/>
+            </a:pPr>
+            <a:r>
+              <a:rPr lang="zh-TW" altLang="en-US" sz="4800" b="1" dirty="0">
+                <a:solidFill>
+                  <a:srgbClr val="660033"/>
+                </a:solidFill>
+                <a:latin typeface="微軟正黑體" pitchFamily="34" charset="-120"/>
+                <a:ea typeface="微軟正黑體" pitchFamily="34" charset="-120"/>
+              </a:rPr>
+              <a:t>好讓我一生能學</a:t>
+            </a:r>
+            <a:r>
+              <a:rPr lang="zh-CN" altLang="en-US" sz="4800" b="1" dirty="0">
+                <a:solidFill>
+                  <a:srgbClr val="660033"/>
+                </a:solidFill>
+                <a:latin typeface="微軟正黑體" pitchFamily="34" charset="-120"/>
+                <a:ea typeface="微軟正黑體" pitchFamily="34" charset="-120"/>
+              </a:rPr>
+              <a:t>袮</a:t>
+            </a:r>
+            <a:r>
+              <a:rPr lang="zh-TW" altLang="en-US" sz="4800" b="1" dirty="0">
+                <a:solidFill>
+                  <a:srgbClr val="660033"/>
+                </a:solidFill>
+                <a:latin typeface="微軟正黑體" pitchFamily="34" charset="-120"/>
+                <a:ea typeface="微軟正黑體" pitchFamily="34" charset="-120"/>
+              </a:rPr>
+              <a:t>的樣式</a:t>
+            </a:r>
+          </a:p>
+        </p:txBody>
+      </p:sp>
+      <p:sp>
+        <p:nvSpPr>
+          <p:cNvPr id="3" name="TextBox 2"/>
+          <p:cNvSpPr txBox="1"/>
+          <p:nvPr/>
+        </p:nvSpPr>
+        <p:spPr>
+          <a:xfrm>
+            <a:off x="0" y="3867896"/>
+            <a:ext cx="9144000" cy="623248"/>
+          </a:xfrm>
+          <a:prstGeom prst="rect">
+            <a:avLst/>
+          </a:prstGeom>
+          <a:noFill/>
+        </p:spPr>
+        <p:txBody>
+          <a:bodyPr wrap="square" lIns="68580" tIns="34290" rIns="68580" bIns="34290" rtlCol="0">
+            <a:spAutoFit/>
+          </a:bodyPr>
+          <a:lstStyle/>
+          <a:p>
+            <a:pPr algn="ctr"/>
+            <a:r>
+              <a:rPr lang="en-US" sz="3600" b="1" dirty="0" smtClean="0">
+                <a:solidFill>
+                  <a:srgbClr val="660033"/>
+                </a:solidFill>
+                <a:latin typeface="Microsoft JhengHei" panose="020B0604030504040204" pitchFamily="34" charset="-120"/>
+                <a:ea typeface="Microsoft JhengHei" panose="020B0604030504040204" pitchFamily="34" charset="-120"/>
+              </a:rPr>
+              <a:t>( </a:t>
+            </a:r>
+            <a:r>
+              <a:rPr lang="zh-CN" altLang="en-US" sz="3600" b="1" dirty="0" smtClean="0">
+                <a:solidFill>
+                  <a:srgbClr val="660033"/>
+                </a:solidFill>
+                <a:latin typeface="Microsoft JhengHei" panose="020B0604030504040204" pitchFamily="34" charset="-120"/>
+                <a:ea typeface="Microsoft JhengHei" panose="020B0604030504040204" pitchFamily="34" charset="-120"/>
+              </a:rPr>
+              <a:t>副 </a:t>
+            </a:r>
+            <a:r>
+              <a:rPr lang="en-US" sz="3600" b="1" dirty="0" smtClean="0">
+                <a:solidFill>
+                  <a:srgbClr val="660033"/>
+                </a:solidFill>
+                <a:latin typeface="Microsoft JhengHei" panose="020B0604030504040204" pitchFamily="34" charset="-120"/>
+                <a:ea typeface="Microsoft JhengHei" panose="020B0604030504040204" pitchFamily="34" charset="-120"/>
+              </a:rPr>
+              <a:t>)</a:t>
+            </a:r>
+            <a:endParaRPr lang="vi-VN" sz="3600" b="1" dirty="0">
+              <a:solidFill>
+                <a:srgbClr val="660033"/>
+              </a:solidFill>
+              <a:ea typeface="Microsoft JhengHei" panose="020B0604030504040204" pitchFamily="34" charset="-120"/>
+            </a:endParaRPr>
+          </a:p>
+        </p:txBody>
+      </p:sp>
+    </p:spTree>
+    <p:extLst>
+      <p:ext uri="{BB962C8B-B14F-4D97-AF65-F5344CB8AC3E}">
+        <p14:creationId xmlns:p14="http://schemas.microsoft.com/office/powerpoint/2010/main" xmlns="" val="3541459039"/>
+      </p:ext>
+    </p:extLst>
+  </p:cSld>
+  <p:clrMapOvr>
+    <a:masterClrMapping/>
+  </p:clrMapOvr>
+</p:sld>
+</file>
+
+<file path=ppt/slides/slide16.xml><?xml version="1.0" encoding="utf-8"?>
+<p:sld xmlns:a="http://schemas.openxmlformats.org/drawingml/2006/main" xmlns:r="http://schemas.openxmlformats.org/officeDocument/2006/relationships" xmlns:p="http://schemas.openxmlformats.org/presentationml/2006/main">
+  <p:cSld>
+    <p:spTree>
+      <p:nvGrpSpPr>
+        <p:cNvPr id="1" name=""/>
+        <p:cNvGrpSpPr/>
+        <p:nvPr/>
+      </p:nvGrpSpPr>
+      <p:grpSpPr>
+        <a:xfrm>
+          <a:off x="0" y="0"/>
+          <a:ext cx="0" cy="0"/>
+          <a:chOff x="0" y="0"/>
+          <a:chExt cx="0" cy="0"/>
+        </a:xfrm>
+      </p:grpSpPr>
+      <p:sp>
+        <p:nvSpPr>
+          <p:cNvPr id="5" name="內容版面配置區 4"/>
+          <p:cNvSpPr>
+            <a:spLocks noGrp="1"/>
+          </p:cNvSpPr>
+          <p:nvPr>
+            <p:ph idx="1"/>
+          </p:nvPr>
+        </p:nvSpPr>
+        <p:spPr>
+          <a:xfrm>
+            <a:off x="0" y="1563640"/>
+            <a:ext cx="9144000" cy="1803647"/>
+          </a:xfrm>
+        </p:spPr>
+        <p:txBody>
+          <a:bodyPr anchor="ctr">
+            <a:normAutofit/>
+          </a:bodyPr>
+          <a:lstStyle/>
+          <a:p>
+            <a:pPr algn="ctr">
+              <a:buNone/>
+            </a:pPr>
+            <a:r>
+              <a:rPr lang="zh-TW" altLang="en-US" sz="4800" b="1" dirty="0">
+                <a:solidFill>
+                  <a:srgbClr val="660033"/>
+                </a:solidFill>
+                <a:latin typeface="微軟正黑體" pitchFamily="34" charset="-120"/>
+                <a:ea typeface="微軟正黑體" pitchFamily="34" charset="-120"/>
+              </a:rPr>
+              <a:t>使我能成為</a:t>
+            </a:r>
+            <a:r>
+              <a:rPr lang="zh-CN" altLang="en-US" sz="4800" b="1" dirty="0">
+                <a:solidFill>
+                  <a:srgbClr val="660033"/>
+                </a:solidFill>
+                <a:latin typeface="微軟正黑體" pitchFamily="34" charset="-120"/>
+                <a:ea typeface="微軟正黑體" pitchFamily="34" charset="-120"/>
+              </a:rPr>
+              <a:t>袮</a:t>
+            </a:r>
+            <a:r>
+              <a:rPr lang="zh-TW" altLang="en-US" sz="4800" b="1" dirty="0">
+                <a:solidFill>
+                  <a:srgbClr val="660033"/>
+                </a:solidFill>
+                <a:latin typeface="微軟正黑體" pitchFamily="34" charset="-120"/>
+                <a:ea typeface="微軟正黑體" pitchFamily="34" charset="-120"/>
+              </a:rPr>
+              <a:t>所喜悅的兒女</a:t>
+            </a:r>
+          </a:p>
+          <a:p>
+            <a:pPr algn="ctr">
+              <a:buNone/>
+            </a:pPr>
+            <a:r>
+              <a:rPr lang="zh-TW" altLang="en-US" sz="4800" b="1" dirty="0">
+                <a:solidFill>
+                  <a:srgbClr val="660033"/>
+                </a:solidFill>
+                <a:latin typeface="微軟正黑體" pitchFamily="34" charset="-120"/>
+                <a:ea typeface="微軟正黑體" pitchFamily="34" charset="-120"/>
+              </a:rPr>
+              <a:t>使我的生命  能夠彰顯</a:t>
+            </a:r>
+            <a:r>
+              <a:rPr lang="zh-CN" altLang="en-US" sz="4800" b="1" dirty="0">
+                <a:solidFill>
+                  <a:srgbClr val="660033"/>
+                </a:solidFill>
+                <a:latin typeface="微軟正黑體" pitchFamily="34" charset="-120"/>
+                <a:ea typeface="微軟正黑體" pitchFamily="34" charset="-120"/>
+              </a:rPr>
+              <a:t>袮</a:t>
+            </a:r>
+            <a:r>
+              <a:rPr lang="zh-TW" altLang="en-US" sz="4800" b="1" dirty="0">
+                <a:solidFill>
+                  <a:srgbClr val="660033"/>
+                </a:solidFill>
+                <a:latin typeface="微軟正黑體" pitchFamily="34" charset="-120"/>
+                <a:ea typeface="微軟正黑體" pitchFamily="34" charset="-120"/>
+              </a:rPr>
+              <a:t>榮耀</a:t>
+            </a:r>
+          </a:p>
+        </p:txBody>
+      </p:sp>
+      <p:sp>
+        <p:nvSpPr>
+          <p:cNvPr id="3" name="TextBox 2"/>
+          <p:cNvSpPr txBox="1"/>
+          <p:nvPr/>
+        </p:nvSpPr>
+        <p:spPr>
+          <a:xfrm>
+            <a:off x="0" y="3867896"/>
+            <a:ext cx="9144000" cy="623248"/>
+          </a:xfrm>
+          <a:prstGeom prst="rect">
+            <a:avLst/>
+          </a:prstGeom>
+          <a:noFill/>
+        </p:spPr>
+        <p:txBody>
+          <a:bodyPr wrap="square" lIns="68580" tIns="34290" rIns="68580" bIns="34290" rtlCol="0">
+            <a:spAutoFit/>
+          </a:bodyPr>
+          <a:lstStyle/>
+          <a:p>
+            <a:pPr algn="ctr"/>
+            <a:r>
+              <a:rPr lang="en-US" sz="3600" b="1" dirty="0" smtClean="0">
+                <a:solidFill>
+                  <a:srgbClr val="660033"/>
+                </a:solidFill>
+                <a:latin typeface="Microsoft JhengHei" panose="020B0604030504040204" pitchFamily="34" charset="-120"/>
+                <a:ea typeface="Microsoft JhengHei" panose="020B0604030504040204" pitchFamily="34" charset="-120"/>
+              </a:rPr>
+              <a:t>( </a:t>
+            </a:r>
+            <a:r>
+              <a:rPr lang="zh-CN" altLang="en-US" sz="3600" b="1" dirty="0" smtClean="0">
+                <a:solidFill>
+                  <a:srgbClr val="660033"/>
+                </a:solidFill>
+                <a:latin typeface="Microsoft JhengHei" panose="020B0604030504040204" pitchFamily="34" charset="-120"/>
+                <a:ea typeface="Microsoft JhengHei" panose="020B0604030504040204" pitchFamily="34" charset="-120"/>
+              </a:rPr>
+              <a:t>副 </a:t>
+            </a:r>
+            <a:r>
+              <a:rPr lang="en-US" sz="3600" b="1" dirty="0" smtClean="0">
+                <a:solidFill>
+                  <a:srgbClr val="660033"/>
+                </a:solidFill>
+                <a:latin typeface="Microsoft JhengHei" panose="020B0604030504040204" pitchFamily="34" charset="-120"/>
+                <a:ea typeface="Microsoft JhengHei" panose="020B0604030504040204" pitchFamily="34" charset="-120"/>
+              </a:rPr>
+              <a:t>)</a:t>
+            </a:r>
+            <a:endParaRPr lang="vi-VN" sz="3600" b="1" dirty="0">
+              <a:solidFill>
+                <a:srgbClr val="660033"/>
+              </a:solidFill>
+              <a:ea typeface="Microsoft JhengHei" panose="020B0604030504040204" pitchFamily="34" charset="-120"/>
+            </a:endParaRPr>
+          </a:p>
+        </p:txBody>
+      </p:sp>
+    </p:spTree>
+    <p:extLst>
+      <p:ext uri="{BB962C8B-B14F-4D97-AF65-F5344CB8AC3E}">
+        <p14:creationId xmlns:p14="http://schemas.microsoft.com/office/powerpoint/2010/main" xmlns="" val="3288864802"/>
+      </p:ext>
+    </p:extLst>
+  </p:cSld>
+  <p:clrMapOvr>
+    <a:masterClrMapping/>
+  </p:clrMapOvr>
+</p:sld>
+</file>
+
+<file path=ppt/slides/slide17.xml><?xml version="1.0" encoding="utf-8"?>
+<p:sld xmlns:a="http://schemas.openxmlformats.org/drawingml/2006/main" xmlns:r="http://schemas.openxmlformats.org/officeDocument/2006/relationships" xmlns:p="http://schemas.openxmlformats.org/presentationml/2006/main">
+  <p:cSld>
+    <p:spTree>
+      <p:nvGrpSpPr>
+        <p:cNvPr id="1" name=""/>
+        <p:cNvGrpSpPr/>
+        <p:nvPr/>
+      </p:nvGrpSpPr>
+      <p:grpSpPr>
+        <a:xfrm>
+          <a:off x="0" y="0"/>
+          <a:ext cx="0" cy="0"/>
+          <a:chOff x="0" y="0"/>
+          <a:chExt cx="0" cy="0"/>
+        </a:xfrm>
+      </p:grpSpPr>
+      <p:sp>
+        <p:nvSpPr>
+          <p:cNvPr id="5" name="內容版面配置區 4"/>
+          <p:cNvSpPr>
+            <a:spLocks noGrp="1"/>
+          </p:cNvSpPr>
+          <p:nvPr>
+            <p:ph idx="1"/>
+          </p:nvPr>
+        </p:nvSpPr>
+        <p:spPr>
+          <a:xfrm>
+            <a:off x="0" y="1563640"/>
+            <a:ext cx="9144000" cy="1803647"/>
+          </a:xfrm>
+        </p:spPr>
+        <p:txBody>
+          <a:bodyPr anchor="ctr">
+            <a:normAutofit/>
+          </a:bodyPr>
+          <a:lstStyle/>
+          <a:p>
+            <a:pPr algn="ctr">
+              <a:buNone/>
+            </a:pPr>
+            <a:r>
+              <a:rPr lang="zh-TW" altLang="en-US" sz="4800" b="1" dirty="0">
+                <a:solidFill>
+                  <a:srgbClr val="660033"/>
+                </a:solidFill>
+                <a:latin typeface="微軟正黑體" pitchFamily="34" charset="-120"/>
+                <a:ea typeface="微軟正黑體" pitchFamily="34" charset="-120"/>
+              </a:rPr>
+              <a:t>哦主 </a:t>
+            </a:r>
+            <a:r>
+              <a:rPr lang="zh-TW" altLang="en-US" sz="4800" b="1" dirty="0" smtClean="0">
+                <a:solidFill>
+                  <a:srgbClr val="660033"/>
+                </a:solidFill>
+                <a:latin typeface="微軟正黑體" pitchFamily="34" charset="-120"/>
+                <a:ea typeface="微軟正黑體" pitchFamily="34" charset="-120"/>
+              </a:rPr>
+              <a:t> 求</a:t>
+            </a:r>
+            <a:r>
+              <a:rPr lang="zh-CN" altLang="en-US" sz="4800" b="1" dirty="0">
+                <a:solidFill>
+                  <a:srgbClr val="660033"/>
+                </a:solidFill>
+                <a:latin typeface="微軟正黑體" pitchFamily="34" charset="-120"/>
+                <a:ea typeface="微軟正黑體" pitchFamily="34" charset="-120"/>
+              </a:rPr>
+              <a:t>袮</a:t>
+            </a:r>
+            <a:r>
+              <a:rPr lang="zh-TW" altLang="en-US" sz="4800" b="1" dirty="0">
+                <a:solidFill>
+                  <a:srgbClr val="660033"/>
+                </a:solidFill>
+                <a:latin typeface="微軟正黑體" pitchFamily="34" charset="-120"/>
+                <a:ea typeface="微軟正黑體" pitchFamily="34" charset="-120"/>
+              </a:rPr>
+              <a:t>保</a:t>
+            </a:r>
+            <a:r>
+              <a:rPr lang="zh-TW" altLang="en-US" sz="4800" b="1" dirty="0" smtClean="0">
+                <a:solidFill>
+                  <a:srgbClr val="660033"/>
+                </a:solidFill>
+                <a:latin typeface="微軟正黑體" pitchFamily="34" charset="-120"/>
+                <a:ea typeface="微軟正黑體" pitchFamily="34" charset="-120"/>
+              </a:rPr>
+              <a:t>守我</a:t>
+            </a:r>
+            <a:r>
+              <a:rPr lang="zh-TW" altLang="en-US" sz="4800" b="1" dirty="0">
+                <a:solidFill>
+                  <a:srgbClr val="660033"/>
+                </a:solidFill>
+                <a:latin typeface="微軟正黑體" pitchFamily="34" charset="-120"/>
+                <a:ea typeface="微軟正黑體" pitchFamily="34" charset="-120"/>
+              </a:rPr>
+              <a:t>的</a:t>
+            </a:r>
+            <a:r>
+              <a:rPr lang="zh-TW" altLang="en-US" sz="4800" b="1" dirty="0" smtClean="0">
+                <a:solidFill>
+                  <a:srgbClr val="660033"/>
+                </a:solidFill>
+                <a:latin typeface="微軟正黑體" pitchFamily="34" charset="-120"/>
+                <a:ea typeface="微軟正黑體" pitchFamily="34" charset="-120"/>
+              </a:rPr>
+              <a:t>心  我</a:t>
+            </a:r>
+            <a:r>
+              <a:rPr lang="zh-TW" altLang="en-US" sz="4800" b="1" dirty="0">
+                <a:solidFill>
+                  <a:srgbClr val="660033"/>
+                </a:solidFill>
+                <a:latin typeface="微軟正黑體" pitchFamily="34" charset="-120"/>
+                <a:ea typeface="微軟正黑體" pitchFamily="34" charset="-120"/>
+              </a:rPr>
+              <a:t>的意念 </a:t>
+            </a:r>
+            <a:endParaRPr lang="en-US" altLang="zh-TW" sz="4800" b="1" dirty="0">
+              <a:solidFill>
+                <a:srgbClr val="660033"/>
+              </a:solidFill>
+              <a:latin typeface="微軟正黑體" pitchFamily="34" charset="-120"/>
+              <a:ea typeface="微軟正黑體" pitchFamily="34" charset="-120"/>
+            </a:endParaRPr>
+          </a:p>
+          <a:p>
+            <a:pPr algn="ctr">
+              <a:buNone/>
+            </a:pPr>
+            <a:r>
+              <a:rPr lang="zh-TW" altLang="en-US" sz="4800" b="1" dirty="0">
+                <a:solidFill>
+                  <a:srgbClr val="660033"/>
+                </a:solidFill>
+                <a:latin typeface="微軟正黑體" pitchFamily="34" charset="-120"/>
+                <a:ea typeface="微軟正黑體" pitchFamily="34" charset="-120"/>
+              </a:rPr>
+              <a:t>使我能夠遵行</a:t>
+            </a:r>
+            <a:r>
+              <a:rPr lang="zh-CN" altLang="en-US" sz="4800" b="1" dirty="0">
+                <a:solidFill>
+                  <a:srgbClr val="660033"/>
+                </a:solidFill>
+                <a:latin typeface="微軟正黑體" pitchFamily="34" charset="-120"/>
+                <a:ea typeface="微軟正黑體" pitchFamily="34" charset="-120"/>
+              </a:rPr>
+              <a:t>袮</a:t>
+            </a:r>
+            <a:r>
+              <a:rPr lang="zh-TW" altLang="en-US" sz="4800" b="1" dirty="0">
+                <a:solidFill>
+                  <a:srgbClr val="660033"/>
+                </a:solidFill>
+                <a:latin typeface="微軟正黑體" pitchFamily="34" charset="-120"/>
+                <a:ea typeface="微軟正黑體" pitchFamily="34" charset="-120"/>
+              </a:rPr>
+              <a:t>旨意</a:t>
+            </a:r>
+            <a:endParaRPr lang="en-US" altLang="zh-TW" sz="4800" b="1" dirty="0">
+              <a:solidFill>
+                <a:srgbClr val="660033"/>
+              </a:solidFill>
+              <a:latin typeface="微軟正黑體" pitchFamily="34" charset="-120"/>
+              <a:ea typeface="微軟正黑體" pitchFamily="34" charset="-120"/>
+            </a:endParaRPr>
+          </a:p>
+        </p:txBody>
+      </p:sp>
+      <p:sp>
+        <p:nvSpPr>
+          <p:cNvPr id="3" name="TextBox 2"/>
+          <p:cNvSpPr txBox="1"/>
+          <p:nvPr/>
+        </p:nvSpPr>
+        <p:spPr>
+          <a:xfrm>
+            <a:off x="0" y="3867896"/>
+            <a:ext cx="9144000" cy="623248"/>
+          </a:xfrm>
+          <a:prstGeom prst="rect">
+            <a:avLst/>
+          </a:prstGeom>
+          <a:noFill/>
+        </p:spPr>
+        <p:txBody>
+          <a:bodyPr wrap="square" lIns="68580" tIns="34290" rIns="68580" bIns="34290" rtlCol="0">
+            <a:spAutoFit/>
+          </a:bodyPr>
+          <a:lstStyle/>
+          <a:p>
+            <a:pPr algn="ctr"/>
+            <a:r>
+              <a:rPr lang="en-US" sz="3600" b="1" dirty="0">
+                <a:solidFill>
+                  <a:srgbClr val="660033"/>
+                </a:solidFill>
+                <a:latin typeface="Microsoft JhengHei" panose="020B0604030504040204" pitchFamily="34" charset="-120"/>
+                <a:ea typeface="Microsoft JhengHei" panose="020B0604030504040204" pitchFamily="34" charset="-120"/>
+              </a:rPr>
+              <a:t>( </a:t>
+            </a:r>
+            <a:r>
+              <a:rPr lang="zh-CN" altLang="en-US" sz="3600" b="1" dirty="0" smtClean="0">
+                <a:solidFill>
+                  <a:srgbClr val="660033"/>
+                </a:solidFill>
+                <a:latin typeface="Microsoft JhengHei" panose="020B0604030504040204" pitchFamily="34" charset="-120"/>
+                <a:ea typeface="Microsoft JhengHei" panose="020B0604030504040204" pitchFamily="34" charset="-120"/>
+              </a:rPr>
+              <a:t>正 </a:t>
+            </a:r>
+            <a:r>
+              <a:rPr lang="en-US" sz="3600" b="1" dirty="0">
+                <a:solidFill>
+                  <a:srgbClr val="660033"/>
+                </a:solidFill>
+                <a:latin typeface="Microsoft JhengHei" panose="020B0604030504040204" pitchFamily="34" charset="-120"/>
+                <a:ea typeface="Microsoft JhengHei" panose="020B0604030504040204" pitchFamily="34" charset="-120"/>
+              </a:rPr>
+              <a:t>)</a:t>
+            </a:r>
+            <a:endParaRPr lang="vi-VN" sz="3600" b="1" dirty="0">
+              <a:solidFill>
+                <a:srgbClr val="660033"/>
+              </a:solidFill>
+              <a:ea typeface="Microsoft JhengHei" panose="020B0604030504040204" pitchFamily="34" charset="-120"/>
+            </a:endParaRPr>
+          </a:p>
+        </p:txBody>
+      </p:sp>
+    </p:spTree>
+    <p:extLst>
+      <p:ext uri="{BB962C8B-B14F-4D97-AF65-F5344CB8AC3E}">
+        <p14:creationId xmlns:p14="http://schemas.microsoft.com/office/powerpoint/2010/main" xmlns="" val="3305604035"/>
+      </p:ext>
+    </p:extLst>
+  </p:cSld>
+  <p:clrMapOvr>
+    <a:masterClrMapping/>
+  </p:clrMapOvr>
+</p:sld>
+</file>
+
+<file path=ppt/slides/slide18.xml><?xml version="1.0" encoding="utf-8"?>
+<p:sld xmlns:a="http://schemas.openxmlformats.org/drawingml/2006/main" xmlns:r="http://schemas.openxmlformats.org/officeDocument/2006/relationships" xmlns:p="http://schemas.openxmlformats.org/presentationml/2006/main">
+  <p:cSld>
+    <p:spTree>
+      <p:nvGrpSpPr>
+        <p:cNvPr id="1" name=""/>
+        <p:cNvGrpSpPr/>
+        <p:nvPr/>
+      </p:nvGrpSpPr>
+      <p:grpSpPr>
+        <a:xfrm>
+          <a:off x="0" y="0"/>
+          <a:ext cx="0" cy="0"/>
+          <a:chOff x="0" y="0"/>
+          <a:chExt cx="0" cy="0"/>
+        </a:xfrm>
+      </p:grpSpPr>
+      <p:sp>
+        <p:nvSpPr>
+          <p:cNvPr id="5" name="內容版面配置區 4"/>
+          <p:cNvSpPr>
+            <a:spLocks noGrp="1"/>
+          </p:cNvSpPr>
+          <p:nvPr>
+            <p:ph idx="1"/>
+          </p:nvPr>
+        </p:nvSpPr>
+        <p:spPr>
+          <a:xfrm>
+            <a:off x="0" y="1563640"/>
+            <a:ext cx="9144000" cy="1803647"/>
+          </a:xfrm>
+        </p:spPr>
+        <p:txBody>
+          <a:bodyPr anchor="ctr">
+            <a:normAutofit/>
+          </a:bodyPr>
+          <a:lstStyle/>
+          <a:p>
+            <a:pPr algn="ctr">
+              <a:buNone/>
+            </a:pPr>
+            <a:r>
+              <a:rPr lang="zh-TW" altLang="en-US" sz="4800" b="1" dirty="0">
+                <a:solidFill>
+                  <a:srgbClr val="660033"/>
+                </a:solidFill>
+                <a:latin typeface="微軟正黑體" pitchFamily="34" charset="-120"/>
+                <a:ea typeface="微軟正黑體" pitchFamily="34" charset="-120"/>
+              </a:rPr>
+              <a:t>我願將</a:t>
+            </a:r>
+            <a:r>
+              <a:rPr lang="zh-CN" altLang="en-US" sz="4800" b="1" dirty="0">
+                <a:solidFill>
+                  <a:srgbClr val="660033"/>
+                </a:solidFill>
+                <a:latin typeface="微軟正黑體" pitchFamily="34" charset="-120"/>
+                <a:ea typeface="微軟正黑體" pitchFamily="34" charset="-120"/>
+              </a:rPr>
+              <a:t>袮</a:t>
+            </a:r>
+            <a:r>
+              <a:rPr lang="zh-TW" altLang="en-US" sz="4800" b="1" dirty="0">
+                <a:solidFill>
+                  <a:srgbClr val="660033"/>
+                </a:solidFill>
+                <a:latin typeface="微軟正黑體" pitchFamily="34" charset="-120"/>
+                <a:ea typeface="微軟正黑體" pitchFamily="34" charset="-120"/>
+              </a:rPr>
+              <a:t>話語深藏在我心</a:t>
+            </a:r>
+          </a:p>
+          <a:p>
+            <a:pPr algn="ctr">
+              <a:buNone/>
+            </a:pPr>
+            <a:r>
+              <a:rPr lang="zh-TW" altLang="en-US" sz="4800" b="1" dirty="0">
+                <a:solidFill>
+                  <a:srgbClr val="660033"/>
+                </a:solidFill>
+                <a:latin typeface="微軟正黑體" pitchFamily="34" charset="-120"/>
+                <a:ea typeface="微軟正黑體" pitchFamily="34" charset="-120"/>
+              </a:rPr>
+              <a:t>作路上的光  成為我腳前的燈</a:t>
+            </a:r>
+          </a:p>
+        </p:txBody>
+      </p:sp>
+      <p:sp>
+        <p:nvSpPr>
+          <p:cNvPr id="3" name="TextBox 2"/>
+          <p:cNvSpPr txBox="1"/>
+          <p:nvPr/>
+        </p:nvSpPr>
+        <p:spPr>
+          <a:xfrm>
+            <a:off x="0" y="3867896"/>
+            <a:ext cx="9144000" cy="623248"/>
+          </a:xfrm>
+          <a:prstGeom prst="rect">
+            <a:avLst/>
+          </a:prstGeom>
+          <a:noFill/>
+        </p:spPr>
+        <p:txBody>
+          <a:bodyPr wrap="square" lIns="68580" tIns="34290" rIns="68580" bIns="34290" rtlCol="0">
+            <a:spAutoFit/>
+          </a:bodyPr>
+          <a:lstStyle/>
+          <a:p>
+            <a:pPr algn="ctr"/>
+            <a:r>
+              <a:rPr lang="en-US" sz="3600" b="1" dirty="0" smtClean="0">
+                <a:solidFill>
+                  <a:srgbClr val="660033"/>
+                </a:solidFill>
+                <a:latin typeface="Microsoft JhengHei" panose="020B0604030504040204" pitchFamily="34" charset="-120"/>
+                <a:ea typeface="Microsoft JhengHei" panose="020B0604030504040204" pitchFamily="34" charset="-120"/>
+              </a:rPr>
+              <a:t>( </a:t>
+            </a:r>
+            <a:r>
+              <a:rPr lang="zh-CN" altLang="en-US" sz="3600" b="1" dirty="0" smtClean="0">
+                <a:solidFill>
+                  <a:srgbClr val="660033"/>
+                </a:solidFill>
+                <a:latin typeface="Microsoft JhengHei" panose="020B0604030504040204" pitchFamily="34" charset="-120"/>
+                <a:ea typeface="Microsoft JhengHei" panose="020B0604030504040204" pitchFamily="34" charset="-120"/>
+              </a:rPr>
+              <a:t>正 </a:t>
+            </a:r>
+            <a:r>
+              <a:rPr lang="en-US" sz="3600" b="1" dirty="0" smtClean="0">
+                <a:solidFill>
+                  <a:srgbClr val="660033"/>
+                </a:solidFill>
+                <a:latin typeface="Microsoft JhengHei" panose="020B0604030504040204" pitchFamily="34" charset="-120"/>
+                <a:ea typeface="Microsoft JhengHei" panose="020B0604030504040204" pitchFamily="34" charset="-120"/>
+              </a:rPr>
+              <a:t>)</a:t>
+            </a:r>
+            <a:endParaRPr lang="vi-VN" sz="3600" b="1" dirty="0">
+              <a:solidFill>
+                <a:srgbClr val="660033"/>
+              </a:solidFill>
+              <a:ea typeface="Microsoft JhengHei" panose="020B0604030504040204" pitchFamily="34" charset="-120"/>
+            </a:endParaRPr>
+          </a:p>
+        </p:txBody>
+      </p:sp>
+    </p:spTree>
+    <p:extLst>
+      <p:ext uri="{BB962C8B-B14F-4D97-AF65-F5344CB8AC3E}">
+        <p14:creationId xmlns:p14="http://schemas.microsoft.com/office/powerpoint/2010/main" xmlns="" val="2104074409"/>
+      </p:ext>
+    </p:extLst>
+  </p:cSld>
+  <p:clrMapOvr>
+    <a:masterClrMapping/>
+  </p:clrMapOvr>
+</p:sld>
+</file>
+
+<file path=ppt/slides/slide19.xml><?xml version="1.0" encoding="utf-8"?>
+<p:sld xmlns:a="http://schemas.openxmlformats.org/drawingml/2006/main" xmlns:r="http://schemas.openxmlformats.org/officeDocument/2006/relationships" xmlns:p="http://schemas.openxmlformats.org/presentationml/2006/main">
+  <p:cSld>
+    <p:spTree>
+      <p:nvGrpSpPr>
+        <p:cNvPr id="1" name=""/>
+        <p:cNvGrpSpPr/>
+        <p:nvPr/>
+      </p:nvGrpSpPr>
+      <p:grpSpPr>
+        <a:xfrm>
+          <a:off x="0" y="0"/>
+          <a:ext cx="0" cy="0"/>
+          <a:chOff x="0" y="0"/>
+          <a:chExt cx="0" cy="0"/>
+        </a:xfrm>
+      </p:grpSpPr>
+      <p:sp>
+        <p:nvSpPr>
+          <p:cNvPr id="5" name="內容版面配置區 4"/>
+          <p:cNvSpPr>
+            <a:spLocks noGrp="1"/>
+          </p:cNvSpPr>
+          <p:nvPr>
+            <p:ph idx="1"/>
+          </p:nvPr>
+        </p:nvSpPr>
+        <p:spPr>
+          <a:xfrm>
+            <a:off x="0" y="1563640"/>
+            <a:ext cx="9144000" cy="1803647"/>
+          </a:xfrm>
+        </p:spPr>
+        <p:txBody>
+          <a:bodyPr anchor="ctr">
+            <a:normAutofit/>
+          </a:bodyPr>
+          <a:lstStyle/>
+          <a:p>
+            <a:pPr algn="ctr">
+              <a:buNone/>
+            </a:pPr>
+            <a:r>
+              <a:rPr lang="zh-TW" altLang="en-US" sz="4800" b="1" dirty="0">
+                <a:solidFill>
+                  <a:srgbClr val="660033"/>
+                </a:solidFill>
+                <a:latin typeface="微軟正黑體" pitchFamily="34" charset="-120"/>
+                <a:ea typeface="微軟正黑體" pitchFamily="34" charset="-120"/>
+              </a:rPr>
+              <a:t>哦主  求</a:t>
+            </a:r>
+            <a:r>
+              <a:rPr lang="zh-CN" altLang="en-US" sz="4800" b="1" dirty="0">
+                <a:solidFill>
+                  <a:srgbClr val="660033"/>
+                </a:solidFill>
+                <a:latin typeface="微軟正黑體" pitchFamily="34" charset="-120"/>
+                <a:ea typeface="微軟正黑體" pitchFamily="34" charset="-120"/>
+              </a:rPr>
+              <a:t>袮</a:t>
+            </a:r>
+            <a:r>
+              <a:rPr lang="zh-TW" altLang="en-US" sz="4800" b="1" dirty="0">
+                <a:solidFill>
+                  <a:srgbClr val="660033"/>
+                </a:solidFill>
+                <a:latin typeface="微軟正黑體" pitchFamily="34" charset="-120"/>
+                <a:ea typeface="微軟正黑體" pitchFamily="34" charset="-120"/>
+              </a:rPr>
+              <a:t>堅</a:t>
+            </a:r>
+            <a:r>
+              <a:rPr lang="zh-TW" altLang="en-US" sz="4800" b="1" dirty="0" smtClean="0">
+                <a:solidFill>
+                  <a:srgbClr val="660033"/>
+                </a:solidFill>
+                <a:latin typeface="微軟正黑體" pitchFamily="34" charset="-120"/>
+                <a:ea typeface="微軟正黑體" pitchFamily="34" charset="-120"/>
+              </a:rPr>
+              <a:t>固我</a:t>
+            </a:r>
+            <a:r>
+              <a:rPr lang="zh-TW" altLang="en-US" sz="4800" b="1" dirty="0">
+                <a:solidFill>
+                  <a:srgbClr val="660033"/>
+                </a:solidFill>
+                <a:latin typeface="微軟正黑體" pitchFamily="34" charset="-120"/>
+                <a:ea typeface="微軟正黑體" pitchFamily="34" charset="-120"/>
+              </a:rPr>
+              <a:t>信</a:t>
+            </a:r>
+            <a:r>
+              <a:rPr lang="zh-TW" altLang="en-US" sz="4800" b="1" dirty="0" smtClean="0">
+                <a:solidFill>
+                  <a:srgbClr val="660033"/>
+                </a:solidFill>
+                <a:latin typeface="微軟正黑體" pitchFamily="34" charset="-120"/>
+                <a:ea typeface="微軟正黑體" pitchFamily="34" charset="-120"/>
+              </a:rPr>
+              <a:t>心  我</a:t>
+            </a:r>
+            <a:r>
+              <a:rPr lang="zh-TW" altLang="en-US" sz="4800" b="1" dirty="0">
+                <a:solidFill>
+                  <a:srgbClr val="660033"/>
+                </a:solidFill>
+                <a:latin typeface="微軟正黑體" pitchFamily="34" charset="-120"/>
+                <a:ea typeface="微軟正黑體" pitchFamily="34" charset="-120"/>
+              </a:rPr>
+              <a:t>的力量 </a:t>
+            </a:r>
+            <a:endParaRPr lang="en-US" altLang="zh-TW" sz="4800" b="1" dirty="0">
+              <a:solidFill>
+                <a:srgbClr val="660033"/>
+              </a:solidFill>
+              <a:latin typeface="微軟正黑體" pitchFamily="34" charset="-120"/>
+              <a:ea typeface="微軟正黑體" pitchFamily="34" charset="-120"/>
+            </a:endParaRPr>
+          </a:p>
+          <a:p>
+            <a:pPr algn="ctr">
+              <a:buNone/>
+            </a:pPr>
+            <a:r>
+              <a:rPr lang="zh-TW" altLang="en-US" sz="4800" b="1" dirty="0">
+                <a:solidFill>
+                  <a:srgbClr val="660033"/>
+                </a:solidFill>
+                <a:latin typeface="微軟正黑體" pitchFamily="34" charset="-120"/>
+                <a:ea typeface="微軟正黑體" pitchFamily="34" charset="-120"/>
+              </a:rPr>
+              <a:t>使我得以勇敢向前行</a:t>
+            </a:r>
+          </a:p>
+        </p:txBody>
+      </p:sp>
+      <p:sp>
+        <p:nvSpPr>
+          <p:cNvPr id="3" name="TextBox 2"/>
+          <p:cNvSpPr txBox="1"/>
+          <p:nvPr/>
+        </p:nvSpPr>
+        <p:spPr>
+          <a:xfrm>
+            <a:off x="0" y="3867896"/>
+            <a:ext cx="9144000" cy="623248"/>
+          </a:xfrm>
+          <a:prstGeom prst="rect">
+            <a:avLst/>
+          </a:prstGeom>
+          <a:noFill/>
+        </p:spPr>
+        <p:txBody>
+          <a:bodyPr wrap="square" lIns="68580" tIns="34290" rIns="68580" bIns="34290" rtlCol="0">
+            <a:spAutoFit/>
+          </a:bodyPr>
+          <a:lstStyle/>
+          <a:p>
+            <a:pPr algn="ctr"/>
+            <a:r>
+              <a:rPr lang="en-US" sz="3600" b="1" dirty="0">
+                <a:solidFill>
+                  <a:srgbClr val="660033"/>
+                </a:solidFill>
+                <a:latin typeface="Microsoft JhengHei" panose="020B0604030504040204" pitchFamily="34" charset="-120"/>
+                <a:ea typeface="Microsoft JhengHei" panose="020B0604030504040204" pitchFamily="34" charset="-120"/>
+              </a:rPr>
+              <a:t>( </a:t>
+            </a:r>
+            <a:r>
+              <a:rPr lang="zh-CN" altLang="en-US" sz="3600" b="1" dirty="0" smtClean="0">
+                <a:solidFill>
+                  <a:srgbClr val="660033"/>
+                </a:solidFill>
+                <a:latin typeface="Microsoft JhengHei" panose="020B0604030504040204" pitchFamily="34" charset="-120"/>
+                <a:ea typeface="Microsoft JhengHei" panose="020B0604030504040204" pitchFamily="34" charset="-120"/>
+              </a:rPr>
+              <a:t>正 </a:t>
+            </a:r>
+            <a:r>
+              <a:rPr lang="en-US" sz="3600" b="1" dirty="0">
+                <a:solidFill>
+                  <a:srgbClr val="660033"/>
+                </a:solidFill>
+                <a:latin typeface="Microsoft JhengHei" panose="020B0604030504040204" pitchFamily="34" charset="-120"/>
+                <a:ea typeface="Microsoft JhengHei" panose="020B0604030504040204" pitchFamily="34" charset="-120"/>
+              </a:rPr>
+              <a:t>)</a:t>
+            </a:r>
+            <a:endParaRPr lang="vi-VN" sz="3600" b="1" dirty="0">
+              <a:solidFill>
+                <a:srgbClr val="660033"/>
+              </a:solidFill>
+              <a:ea typeface="Microsoft JhengHei" panose="020B0604030504040204" pitchFamily="34" charset="-120"/>
+            </a:endParaRPr>
+          </a:p>
+        </p:txBody>
+      </p:sp>
+    </p:spTree>
+    <p:extLst>
+      <p:ext uri="{BB962C8B-B14F-4D97-AF65-F5344CB8AC3E}">
+        <p14:creationId xmlns:p14="http://schemas.microsoft.com/office/powerpoint/2010/main" xmlns="" val="893705007"/>
       </p:ext>
     </p:extLst>
   </p:cSld>
@@ -3295,7 +5233,926 @@
     </p:spTree>
     <p:extLst>
       <p:ext uri="{BB962C8B-B14F-4D97-AF65-F5344CB8AC3E}">
-        <p14:creationId xmlns:p14="http://schemas.microsoft.com/office/powerpoint/2010/main" val="2335412257"/>
+        <p14:creationId xmlns:p14="http://schemas.microsoft.com/office/powerpoint/2010/main" xmlns="" val="2335412257"/>
+      </p:ext>
+    </p:extLst>
+  </p:cSld>
+  <p:clrMapOvr>
+    <a:masterClrMapping/>
+  </p:clrMapOvr>
+</p:sld>
+</file>
+
+<file path=ppt/slides/slide20.xml><?xml version="1.0" encoding="utf-8"?>
+<p:sld xmlns:a="http://schemas.openxmlformats.org/drawingml/2006/main" xmlns:r="http://schemas.openxmlformats.org/officeDocument/2006/relationships" xmlns:p="http://schemas.openxmlformats.org/presentationml/2006/main">
+  <p:cSld>
+    <p:spTree>
+      <p:nvGrpSpPr>
+        <p:cNvPr id="1" name=""/>
+        <p:cNvGrpSpPr/>
+        <p:nvPr/>
+      </p:nvGrpSpPr>
+      <p:grpSpPr>
+        <a:xfrm>
+          <a:off x="0" y="0"/>
+          <a:ext cx="0" cy="0"/>
+          <a:chOff x="0" y="0"/>
+          <a:chExt cx="0" cy="0"/>
+        </a:xfrm>
+      </p:grpSpPr>
+      <p:sp>
+        <p:nvSpPr>
+          <p:cNvPr id="5" name="內容版面配置區 4"/>
+          <p:cNvSpPr>
+            <a:spLocks noGrp="1"/>
+          </p:cNvSpPr>
+          <p:nvPr>
+            <p:ph idx="1"/>
+          </p:nvPr>
+        </p:nvSpPr>
+        <p:spPr>
+          <a:xfrm>
+            <a:off x="0" y="1563640"/>
+            <a:ext cx="9144000" cy="1803647"/>
+          </a:xfrm>
+        </p:spPr>
+        <p:txBody>
+          <a:bodyPr anchor="ctr">
+            <a:normAutofit/>
+          </a:bodyPr>
+          <a:lstStyle/>
+          <a:p>
+            <a:pPr algn="ctr">
+              <a:buNone/>
+            </a:pPr>
+            <a:r>
+              <a:rPr lang="zh-TW" altLang="en-US" sz="4800" b="1" dirty="0">
+                <a:solidFill>
+                  <a:srgbClr val="660033"/>
+                </a:solidFill>
+                <a:latin typeface="微軟正黑體" pitchFamily="34" charset="-120"/>
+                <a:ea typeface="微軟正黑體" pitchFamily="34" charset="-120"/>
+              </a:rPr>
+              <a:t>因我知道有時我仍會軟弱</a:t>
+            </a:r>
+          </a:p>
+          <a:p>
+            <a:pPr algn="ctr">
+              <a:buNone/>
+            </a:pPr>
+            <a:r>
+              <a:rPr lang="zh-TW" altLang="en-US" sz="4800" b="1" dirty="0">
+                <a:solidFill>
+                  <a:srgbClr val="660033"/>
+                </a:solidFill>
+                <a:latin typeface="微軟正黑體" pitchFamily="34" charset="-120"/>
+                <a:ea typeface="微軟正黑體" pitchFamily="34" charset="-120"/>
+              </a:rPr>
+              <a:t>求</a:t>
+            </a:r>
+            <a:r>
+              <a:rPr lang="zh-CN" altLang="en-US" sz="4800" b="1" dirty="0">
+                <a:solidFill>
+                  <a:srgbClr val="660033"/>
+                </a:solidFill>
+                <a:latin typeface="微軟正黑體" pitchFamily="34" charset="-120"/>
+                <a:ea typeface="微軟正黑體" pitchFamily="34" charset="-120"/>
+              </a:rPr>
+              <a:t>袮</a:t>
+            </a:r>
+            <a:r>
+              <a:rPr lang="zh-TW" altLang="en-US" sz="4800" b="1" dirty="0">
+                <a:solidFill>
+                  <a:srgbClr val="660033"/>
+                </a:solidFill>
+                <a:latin typeface="微軟正黑體" pitchFamily="34" charset="-120"/>
+                <a:ea typeface="微軟正黑體" pitchFamily="34" charset="-120"/>
+              </a:rPr>
+              <a:t>帶領我  使我不會再退縮</a:t>
+            </a:r>
+          </a:p>
+        </p:txBody>
+      </p:sp>
+      <p:sp>
+        <p:nvSpPr>
+          <p:cNvPr id="3" name="TextBox 2"/>
+          <p:cNvSpPr txBox="1"/>
+          <p:nvPr/>
+        </p:nvSpPr>
+        <p:spPr>
+          <a:xfrm>
+            <a:off x="0" y="3867896"/>
+            <a:ext cx="9144000" cy="623248"/>
+          </a:xfrm>
+          <a:prstGeom prst="rect">
+            <a:avLst/>
+          </a:prstGeom>
+          <a:noFill/>
+        </p:spPr>
+        <p:txBody>
+          <a:bodyPr wrap="square" lIns="68580" tIns="34290" rIns="68580" bIns="34290" rtlCol="0">
+            <a:spAutoFit/>
+          </a:bodyPr>
+          <a:lstStyle/>
+          <a:p>
+            <a:pPr algn="ctr"/>
+            <a:r>
+              <a:rPr lang="en-US" sz="3600" b="1" dirty="0" smtClean="0">
+                <a:solidFill>
+                  <a:srgbClr val="660033"/>
+                </a:solidFill>
+                <a:latin typeface="Microsoft JhengHei" panose="020B0604030504040204" pitchFamily="34" charset="-120"/>
+                <a:ea typeface="Microsoft JhengHei" panose="020B0604030504040204" pitchFamily="34" charset="-120"/>
+              </a:rPr>
+              <a:t>( </a:t>
+            </a:r>
+            <a:r>
+              <a:rPr lang="zh-CN" altLang="en-US" sz="3600" b="1" dirty="0" smtClean="0">
+                <a:solidFill>
+                  <a:srgbClr val="660033"/>
+                </a:solidFill>
+                <a:latin typeface="Microsoft JhengHei" panose="020B0604030504040204" pitchFamily="34" charset="-120"/>
+                <a:ea typeface="Microsoft JhengHei" panose="020B0604030504040204" pitchFamily="34" charset="-120"/>
+              </a:rPr>
+              <a:t>正 </a:t>
+            </a:r>
+            <a:r>
+              <a:rPr lang="en-US" sz="3600" b="1" dirty="0" smtClean="0">
+                <a:solidFill>
+                  <a:srgbClr val="660033"/>
+                </a:solidFill>
+                <a:latin typeface="Microsoft JhengHei" panose="020B0604030504040204" pitchFamily="34" charset="-120"/>
+                <a:ea typeface="Microsoft JhengHei" panose="020B0604030504040204" pitchFamily="34" charset="-120"/>
+              </a:rPr>
+              <a:t>)</a:t>
+            </a:r>
+            <a:endParaRPr lang="vi-VN" sz="3600" b="1" dirty="0">
+              <a:solidFill>
+                <a:srgbClr val="660033"/>
+              </a:solidFill>
+              <a:ea typeface="Microsoft JhengHei" panose="020B0604030504040204" pitchFamily="34" charset="-120"/>
+            </a:endParaRPr>
+          </a:p>
+        </p:txBody>
+      </p:sp>
+    </p:spTree>
+    <p:extLst>
+      <p:ext uri="{BB962C8B-B14F-4D97-AF65-F5344CB8AC3E}">
+        <p14:creationId xmlns:p14="http://schemas.microsoft.com/office/powerpoint/2010/main" xmlns="" val="2723771421"/>
+      </p:ext>
+    </p:extLst>
+  </p:cSld>
+  <p:clrMapOvr>
+    <a:masterClrMapping/>
+  </p:clrMapOvr>
+</p:sld>
+</file>
+
+<file path=ppt/slides/slide21.xml><?xml version="1.0" encoding="utf-8"?>
+<p:sld xmlns:a="http://schemas.openxmlformats.org/drawingml/2006/main" xmlns:r="http://schemas.openxmlformats.org/officeDocument/2006/relationships" xmlns:p="http://schemas.openxmlformats.org/presentationml/2006/main">
+  <p:cSld>
+    <p:spTree>
+      <p:nvGrpSpPr>
+        <p:cNvPr id="1" name=""/>
+        <p:cNvGrpSpPr/>
+        <p:nvPr/>
+      </p:nvGrpSpPr>
+      <p:grpSpPr>
+        <a:xfrm>
+          <a:off x="0" y="0"/>
+          <a:ext cx="0" cy="0"/>
+          <a:chOff x="0" y="0"/>
+          <a:chExt cx="0" cy="0"/>
+        </a:xfrm>
+      </p:grpSpPr>
+      <p:sp>
+        <p:nvSpPr>
+          <p:cNvPr id="5" name="內容版面配置區 4"/>
+          <p:cNvSpPr>
+            <a:spLocks noGrp="1"/>
+          </p:cNvSpPr>
+          <p:nvPr>
+            <p:ph idx="1"/>
+          </p:nvPr>
+        </p:nvSpPr>
+        <p:spPr>
+          <a:xfrm>
+            <a:off x="0" y="1563640"/>
+            <a:ext cx="9144000" cy="1803647"/>
+          </a:xfrm>
+        </p:spPr>
+        <p:txBody>
+          <a:bodyPr anchor="ctr">
+            <a:normAutofit/>
+          </a:bodyPr>
+          <a:lstStyle/>
+          <a:p>
+            <a:pPr algn="ctr">
+              <a:buNone/>
+            </a:pPr>
+            <a:r>
+              <a:rPr lang="zh-TW" altLang="en-US" sz="4800" b="1" dirty="0">
+                <a:solidFill>
+                  <a:srgbClr val="660033"/>
+                </a:solidFill>
+                <a:latin typeface="微軟正黑體" pitchFamily="34" charset="-120"/>
+                <a:ea typeface="微軟正黑體" pitchFamily="34" charset="-120"/>
+              </a:rPr>
+              <a:t>我需要有</a:t>
+            </a:r>
+            <a:r>
+              <a:rPr lang="zh-CN" altLang="en-US" sz="4800" b="1" dirty="0">
+                <a:solidFill>
+                  <a:srgbClr val="660033"/>
+                </a:solidFill>
+                <a:latin typeface="微軟正黑體" pitchFamily="34" charset="-120"/>
+                <a:ea typeface="微軟正黑體" pitchFamily="34" charset="-120"/>
+              </a:rPr>
+              <a:t>袮</a:t>
+            </a:r>
+            <a:r>
+              <a:rPr lang="zh-TW" altLang="en-US" sz="4800" b="1" dirty="0">
+                <a:solidFill>
+                  <a:srgbClr val="660033"/>
+                </a:solidFill>
+                <a:latin typeface="微軟正黑體" pitchFamily="34" charset="-120"/>
+                <a:ea typeface="微軟正黑體" pitchFamily="34" charset="-120"/>
+              </a:rPr>
+              <a:t>在我生命中 </a:t>
+            </a:r>
+            <a:endParaRPr lang="en-US" altLang="zh-TW" sz="4800" b="1" dirty="0">
+              <a:solidFill>
+                <a:srgbClr val="660033"/>
+              </a:solidFill>
+              <a:latin typeface="微軟正黑體" pitchFamily="34" charset="-120"/>
+              <a:ea typeface="微軟正黑體" pitchFamily="34" charset="-120"/>
+            </a:endParaRPr>
+          </a:p>
+          <a:p>
+            <a:pPr algn="ctr">
+              <a:buNone/>
+            </a:pPr>
+            <a:r>
+              <a:rPr lang="zh-TW" altLang="en-US" sz="4800" b="1" dirty="0">
+                <a:solidFill>
+                  <a:srgbClr val="660033"/>
+                </a:solidFill>
+                <a:latin typeface="微軟正黑體" pitchFamily="34" charset="-120"/>
+                <a:ea typeface="微軟正黑體" pitchFamily="34" charset="-120"/>
+              </a:rPr>
+              <a:t>好讓我一生能學</a:t>
+            </a:r>
+            <a:r>
+              <a:rPr lang="zh-CN" altLang="en-US" sz="4800" b="1" dirty="0">
+                <a:solidFill>
+                  <a:srgbClr val="660033"/>
+                </a:solidFill>
+                <a:latin typeface="微軟正黑體" pitchFamily="34" charset="-120"/>
+                <a:ea typeface="微軟正黑體" pitchFamily="34" charset="-120"/>
+              </a:rPr>
+              <a:t>袮</a:t>
+            </a:r>
+            <a:r>
+              <a:rPr lang="zh-TW" altLang="en-US" sz="4800" b="1" dirty="0">
+                <a:solidFill>
+                  <a:srgbClr val="660033"/>
+                </a:solidFill>
+                <a:latin typeface="微軟正黑體" pitchFamily="34" charset="-120"/>
+                <a:ea typeface="微軟正黑體" pitchFamily="34" charset="-120"/>
+              </a:rPr>
+              <a:t>的樣式</a:t>
+            </a:r>
+          </a:p>
+        </p:txBody>
+      </p:sp>
+      <p:sp>
+        <p:nvSpPr>
+          <p:cNvPr id="3" name="TextBox 2"/>
+          <p:cNvSpPr txBox="1"/>
+          <p:nvPr/>
+        </p:nvSpPr>
+        <p:spPr>
+          <a:xfrm>
+            <a:off x="0" y="3867896"/>
+            <a:ext cx="9144000" cy="623248"/>
+          </a:xfrm>
+          <a:prstGeom prst="rect">
+            <a:avLst/>
+          </a:prstGeom>
+          <a:noFill/>
+        </p:spPr>
+        <p:txBody>
+          <a:bodyPr wrap="square" lIns="68580" tIns="34290" rIns="68580" bIns="34290" rtlCol="0">
+            <a:spAutoFit/>
+          </a:bodyPr>
+          <a:lstStyle/>
+          <a:p>
+            <a:pPr algn="ctr"/>
+            <a:r>
+              <a:rPr lang="en-US" sz="3600" b="1" dirty="0" smtClean="0">
+                <a:solidFill>
+                  <a:srgbClr val="660033"/>
+                </a:solidFill>
+                <a:latin typeface="Microsoft JhengHei" panose="020B0604030504040204" pitchFamily="34" charset="-120"/>
+                <a:ea typeface="Microsoft JhengHei" panose="020B0604030504040204" pitchFamily="34" charset="-120"/>
+              </a:rPr>
+              <a:t>( </a:t>
+            </a:r>
+            <a:r>
+              <a:rPr lang="zh-CN" altLang="en-US" sz="3600" b="1" dirty="0" smtClean="0">
+                <a:solidFill>
+                  <a:srgbClr val="660033"/>
+                </a:solidFill>
+                <a:latin typeface="Microsoft JhengHei" panose="020B0604030504040204" pitchFamily="34" charset="-120"/>
+                <a:ea typeface="Microsoft JhengHei" panose="020B0604030504040204" pitchFamily="34" charset="-120"/>
+              </a:rPr>
+              <a:t>副 </a:t>
+            </a:r>
+            <a:r>
+              <a:rPr lang="en-US" sz="3600" b="1" dirty="0" smtClean="0">
+                <a:solidFill>
+                  <a:srgbClr val="660033"/>
+                </a:solidFill>
+                <a:latin typeface="Microsoft JhengHei" panose="020B0604030504040204" pitchFamily="34" charset="-120"/>
+                <a:ea typeface="Microsoft JhengHei" panose="020B0604030504040204" pitchFamily="34" charset="-120"/>
+              </a:rPr>
+              <a:t>)</a:t>
+            </a:r>
+            <a:endParaRPr lang="vi-VN" sz="3600" b="1" dirty="0">
+              <a:solidFill>
+                <a:srgbClr val="660033"/>
+              </a:solidFill>
+              <a:ea typeface="Microsoft JhengHei" panose="020B0604030504040204" pitchFamily="34" charset="-120"/>
+            </a:endParaRPr>
+          </a:p>
+        </p:txBody>
+      </p:sp>
+    </p:spTree>
+    <p:extLst>
+      <p:ext uri="{BB962C8B-B14F-4D97-AF65-F5344CB8AC3E}">
+        <p14:creationId xmlns:p14="http://schemas.microsoft.com/office/powerpoint/2010/main" xmlns="" val="3541459039"/>
+      </p:ext>
+    </p:extLst>
+  </p:cSld>
+  <p:clrMapOvr>
+    <a:masterClrMapping/>
+  </p:clrMapOvr>
+</p:sld>
+</file>
+
+<file path=ppt/slides/slide22.xml><?xml version="1.0" encoding="utf-8"?>
+<p:sld xmlns:a="http://schemas.openxmlformats.org/drawingml/2006/main" xmlns:r="http://schemas.openxmlformats.org/officeDocument/2006/relationships" xmlns:p="http://schemas.openxmlformats.org/presentationml/2006/main">
+  <p:cSld>
+    <p:spTree>
+      <p:nvGrpSpPr>
+        <p:cNvPr id="1" name=""/>
+        <p:cNvGrpSpPr/>
+        <p:nvPr/>
+      </p:nvGrpSpPr>
+      <p:grpSpPr>
+        <a:xfrm>
+          <a:off x="0" y="0"/>
+          <a:ext cx="0" cy="0"/>
+          <a:chOff x="0" y="0"/>
+          <a:chExt cx="0" cy="0"/>
+        </a:xfrm>
+      </p:grpSpPr>
+      <p:sp>
+        <p:nvSpPr>
+          <p:cNvPr id="5" name="內容版面配置區 4"/>
+          <p:cNvSpPr>
+            <a:spLocks noGrp="1"/>
+          </p:cNvSpPr>
+          <p:nvPr>
+            <p:ph idx="1"/>
+          </p:nvPr>
+        </p:nvSpPr>
+        <p:spPr>
+          <a:xfrm>
+            <a:off x="0" y="1563640"/>
+            <a:ext cx="9144000" cy="1803647"/>
+          </a:xfrm>
+        </p:spPr>
+        <p:txBody>
+          <a:bodyPr anchor="ctr">
+            <a:normAutofit/>
+          </a:bodyPr>
+          <a:lstStyle/>
+          <a:p>
+            <a:pPr algn="ctr">
+              <a:buNone/>
+            </a:pPr>
+            <a:r>
+              <a:rPr lang="zh-TW" altLang="en-US" sz="4800" b="1" dirty="0">
+                <a:solidFill>
+                  <a:srgbClr val="660033"/>
+                </a:solidFill>
+                <a:latin typeface="微軟正黑體" pitchFamily="34" charset="-120"/>
+                <a:ea typeface="微軟正黑體" pitchFamily="34" charset="-120"/>
+              </a:rPr>
+              <a:t>使我能成為</a:t>
+            </a:r>
+            <a:r>
+              <a:rPr lang="zh-CN" altLang="en-US" sz="4800" b="1" dirty="0">
+                <a:solidFill>
+                  <a:srgbClr val="660033"/>
+                </a:solidFill>
+                <a:latin typeface="微軟正黑體" pitchFamily="34" charset="-120"/>
+                <a:ea typeface="微軟正黑體" pitchFamily="34" charset="-120"/>
+              </a:rPr>
+              <a:t>袮</a:t>
+            </a:r>
+            <a:r>
+              <a:rPr lang="zh-TW" altLang="en-US" sz="4800" b="1" dirty="0">
+                <a:solidFill>
+                  <a:srgbClr val="660033"/>
+                </a:solidFill>
+                <a:latin typeface="微軟正黑體" pitchFamily="34" charset="-120"/>
+                <a:ea typeface="微軟正黑體" pitchFamily="34" charset="-120"/>
+              </a:rPr>
+              <a:t>所喜悅的兒女</a:t>
+            </a:r>
+          </a:p>
+          <a:p>
+            <a:pPr algn="ctr">
+              <a:buNone/>
+            </a:pPr>
+            <a:r>
+              <a:rPr lang="zh-TW" altLang="en-US" sz="4800" b="1" dirty="0">
+                <a:solidFill>
+                  <a:srgbClr val="660033"/>
+                </a:solidFill>
+                <a:latin typeface="微軟正黑體" pitchFamily="34" charset="-120"/>
+                <a:ea typeface="微軟正黑體" pitchFamily="34" charset="-120"/>
+              </a:rPr>
+              <a:t>使我的生命  能夠彰顯</a:t>
+            </a:r>
+            <a:r>
+              <a:rPr lang="zh-CN" altLang="en-US" sz="4800" b="1" dirty="0">
+                <a:solidFill>
+                  <a:srgbClr val="660033"/>
+                </a:solidFill>
+                <a:latin typeface="微軟正黑體" pitchFamily="34" charset="-120"/>
+                <a:ea typeface="微軟正黑體" pitchFamily="34" charset="-120"/>
+              </a:rPr>
+              <a:t>袮</a:t>
+            </a:r>
+            <a:r>
+              <a:rPr lang="zh-TW" altLang="en-US" sz="4800" b="1" dirty="0">
+                <a:solidFill>
+                  <a:srgbClr val="660033"/>
+                </a:solidFill>
+                <a:latin typeface="微軟正黑體" pitchFamily="34" charset="-120"/>
+                <a:ea typeface="微軟正黑體" pitchFamily="34" charset="-120"/>
+              </a:rPr>
+              <a:t>榮耀</a:t>
+            </a:r>
+          </a:p>
+        </p:txBody>
+      </p:sp>
+      <p:sp>
+        <p:nvSpPr>
+          <p:cNvPr id="3" name="TextBox 2"/>
+          <p:cNvSpPr txBox="1"/>
+          <p:nvPr/>
+        </p:nvSpPr>
+        <p:spPr>
+          <a:xfrm>
+            <a:off x="0" y="3867896"/>
+            <a:ext cx="9144000" cy="623248"/>
+          </a:xfrm>
+          <a:prstGeom prst="rect">
+            <a:avLst/>
+          </a:prstGeom>
+          <a:noFill/>
+        </p:spPr>
+        <p:txBody>
+          <a:bodyPr wrap="square" lIns="68580" tIns="34290" rIns="68580" bIns="34290" rtlCol="0">
+            <a:spAutoFit/>
+          </a:bodyPr>
+          <a:lstStyle/>
+          <a:p>
+            <a:pPr algn="ctr"/>
+            <a:r>
+              <a:rPr lang="en-US" sz="3600" b="1" dirty="0" smtClean="0">
+                <a:solidFill>
+                  <a:srgbClr val="660033"/>
+                </a:solidFill>
+                <a:latin typeface="Microsoft JhengHei" panose="020B0604030504040204" pitchFamily="34" charset="-120"/>
+                <a:ea typeface="Microsoft JhengHei" panose="020B0604030504040204" pitchFamily="34" charset="-120"/>
+              </a:rPr>
+              <a:t>( </a:t>
+            </a:r>
+            <a:r>
+              <a:rPr lang="zh-CN" altLang="en-US" sz="3600" b="1" dirty="0" smtClean="0">
+                <a:solidFill>
+                  <a:srgbClr val="660033"/>
+                </a:solidFill>
+                <a:latin typeface="Microsoft JhengHei" panose="020B0604030504040204" pitchFamily="34" charset="-120"/>
+                <a:ea typeface="Microsoft JhengHei" panose="020B0604030504040204" pitchFamily="34" charset="-120"/>
+              </a:rPr>
+              <a:t>副 </a:t>
+            </a:r>
+            <a:r>
+              <a:rPr lang="en-US" sz="3600" b="1" dirty="0" smtClean="0">
+                <a:solidFill>
+                  <a:srgbClr val="660033"/>
+                </a:solidFill>
+                <a:latin typeface="Microsoft JhengHei" panose="020B0604030504040204" pitchFamily="34" charset="-120"/>
+                <a:ea typeface="Microsoft JhengHei" panose="020B0604030504040204" pitchFamily="34" charset="-120"/>
+              </a:rPr>
+              <a:t>)</a:t>
+            </a:r>
+            <a:endParaRPr lang="vi-VN" sz="3600" b="1" dirty="0">
+              <a:solidFill>
+                <a:srgbClr val="660033"/>
+              </a:solidFill>
+              <a:ea typeface="Microsoft JhengHei" panose="020B0604030504040204" pitchFamily="34" charset="-120"/>
+            </a:endParaRPr>
+          </a:p>
+        </p:txBody>
+      </p:sp>
+    </p:spTree>
+    <p:extLst>
+      <p:ext uri="{BB962C8B-B14F-4D97-AF65-F5344CB8AC3E}">
+        <p14:creationId xmlns:p14="http://schemas.microsoft.com/office/powerpoint/2010/main" xmlns="" val="3288864802"/>
+      </p:ext>
+    </p:extLst>
+  </p:cSld>
+  <p:clrMapOvr>
+    <a:masterClrMapping/>
+  </p:clrMapOvr>
+</p:sld>
+</file>
+
+<file path=ppt/slides/slide23.xml><?xml version="1.0" encoding="utf-8"?>
+<p:sld xmlns:a="http://schemas.openxmlformats.org/drawingml/2006/main" xmlns:r="http://schemas.openxmlformats.org/officeDocument/2006/relationships" xmlns:p="http://schemas.openxmlformats.org/presentationml/2006/main">
+  <p:cSld>
+    <p:spTree>
+      <p:nvGrpSpPr>
+        <p:cNvPr id="1" name=""/>
+        <p:cNvGrpSpPr/>
+        <p:nvPr/>
+      </p:nvGrpSpPr>
+      <p:grpSpPr>
+        <a:xfrm>
+          <a:off x="0" y="0"/>
+          <a:ext cx="0" cy="0"/>
+          <a:chOff x="0" y="0"/>
+          <a:chExt cx="0" cy="0"/>
+        </a:xfrm>
+      </p:grpSpPr>
+      <p:sp>
+        <p:nvSpPr>
+          <p:cNvPr id="5" name="內容版面配置區 4"/>
+          <p:cNvSpPr>
+            <a:spLocks noGrp="1"/>
+          </p:cNvSpPr>
+          <p:nvPr>
+            <p:ph idx="1"/>
+          </p:nvPr>
+        </p:nvSpPr>
+        <p:spPr>
+          <a:xfrm>
+            <a:off x="0" y="1563640"/>
+            <a:ext cx="9144000" cy="1803647"/>
+          </a:xfrm>
+        </p:spPr>
+        <p:txBody>
+          <a:bodyPr anchor="ctr">
+            <a:normAutofit/>
+          </a:bodyPr>
+          <a:lstStyle/>
+          <a:p>
+            <a:pPr algn="ctr">
+              <a:buNone/>
+            </a:pPr>
+            <a:r>
+              <a:rPr lang="zh-TW" altLang="en-US" sz="4800" b="1" dirty="0">
+                <a:solidFill>
+                  <a:srgbClr val="660033"/>
+                </a:solidFill>
+                <a:latin typeface="微軟正黑體" pitchFamily="34" charset="-120"/>
+                <a:ea typeface="微軟正黑體" pitchFamily="34" charset="-120"/>
+              </a:rPr>
+              <a:t>我需要有</a:t>
+            </a:r>
+            <a:r>
+              <a:rPr lang="zh-CN" altLang="en-US" sz="4800" b="1" dirty="0">
+                <a:solidFill>
+                  <a:srgbClr val="660033"/>
+                </a:solidFill>
+                <a:latin typeface="微軟正黑體" pitchFamily="34" charset="-120"/>
+                <a:ea typeface="微軟正黑體" pitchFamily="34" charset="-120"/>
+              </a:rPr>
+              <a:t>袮</a:t>
+            </a:r>
+            <a:r>
+              <a:rPr lang="zh-TW" altLang="en-US" sz="4800" b="1" dirty="0">
+                <a:solidFill>
+                  <a:srgbClr val="660033"/>
+                </a:solidFill>
+                <a:latin typeface="微軟正黑體" pitchFamily="34" charset="-120"/>
+                <a:ea typeface="微軟正黑體" pitchFamily="34" charset="-120"/>
+              </a:rPr>
+              <a:t>在我生命中 </a:t>
+            </a:r>
+            <a:endParaRPr lang="en-US" altLang="zh-TW" sz="4800" b="1" dirty="0">
+              <a:solidFill>
+                <a:srgbClr val="660033"/>
+              </a:solidFill>
+              <a:latin typeface="微軟正黑體" pitchFamily="34" charset="-120"/>
+              <a:ea typeface="微軟正黑體" pitchFamily="34" charset="-120"/>
+            </a:endParaRPr>
+          </a:p>
+          <a:p>
+            <a:pPr algn="ctr">
+              <a:buNone/>
+            </a:pPr>
+            <a:r>
+              <a:rPr lang="zh-TW" altLang="en-US" sz="4800" b="1" dirty="0">
+                <a:solidFill>
+                  <a:srgbClr val="660033"/>
+                </a:solidFill>
+                <a:latin typeface="微軟正黑體" pitchFamily="34" charset="-120"/>
+                <a:ea typeface="微軟正黑體" pitchFamily="34" charset="-120"/>
+              </a:rPr>
+              <a:t>好讓我一生能學</a:t>
+            </a:r>
+            <a:r>
+              <a:rPr lang="zh-CN" altLang="en-US" sz="4800" b="1" dirty="0">
+                <a:solidFill>
+                  <a:srgbClr val="660033"/>
+                </a:solidFill>
+                <a:latin typeface="微軟正黑體" pitchFamily="34" charset="-120"/>
+                <a:ea typeface="微軟正黑體" pitchFamily="34" charset="-120"/>
+              </a:rPr>
+              <a:t>袮</a:t>
+            </a:r>
+            <a:r>
+              <a:rPr lang="zh-TW" altLang="en-US" sz="4800" b="1" dirty="0">
+                <a:solidFill>
+                  <a:srgbClr val="660033"/>
+                </a:solidFill>
+                <a:latin typeface="微軟正黑體" pitchFamily="34" charset="-120"/>
+                <a:ea typeface="微軟正黑體" pitchFamily="34" charset="-120"/>
+              </a:rPr>
+              <a:t>的樣式</a:t>
+            </a:r>
+          </a:p>
+        </p:txBody>
+      </p:sp>
+      <p:sp>
+        <p:nvSpPr>
+          <p:cNvPr id="3" name="TextBox 2"/>
+          <p:cNvSpPr txBox="1"/>
+          <p:nvPr/>
+        </p:nvSpPr>
+        <p:spPr>
+          <a:xfrm>
+            <a:off x="0" y="3867896"/>
+            <a:ext cx="9144000" cy="623248"/>
+          </a:xfrm>
+          <a:prstGeom prst="rect">
+            <a:avLst/>
+          </a:prstGeom>
+          <a:noFill/>
+        </p:spPr>
+        <p:txBody>
+          <a:bodyPr wrap="square" lIns="68580" tIns="34290" rIns="68580" bIns="34290" rtlCol="0">
+            <a:spAutoFit/>
+          </a:bodyPr>
+          <a:lstStyle/>
+          <a:p>
+            <a:pPr algn="ctr"/>
+            <a:r>
+              <a:rPr lang="en-US" sz="3600" b="1" dirty="0" smtClean="0">
+                <a:solidFill>
+                  <a:srgbClr val="660033"/>
+                </a:solidFill>
+                <a:latin typeface="Microsoft JhengHei" panose="020B0604030504040204" pitchFamily="34" charset="-120"/>
+                <a:ea typeface="Microsoft JhengHei" panose="020B0604030504040204" pitchFamily="34" charset="-120"/>
+              </a:rPr>
+              <a:t>( </a:t>
+            </a:r>
+            <a:r>
+              <a:rPr lang="zh-CN" altLang="en-US" sz="3600" b="1" dirty="0" smtClean="0">
+                <a:solidFill>
+                  <a:srgbClr val="660033"/>
+                </a:solidFill>
+                <a:latin typeface="Microsoft JhengHei" panose="020B0604030504040204" pitchFamily="34" charset="-120"/>
+                <a:ea typeface="Microsoft JhengHei" panose="020B0604030504040204" pitchFamily="34" charset="-120"/>
+              </a:rPr>
+              <a:t>副 </a:t>
+            </a:r>
+            <a:r>
+              <a:rPr lang="en-US" sz="3600" b="1" dirty="0" smtClean="0">
+                <a:solidFill>
+                  <a:srgbClr val="660033"/>
+                </a:solidFill>
+                <a:latin typeface="Microsoft JhengHei" panose="020B0604030504040204" pitchFamily="34" charset="-120"/>
+                <a:ea typeface="Microsoft JhengHei" panose="020B0604030504040204" pitchFamily="34" charset="-120"/>
+              </a:rPr>
+              <a:t>)</a:t>
+            </a:r>
+            <a:endParaRPr lang="vi-VN" sz="3600" b="1" dirty="0">
+              <a:solidFill>
+                <a:srgbClr val="660033"/>
+              </a:solidFill>
+              <a:ea typeface="Microsoft JhengHei" panose="020B0604030504040204" pitchFamily="34" charset="-120"/>
+            </a:endParaRPr>
+          </a:p>
+        </p:txBody>
+      </p:sp>
+    </p:spTree>
+    <p:extLst>
+      <p:ext uri="{BB962C8B-B14F-4D97-AF65-F5344CB8AC3E}">
+        <p14:creationId xmlns:p14="http://schemas.microsoft.com/office/powerpoint/2010/main" xmlns="" val="3541459039"/>
+      </p:ext>
+    </p:extLst>
+  </p:cSld>
+  <p:clrMapOvr>
+    <a:masterClrMapping/>
+  </p:clrMapOvr>
+</p:sld>
+</file>
+
+<file path=ppt/slides/slide24.xml><?xml version="1.0" encoding="utf-8"?>
+<p:sld xmlns:a="http://schemas.openxmlformats.org/drawingml/2006/main" xmlns:r="http://schemas.openxmlformats.org/officeDocument/2006/relationships" xmlns:p="http://schemas.openxmlformats.org/presentationml/2006/main">
+  <p:cSld>
+    <p:spTree>
+      <p:nvGrpSpPr>
+        <p:cNvPr id="1" name=""/>
+        <p:cNvGrpSpPr/>
+        <p:nvPr/>
+      </p:nvGrpSpPr>
+      <p:grpSpPr>
+        <a:xfrm>
+          <a:off x="0" y="0"/>
+          <a:ext cx="0" cy="0"/>
+          <a:chOff x="0" y="0"/>
+          <a:chExt cx="0" cy="0"/>
+        </a:xfrm>
+      </p:grpSpPr>
+      <p:sp>
+        <p:nvSpPr>
+          <p:cNvPr id="5" name="內容版面配置區 4"/>
+          <p:cNvSpPr>
+            <a:spLocks noGrp="1"/>
+          </p:cNvSpPr>
+          <p:nvPr>
+            <p:ph idx="1"/>
+          </p:nvPr>
+        </p:nvSpPr>
+        <p:spPr>
+          <a:xfrm>
+            <a:off x="0" y="1563640"/>
+            <a:ext cx="9144000" cy="1803647"/>
+          </a:xfrm>
+        </p:spPr>
+        <p:txBody>
+          <a:bodyPr anchor="ctr">
+            <a:normAutofit/>
+          </a:bodyPr>
+          <a:lstStyle/>
+          <a:p>
+            <a:pPr algn="ctr">
+              <a:buNone/>
+            </a:pPr>
+            <a:r>
+              <a:rPr lang="zh-TW" altLang="en-US" sz="4800" b="1" dirty="0">
+                <a:solidFill>
+                  <a:srgbClr val="660033"/>
+                </a:solidFill>
+                <a:latin typeface="微軟正黑體" pitchFamily="34" charset="-120"/>
+                <a:ea typeface="微軟正黑體" pitchFamily="34" charset="-120"/>
+              </a:rPr>
+              <a:t>使我能成為</a:t>
+            </a:r>
+            <a:r>
+              <a:rPr lang="zh-CN" altLang="en-US" sz="4800" b="1" dirty="0">
+                <a:solidFill>
+                  <a:srgbClr val="660033"/>
+                </a:solidFill>
+                <a:latin typeface="微軟正黑體" pitchFamily="34" charset="-120"/>
+                <a:ea typeface="微軟正黑體" pitchFamily="34" charset="-120"/>
+              </a:rPr>
+              <a:t>袮</a:t>
+            </a:r>
+            <a:r>
+              <a:rPr lang="zh-TW" altLang="en-US" sz="4800" b="1" dirty="0">
+                <a:solidFill>
+                  <a:srgbClr val="660033"/>
+                </a:solidFill>
+                <a:latin typeface="微軟正黑體" pitchFamily="34" charset="-120"/>
+                <a:ea typeface="微軟正黑體" pitchFamily="34" charset="-120"/>
+              </a:rPr>
+              <a:t>所喜悅的兒女</a:t>
+            </a:r>
+          </a:p>
+          <a:p>
+            <a:pPr algn="ctr">
+              <a:buNone/>
+            </a:pPr>
+            <a:r>
+              <a:rPr lang="zh-TW" altLang="en-US" sz="4800" b="1" dirty="0">
+                <a:solidFill>
+                  <a:srgbClr val="660033"/>
+                </a:solidFill>
+                <a:latin typeface="微軟正黑體" pitchFamily="34" charset="-120"/>
+                <a:ea typeface="微軟正黑體" pitchFamily="34" charset="-120"/>
+              </a:rPr>
+              <a:t>使我的生命  能夠彰顯</a:t>
+            </a:r>
+            <a:r>
+              <a:rPr lang="zh-CN" altLang="en-US" sz="4800" b="1" dirty="0">
+                <a:solidFill>
+                  <a:srgbClr val="660033"/>
+                </a:solidFill>
+                <a:latin typeface="微軟正黑體" pitchFamily="34" charset="-120"/>
+                <a:ea typeface="微軟正黑體" pitchFamily="34" charset="-120"/>
+              </a:rPr>
+              <a:t>袮</a:t>
+            </a:r>
+            <a:r>
+              <a:rPr lang="zh-TW" altLang="en-US" sz="4800" b="1" dirty="0">
+                <a:solidFill>
+                  <a:srgbClr val="660033"/>
+                </a:solidFill>
+                <a:latin typeface="微軟正黑體" pitchFamily="34" charset="-120"/>
+                <a:ea typeface="微軟正黑體" pitchFamily="34" charset="-120"/>
+              </a:rPr>
+              <a:t>榮耀</a:t>
+            </a:r>
+          </a:p>
+        </p:txBody>
+      </p:sp>
+      <p:sp>
+        <p:nvSpPr>
+          <p:cNvPr id="3" name="TextBox 2"/>
+          <p:cNvSpPr txBox="1"/>
+          <p:nvPr/>
+        </p:nvSpPr>
+        <p:spPr>
+          <a:xfrm>
+            <a:off x="0" y="3867896"/>
+            <a:ext cx="9144000" cy="623248"/>
+          </a:xfrm>
+          <a:prstGeom prst="rect">
+            <a:avLst/>
+          </a:prstGeom>
+          <a:noFill/>
+        </p:spPr>
+        <p:txBody>
+          <a:bodyPr wrap="square" lIns="68580" tIns="34290" rIns="68580" bIns="34290" rtlCol="0">
+            <a:spAutoFit/>
+          </a:bodyPr>
+          <a:lstStyle/>
+          <a:p>
+            <a:pPr algn="ctr"/>
+            <a:r>
+              <a:rPr lang="en-US" sz="3600" b="1" dirty="0" smtClean="0">
+                <a:solidFill>
+                  <a:srgbClr val="660033"/>
+                </a:solidFill>
+                <a:latin typeface="Microsoft JhengHei" panose="020B0604030504040204" pitchFamily="34" charset="-120"/>
+                <a:ea typeface="Microsoft JhengHei" panose="020B0604030504040204" pitchFamily="34" charset="-120"/>
+              </a:rPr>
+              <a:t>( </a:t>
+            </a:r>
+            <a:r>
+              <a:rPr lang="zh-CN" altLang="en-US" sz="3600" b="1" dirty="0" smtClean="0">
+                <a:solidFill>
+                  <a:srgbClr val="660033"/>
+                </a:solidFill>
+                <a:latin typeface="Microsoft JhengHei" panose="020B0604030504040204" pitchFamily="34" charset="-120"/>
+                <a:ea typeface="Microsoft JhengHei" panose="020B0604030504040204" pitchFamily="34" charset="-120"/>
+              </a:rPr>
+              <a:t>副 </a:t>
+            </a:r>
+            <a:r>
+              <a:rPr lang="en-US" sz="3600" b="1" dirty="0" smtClean="0">
+                <a:solidFill>
+                  <a:srgbClr val="660033"/>
+                </a:solidFill>
+                <a:latin typeface="Microsoft JhengHei" panose="020B0604030504040204" pitchFamily="34" charset="-120"/>
+                <a:ea typeface="Microsoft JhengHei" panose="020B0604030504040204" pitchFamily="34" charset="-120"/>
+              </a:rPr>
+              <a:t>)</a:t>
+            </a:r>
+            <a:endParaRPr lang="vi-VN" sz="3600" b="1" dirty="0">
+              <a:solidFill>
+                <a:srgbClr val="660033"/>
+              </a:solidFill>
+              <a:ea typeface="Microsoft JhengHei" panose="020B0604030504040204" pitchFamily="34" charset="-120"/>
+            </a:endParaRPr>
+          </a:p>
+        </p:txBody>
+      </p:sp>
+    </p:spTree>
+    <p:extLst>
+      <p:ext uri="{BB962C8B-B14F-4D97-AF65-F5344CB8AC3E}">
+        <p14:creationId xmlns:p14="http://schemas.microsoft.com/office/powerpoint/2010/main" xmlns="" val="3288864802"/>
       </p:ext>
     </p:extLst>
   </p:cSld>
@@ -3422,7 +6279,829 @@
     </p:spTree>
     <p:extLst>
       <p:ext uri="{BB962C8B-B14F-4D97-AF65-F5344CB8AC3E}">
-        <p14:creationId xmlns:p14="http://schemas.microsoft.com/office/powerpoint/2010/main" val="3977907090"/>
+        <p14:creationId xmlns:p14="http://schemas.microsoft.com/office/powerpoint/2010/main" xmlns="" val="3977907090"/>
+      </p:ext>
+    </p:extLst>
+  </p:cSld>
+  <p:clrMapOvr>
+    <a:masterClrMapping/>
+  </p:clrMapOvr>
+</p:sld>
+</file>
+
+<file path=ppt/slides/slide4.xml><?xml version="1.0" encoding="utf-8"?>
+<p:sld xmlns:a="http://schemas.openxmlformats.org/drawingml/2006/main" xmlns:r="http://schemas.openxmlformats.org/officeDocument/2006/relationships" xmlns:p="http://schemas.openxmlformats.org/presentationml/2006/main">
+  <p:cSld>
+    <p:spTree>
+      <p:nvGrpSpPr>
+        <p:cNvPr id="1" name=""/>
+        <p:cNvGrpSpPr/>
+        <p:nvPr/>
+      </p:nvGrpSpPr>
+      <p:grpSpPr>
+        <a:xfrm>
+          <a:off x="0" y="0"/>
+          <a:ext cx="0" cy="0"/>
+          <a:chOff x="0" y="0"/>
+          <a:chExt cx="0" cy="0"/>
+        </a:xfrm>
+      </p:grpSpPr>
+      <p:sp>
+        <p:nvSpPr>
+          <p:cNvPr id="5" name="內容版面配置區 4"/>
+          <p:cNvSpPr>
+            <a:spLocks noGrp="1"/>
+          </p:cNvSpPr>
+          <p:nvPr>
+            <p:ph idx="1"/>
+          </p:nvPr>
+        </p:nvSpPr>
+        <p:spPr>
+          <a:xfrm>
+            <a:off x="0" y="1563638"/>
+            <a:ext cx="9144000" cy="1803647"/>
+          </a:xfrm>
+        </p:spPr>
+        <p:txBody>
+          <a:bodyPr anchor="ctr">
+            <a:normAutofit/>
+          </a:bodyPr>
+          <a:lstStyle/>
+          <a:p>
+            <a:pPr algn="ctr">
+              <a:buNone/>
+            </a:pPr>
+            <a:r>
+              <a:rPr lang="zh-TW" altLang="en-US" sz="4800" b="1" dirty="0">
+                <a:solidFill>
+                  <a:srgbClr val="660033"/>
+                </a:solidFill>
+                <a:latin typeface="微軟正黑體" pitchFamily="34" charset="-120"/>
+                <a:ea typeface="微軟正黑體" pitchFamily="34" charset="-120"/>
+              </a:rPr>
+              <a:t>神</a:t>
+            </a:r>
+            <a:r>
+              <a:rPr lang="zh-CN" altLang="en-US" sz="4800" b="1" dirty="0">
+                <a:solidFill>
+                  <a:srgbClr val="660033"/>
+                </a:solidFill>
+                <a:latin typeface="微軟正黑體" pitchFamily="34" charset="-120"/>
+                <a:ea typeface="微軟正黑體" pitchFamily="34" charset="-120"/>
+              </a:rPr>
+              <a:t>袮</a:t>
+            </a:r>
+            <a:r>
+              <a:rPr lang="zh-TW" altLang="en-US" sz="4800" b="1" dirty="0">
+                <a:solidFill>
+                  <a:srgbClr val="660033"/>
+                </a:solidFill>
+                <a:latin typeface="微軟正黑體" pitchFamily="34" charset="-120"/>
+                <a:ea typeface="微軟正黑體" pitchFamily="34" charset="-120"/>
+              </a:rPr>
+              <a:t>極偉大  萬有都歸</a:t>
+            </a:r>
+            <a:r>
+              <a:rPr lang="zh-CN" altLang="en-US" sz="4800" b="1" dirty="0">
+                <a:solidFill>
+                  <a:srgbClr val="660033"/>
+                </a:solidFill>
+                <a:latin typeface="微軟正黑體" pitchFamily="34" charset="-120"/>
+                <a:ea typeface="微軟正黑體" pitchFamily="34" charset="-120"/>
+              </a:rPr>
+              <a:t>袮</a:t>
+            </a:r>
+            <a:endParaRPr lang="en-US" altLang="zh-TW" sz="4800" b="1" dirty="0">
+              <a:solidFill>
+                <a:srgbClr val="660033"/>
+              </a:solidFill>
+              <a:latin typeface="微軟正黑體" pitchFamily="34" charset="-120"/>
+              <a:ea typeface="微軟正黑體" pitchFamily="34" charset="-120"/>
+            </a:endParaRPr>
+          </a:p>
+          <a:p>
+            <a:pPr algn="ctr">
+              <a:buNone/>
+            </a:pPr>
+            <a:r>
+              <a:rPr lang="zh-TW" altLang="en-US" sz="4800" b="1" dirty="0">
+                <a:solidFill>
+                  <a:srgbClr val="660033"/>
+                </a:solidFill>
+                <a:latin typeface="微軟正黑體" pitchFamily="34" charset="-120"/>
+                <a:ea typeface="微軟正黑體" pitchFamily="34" charset="-120"/>
+              </a:rPr>
+              <a:t>主宰一切  </a:t>
+            </a:r>
+            <a:r>
+              <a:rPr lang="zh-CN" altLang="en-US" sz="4800" b="1" dirty="0">
+                <a:solidFill>
+                  <a:srgbClr val="660033"/>
+                </a:solidFill>
+                <a:latin typeface="微軟正黑體" pitchFamily="34" charset="-120"/>
+                <a:ea typeface="微軟正黑體" pitchFamily="34" charset="-120"/>
+              </a:rPr>
+              <a:t>袮</a:t>
+            </a:r>
+            <a:r>
+              <a:rPr lang="zh-TW" altLang="en-US" sz="4800" b="1" dirty="0">
+                <a:solidFill>
+                  <a:srgbClr val="660033"/>
+                </a:solidFill>
+                <a:latin typeface="微軟正黑體" pitchFamily="34" charset="-120"/>
+                <a:ea typeface="微軟正黑體" pitchFamily="34" charset="-120"/>
+              </a:rPr>
+              <a:t>是王</a:t>
+            </a:r>
+            <a:endParaRPr lang="en-US" altLang="zh-TW" sz="4800" b="1" dirty="0">
+              <a:solidFill>
+                <a:srgbClr val="660033"/>
+              </a:solidFill>
+              <a:latin typeface="微軟正黑體" pitchFamily="34" charset="-120"/>
+              <a:ea typeface="微軟正黑體" pitchFamily="34" charset="-120"/>
+            </a:endParaRPr>
+          </a:p>
+        </p:txBody>
+      </p:sp>
+    </p:spTree>
+    <p:extLst>
+      <p:ext uri="{BB962C8B-B14F-4D97-AF65-F5344CB8AC3E}">
+        <p14:creationId xmlns:p14="http://schemas.microsoft.com/office/powerpoint/2010/main" xmlns="" val="2335412257"/>
+      </p:ext>
+    </p:extLst>
+  </p:cSld>
+  <p:clrMapOvr>
+    <a:masterClrMapping/>
+  </p:clrMapOvr>
+</p:sld>
+</file>
+
+<file path=ppt/slides/slide5.xml><?xml version="1.0" encoding="utf-8"?>
+<p:sld xmlns:a="http://schemas.openxmlformats.org/drawingml/2006/main" xmlns:r="http://schemas.openxmlformats.org/officeDocument/2006/relationships" xmlns:p="http://schemas.openxmlformats.org/presentationml/2006/main">
+  <p:cSld>
+    <p:spTree>
+      <p:nvGrpSpPr>
+        <p:cNvPr id="1" name=""/>
+        <p:cNvGrpSpPr/>
+        <p:nvPr/>
+      </p:nvGrpSpPr>
+      <p:grpSpPr>
+        <a:xfrm>
+          <a:off x="0" y="0"/>
+          <a:ext cx="0" cy="0"/>
+          <a:chOff x="0" y="0"/>
+          <a:chExt cx="0" cy="0"/>
+        </a:xfrm>
+      </p:grpSpPr>
+      <p:sp>
+        <p:nvSpPr>
+          <p:cNvPr id="5" name="內容版面配置區 4"/>
+          <p:cNvSpPr>
+            <a:spLocks noGrp="1"/>
+          </p:cNvSpPr>
+          <p:nvPr>
+            <p:ph idx="1"/>
+          </p:nvPr>
+        </p:nvSpPr>
+        <p:spPr>
+          <a:xfrm>
+            <a:off x="0" y="1563638"/>
+            <a:ext cx="9144000" cy="1803647"/>
+          </a:xfrm>
+        </p:spPr>
+        <p:txBody>
+          <a:bodyPr anchor="ctr">
+            <a:normAutofit/>
+          </a:bodyPr>
+          <a:lstStyle/>
+          <a:p>
+            <a:pPr algn="ctr">
+              <a:buNone/>
+            </a:pPr>
+            <a:r>
+              <a:rPr lang="zh-TW" altLang="en-US" sz="4800" b="1" dirty="0">
+                <a:solidFill>
+                  <a:srgbClr val="660033"/>
+                </a:solidFill>
+                <a:latin typeface="微軟正黑體" pitchFamily="34" charset="-120"/>
+                <a:ea typeface="微軟正黑體" pitchFamily="34" charset="-120"/>
+              </a:rPr>
+              <a:t>尊貴主  我景仰</a:t>
+            </a:r>
+            <a:endParaRPr lang="en-US" altLang="zh-TW" sz="4800" b="1" dirty="0">
+              <a:solidFill>
+                <a:srgbClr val="660033"/>
+              </a:solidFill>
+              <a:latin typeface="微軟正黑體" pitchFamily="34" charset="-120"/>
+              <a:ea typeface="微軟正黑體" pitchFamily="34" charset="-120"/>
+            </a:endParaRPr>
+          </a:p>
+          <a:p>
+            <a:pPr algn="ctr">
+              <a:buNone/>
+            </a:pPr>
+            <a:r>
+              <a:rPr lang="zh-TW" altLang="en-US" sz="4800" b="1" dirty="0">
+                <a:solidFill>
+                  <a:srgbClr val="660033"/>
+                </a:solidFill>
+                <a:latin typeface="微軟正黑體" pitchFamily="34" charset="-120"/>
+                <a:ea typeface="微軟正黑體" pitchFamily="34" charset="-120"/>
+              </a:rPr>
+              <a:t>屈膝</a:t>
+            </a:r>
+            <a:r>
+              <a:rPr lang="zh-CN" altLang="en-US" sz="4800" b="1" dirty="0">
+                <a:solidFill>
+                  <a:srgbClr val="660033"/>
+                </a:solidFill>
+                <a:latin typeface="微軟正黑體" pitchFamily="34" charset="-120"/>
+                <a:ea typeface="微軟正黑體" pitchFamily="34" charset="-120"/>
+              </a:rPr>
+              <a:t>袮</a:t>
+            </a:r>
+            <a:r>
+              <a:rPr lang="zh-TW" altLang="en-US" sz="4800" b="1" dirty="0">
+                <a:solidFill>
+                  <a:srgbClr val="660033"/>
+                </a:solidFill>
+                <a:latin typeface="微軟正黑體" pitchFamily="34" charset="-120"/>
+                <a:ea typeface="微軟正黑體" pitchFamily="34" charset="-120"/>
+              </a:rPr>
+              <a:t>前  讓我頌讚</a:t>
+            </a:r>
+            <a:r>
+              <a:rPr lang="zh-CN" altLang="en-US" sz="4800" b="1" dirty="0">
+                <a:solidFill>
+                  <a:srgbClr val="660033"/>
+                </a:solidFill>
+                <a:latin typeface="微軟正黑體" pitchFamily="34" charset="-120"/>
+                <a:ea typeface="微軟正黑體" pitchFamily="34" charset="-120"/>
+              </a:rPr>
+              <a:t>袮</a:t>
+            </a:r>
+            <a:endParaRPr lang="en-US" sz="4800" b="1" dirty="0">
+              <a:solidFill>
+                <a:srgbClr val="660033"/>
+              </a:solidFill>
+              <a:latin typeface="微軟正黑體" pitchFamily="34" charset="-120"/>
+              <a:ea typeface="微軟正黑體" pitchFamily="34" charset="-120"/>
+            </a:endParaRPr>
+          </a:p>
+        </p:txBody>
+      </p:sp>
+    </p:spTree>
+    <p:extLst>
+      <p:ext uri="{BB962C8B-B14F-4D97-AF65-F5344CB8AC3E}">
+        <p14:creationId xmlns:p14="http://schemas.microsoft.com/office/powerpoint/2010/main" xmlns="" val="3977907090"/>
+      </p:ext>
+    </p:extLst>
+  </p:cSld>
+  <p:clrMapOvr>
+    <a:masterClrMapping/>
+  </p:clrMapOvr>
+</p:sld>
+</file>
+
+<file path=ppt/slides/slide6.xml><?xml version="1.0" encoding="utf-8"?>
+<p:sld xmlns:a="http://schemas.openxmlformats.org/drawingml/2006/main" xmlns:r="http://schemas.openxmlformats.org/officeDocument/2006/relationships" xmlns:p="http://schemas.openxmlformats.org/presentationml/2006/main">
+  <p:cSld>
+    <p:spTree>
+      <p:nvGrpSpPr>
+        <p:cNvPr id="1" name=""/>
+        <p:cNvGrpSpPr/>
+        <p:nvPr/>
+      </p:nvGrpSpPr>
+      <p:grpSpPr>
+        <a:xfrm>
+          <a:off x="0" y="0"/>
+          <a:ext cx="0" cy="0"/>
+          <a:chOff x="0" y="0"/>
+          <a:chExt cx="0" cy="0"/>
+        </a:xfrm>
+      </p:grpSpPr>
+      <p:sp>
+        <p:nvSpPr>
+          <p:cNvPr id="5" name="內容版面配置區 4"/>
+          <p:cNvSpPr>
+            <a:spLocks noGrp="1"/>
+          </p:cNvSpPr>
+          <p:nvPr>
+            <p:ph idx="1"/>
+          </p:nvPr>
+        </p:nvSpPr>
+        <p:spPr>
+          <a:xfrm>
+            <a:off x="0" y="1563638"/>
+            <a:ext cx="9144000" cy="1803647"/>
+          </a:xfrm>
+        </p:spPr>
+        <p:txBody>
+          <a:bodyPr anchor="ctr">
+            <a:normAutofit/>
+          </a:bodyPr>
+          <a:lstStyle/>
+          <a:p>
+            <a:pPr algn="ctr">
+              <a:buNone/>
+            </a:pPr>
+            <a:r>
+              <a:rPr lang="zh-TW" altLang="en-US" sz="4800" b="1" dirty="0">
+                <a:solidFill>
+                  <a:srgbClr val="660033"/>
+                </a:solidFill>
+                <a:latin typeface="微軟正黑體" pitchFamily="34" charset="-120"/>
+                <a:ea typeface="微軟正黑體" pitchFamily="34" charset="-120"/>
+              </a:rPr>
+              <a:t>神</a:t>
+            </a:r>
+            <a:r>
+              <a:rPr lang="zh-CN" altLang="en-US" sz="4800" b="1" dirty="0">
+                <a:solidFill>
+                  <a:srgbClr val="660033"/>
+                </a:solidFill>
+                <a:latin typeface="微軟正黑體" pitchFamily="34" charset="-120"/>
+                <a:ea typeface="微軟正黑體" pitchFamily="34" charset="-120"/>
+              </a:rPr>
+              <a:t>袮</a:t>
+            </a:r>
+            <a:r>
+              <a:rPr lang="zh-TW" altLang="en-US" sz="4800" b="1" dirty="0">
+                <a:solidFill>
+                  <a:srgbClr val="660033"/>
+                </a:solidFill>
+                <a:latin typeface="微軟正黑體" pitchFamily="34" charset="-120"/>
+                <a:ea typeface="微軟正黑體" pitchFamily="34" charset="-120"/>
+              </a:rPr>
+              <a:t>極偉大  萬有都歸</a:t>
+            </a:r>
+            <a:r>
+              <a:rPr lang="zh-CN" altLang="en-US" sz="4800" b="1" dirty="0">
+                <a:solidFill>
+                  <a:srgbClr val="660033"/>
+                </a:solidFill>
+                <a:latin typeface="微軟正黑體" pitchFamily="34" charset="-120"/>
+                <a:ea typeface="微軟正黑體" pitchFamily="34" charset="-120"/>
+              </a:rPr>
+              <a:t>袮</a:t>
+            </a:r>
+            <a:endParaRPr lang="en-US" altLang="zh-TW" sz="4800" b="1" dirty="0">
+              <a:solidFill>
+                <a:srgbClr val="660033"/>
+              </a:solidFill>
+              <a:latin typeface="微軟正黑體" pitchFamily="34" charset="-120"/>
+              <a:ea typeface="微軟正黑體" pitchFamily="34" charset="-120"/>
+            </a:endParaRPr>
+          </a:p>
+          <a:p>
+            <a:pPr algn="ctr">
+              <a:buNone/>
+            </a:pPr>
+            <a:r>
+              <a:rPr lang="zh-TW" altLang="en-US" sz="4800" b="1" dirty="0">
+                <a:solidFill>
+                  <a:srgbClr val="660033"/>
+                </a:solidFill>
+                <a:latin typeface="微軟正黑體" pitchFamily="34" charset="-120"/>
+                <a:ea typeface="微軟正黑體" pitchFamily="34" charset="-120"/>
+              </a:rPr>
+              <a:t>主宰一切  </a:t>
+            </a:r>
+            <a:r>
+              <a:rPr lang="zh-CN" altLang="en-US" sz="4800" b="1" dirty="0">
+                <a:solidFill>
+                  <a:srgbClr val="660033"/>
+                </a:solidFill>
+                <a:latin typeface="微軟正黑體" pitchFamily="34" charset="-120"/>
+                <a:ea typeface="微軟正黑體" pitchFamily="34" charset="-120"/>
+              </a:rPr>
+              <a:t>袮</a:t>
+            </a:r>
+            <a:r>
+              <a:rPr lang="zh-TW" altLang="en-US" sz="4800" b="1" dirty="0">
+                <a:solidFill>
+                  <a:srgbClr val="660033"/>
+                </a:solidFill>
+                <a:latin typeface="微軟正黑體" pitchFamily="34" charset="-120"/>
+                <a:ea typeface="微軟正黑體" pitchFamily="34" charset="-120"/>
+              </a:rPr>
+              <a:t>是王</a:t>
+            </a:r>
+            <a:endParaRPr lang="en-US" altLang="zh-TW" sz="4800" b="1" dirty="0">
+              <a:solidFill>
+                <a:srgbClr val="660033"/>
+              </a:solidFill>
+              <a:latin typeface="微軟正黑體" pitchFamily="34" charset="-120"/>
+              <a:ea typeface="微軟正黑體" pitchFamily="34" charset="-120"/>
+            </a:endParaRPr>
+          </a:p>
+        </p:txBody>
+      </p:sp>
+    </p:spTree>
+    <p:extLst>
+      <p:ext uri="{BB962C8B-B14F-4D97-AF65-F5344CB8AC3E}">
+        <p14:creationId xmlns:p14="http://schemas.microsoft.com/office/powerpoint/2010/main" xmlns="" val="2335412257"/>
+      </p:ext>
+    </p:extLst>
+  </p:cSld>
+  <p:clrMapOvr>
+    <a:masterClrMapping/>
+  </p:clrMapOvr>
+</p:sld>
+</file>
+
+<file path=ppt/slides/slide7.xml><?xml version="1.0" encoding="utf-8"?>
+<p:sld xmlns:a="http://schemas.openxmlformats.org/drawingml/2006/main" xmlns:r="http://schemas.openxmlformats.org/officeDocument/2006/relationships" xmlns:p="http://schemas.openxmlformats.org/presentationml/2006/main">
+  <p:cSld>
+    <p:spTree>
+      <p:nvGrpSpPr>
+        <p:cNvPr id="1" name=""/>
+        <p:cNvGrpSpPr/>
+        <p:nvPr/>
+      </p:nvGrpSpPr>
+      <p:grpSpPr>
+        <a:xfrm>
+          <a:off x="0" y="0"/>
+          <a:ext cx="0" cy="0"/>
+          <a:chOff x="0" y="0"/>
+          <a:chExt cx="0" cy="0"/>
+        </a:xfrm>
+      </p:grpSpPr>
+      <p:sp>
+        <p:nvSpPr>
+          <p:cNvPr id="5" name="內容版面配置區 4"/>
+          <p:cNvSpPr>
+            <a:spLocks noGrp="1"/>
+          </p:cNvSpPr>
+          <p:nvPr>
+            <p:ph idx="1"/>
+          </p:nvPr>
+        </p:nvSpPr>
+        <p:spPr>
+          <a:xfrm>
+            <a:off x="0" y="1563638"/>
+            <a:ext cx="9144000" cy="1803647"/>
+          </a:xfrm>
+        </p:spPr>
+        <p:txBody>
+          <a:bodyPr anchor="ctr">
+            <a:normAutofit/>
+          </a:bodyPr>
+          <a:lstStyle/>
+          <a:p>
+            <a:pPr algn="ctr">
+              <a:buNone/>
+            </a:pPr>
+            <a:r>
+              <a:rPr lang="zh-TW" altLang="en-US" sz="4800" b="1" dirty="0">
+                <a:solidFill>
+                  <a:srgbClr val="660033"/>
+                </a:solidFill>
+                <a:latin typeface="微軟正黑體" pitchFamily="34" charset="-120"/>
+                <a:ea typeface="微軟正黑體" pitchFamily="34" charset="-120"/>
+              </a:rPr>
+              <a:t>尊貴主  我景仰</a:t>
+            </a:r>
+            <a:endParaRPr lang="en-US" altLang="zh-TW" sz="4800" b="1" dirty="0">
+              <a:solidFill>
+                <a:srgbClr val="660033"/>
+              </a:solidFill>
+              <a:latin typeface="微軟正黑體" pitchFamily="34" charset="-120"/>
+              <a:ea typeface="微軟正黑體" pitchFamily="34" charset="-120"/>
+            </a:endParaRPr>
+          </a:p>
+          <a:p>
+            <a:pPr algn="ctr">
+              <a:buNone/>
+            </a:pPr>
+            <a:r>
+              <a:rPr lang="zh-TW" altLang="en-US" sz="4800" b="1" dirty="0">
+                <a:solidFill>
+                  <a:srgbClr val="660033"/>
+                </a:solidFill>
+                <a:latin typeface="微軟正黑體" pitchFamily="34" charset="-120"/>
+                <a:ea typeface="微軟正黑體" pitchFamily="34" charset="-120"/>
+              </a:rPr>
+              <a:t>屈膝</a:t>
+            </a:r>
+            <a:r>
+              <a:rPr lang="zh-CN" altLang="en-US" sz="4800" b="1" dirty="0">
+                <a:solidFill>
+                  <a:srgbClr val="660033"/>
+                </a:solidFill>
+                <a:latin typeface="微軟正黑體" pitchFamily="34" charset="-120"/>
+                <a:ea typeface="微軟正黑體" pitchFamily="34" charset="-120"/>
+              </a:rPr>
+              <a:t>袮</a:t>
+            </a:r>
+            <a:r>
+              <a:rPr lang="zh-TW" altLang="en-US" sz="4800" b="1" dirty="0">
+                <a:solidFill>
+                  <a:srgbClr val="660033"/>
+                </a:solidFill>
+                <a:latin typeface="微軟正黑體" pitchFamily="34" charset="-120"/>
+                <a:ea typeface="微軟正黑體" pitchFamily="34" charset="-120"/>
+              </a:rPr>
+              <a:t>前  讓我頌讚</a:t>
+            </a:r>
+            <a:r>
+              <a:rPr lang="zh-CN" altLang="en-US" sz="4800" b="1" dirty="0">
+                <a:solidFill>
+                  <a:srgbClr val="660033"/>
+                </a:solidFill>
+                <a:latin typeface="微軟正黑體" pitchFamily="34" charset="-120"/>
+                <a:ea typeface="微軟正黑體" pitchFamily="34" charset="-120"/>
+              </a:rPr>
+              <a:t>袮</a:t>
+            </a:r>
+            <a:endParaRPr lang="en-US" sz="4800" b="1" dirty="0">
+              <a:solidFill>
+                <a:srgbClr val="660033"/>
+              </a:solidFill>
+              <a:latin typeface="微軟正黑體" pitchFamily="34" charset="-120"/>
+              <a:ea typeface="微軟正黑體" pitchFamily="34" charset="-120"/>
+            </a:endParaRPr>
+          </a:p>
+        </p:txBody>
+      </p:sp>
+    </p:spTree>
+    <p:extLst>
+      <p:ext uri="{BB962C8B-B14F-4D97-AF65-F5344CB8AC3E}">
+        <p14:creationId xmlns:p14="http://schemas.microsoft.com/office/powerpoint/2010/main" xmlns="" val="3977907090"/>
+      </p:ext>
+    </p:extLst>
+  </p:cSld>
+  <p:clrMapOvr>
+    <a:masterClrMapping/>
+  </p:clrMapOvr>
+</p:sld>
+</file>
+
+<file path=ppt/slides/slide8.xml><?xml version="1.0" encoding="utf-8"?>
+<p:sld xmlns:a="http://schemas.openxmlformats.org/drawingml/2006/main" xmlns:r="http://schemas.openxmlformats.org/officeDocument/2006/relationships" xmlns:p="http://schemas.openxmlformats.org/presentationml/2006/main">
+  <p:cSld>
+    <p:spTree>
+      <p:nvGrpSpPr>
+        <p:cNvPr id="1" name=""/>
+        <p:cNvGrpSpPr/>
+        <p:nvPr/>
+      </p:nvGrpSpPr>
+      <p:grpSpPr>
+        <a:xfrm>
+          <a:off x="0" y="0"/>
+          <a:ext cx="0" cy="0"/>
+          <a:chOff x="0" y="0"/>
+          <a:chExt cx="0" cy="0"/>
+        </a:xfrm>
+      </p:grpSpPr>
+      <p:sp>
+        <p:nvSpPr>
+          <p:cNvPr id="5" name="內容版面配置區 4"/>
+          <p:cNvSpPr>
+            <a:spLocks noGrp="1"/>
+          </p:cNvSpPr>
+          <p:nvPr>
+            <p:ph idx="1"/>
+          </p:nvPr>
+        </p:nvSpPr>
+        <p:spPr>
+          <a:xfrm>
+            <a:off x="0" y="1563638"/>
+            <a:ext cx="9144000" cy="1803647"/>
+          </a:xfrm>
+        </p:spPr>
+        <p:txBody>
+          <a:bodyPr anchor="ctr">
+            <a:normAutofit/>
+          </a:bodyPr>
+          <a:lstStyle/>
+          <a:p>
+            <a:pPr algn="ctr">
+              <a:buNone/>
+            </a:pPr>
+            <a:r>
+              <a:rPr lang="zh-TW" altLang="en-US" sz="4800" b="1" dirty="0">
+                <a:solidFill>
+                  <a:srgbClr val="660033"/>
+                </a:solidFill>
+                <a:latin typeface="微軟正黑體" pitchFamily="34" charset="-120"/>
+                <a:ea typeface="微軟正黑體" pitchFamily="34" charset="-120"/>
+              </a:rPr>
+              <a:t>神</a:t>
+            </a:r>
+            <a:r>
+              <a:rPr lang="zh-CN" altLang="en-US" sz="4800" b="1" dirty="0">
+                <a:solidFill>
+                  <a:srgbClr val="660033"/>
+                </a:solidFill>
+                <a:latin typeface="微軟正黑體" pitchFamily="34" charset="-120"/>
+                <a:ea typeface="微軟正黑體" pitchFamily="34" charset="-120"/>
+              </a:rPr>
+              <a:t>袮</a:t>
+            </a:r>
+            <a:r>
+              <a:rPr lang="zh-TW" altLang="en-US" sz="4800" b="1" dirty="0">
+                <a:solidFill>
+                  <a:srgbClr val="660033"/>
+                </a:solidFill>
+                <a:latin typeface="微軟正黑體" pitchFamily="34" charset="-120"/>
+                <a:ea typeface="微軟正黑體" pitchFamily="34" charset="-120"/>
+              </a:rPr>
+              <a:t>極偉大  萬有都歸</a:t>
+            </a:r>
+            <a:r>
+              <a:rPr lang="zh-CN" altLang="en-US" sz="4800" b="1" dirty="0">
+                <a:solidFill>
+                  <a:srgbClr val="660033"/>
+                </a:solidFill>
+                <a:latin typeface="微軟正黑體" pitchFamily="34" charset="-120"/>
+                <a:ea typeface="微軟正黑體" pitchFamily="34" charset="-120"/>
+              </a:rPr>
+              <a:t>袮</a:t>
+            </a:r>
+            <a:endParaRPr lang="en-US" altLang="zh-TW" sz="4800" b="1" dirty="0">
+              <a:solidFill>
+                <a:srgbClr val="660033"/>
+              </a:solidFill>
+              <a:latin typeface="微軟正黑體" pitchFamily="34" charset="-120"/>
+              <a:ea typeface="微軟正黑體" pitchFamily="34" charset="-120"/>
+            </a:endParaRPr>
+          </a:p>
+          <a:p>
+            <a:pPr algn="ctr">
+              <a:buNone/>
+            </a:pPr>
+            <a:r>
+              <a:rPr lang="zh-TW" altLang="en-US" sz="4800" b="1" dirty="0">
+                <a:solidFill>
+                  <a:srgbClr val="660033"/>
+                </a:solidFill>
+                <a:latin typeface="微軟正黑體" pitchFamily="34" charset="-120"/>
+                <a:ea typeface="微軟正黑體" pitchFamily="34" charset="-120"/>
+              </a:rPr>
+              <a:t>主宰一切  </a:t>
+            </a:r>
+            <a:r>
+              <a:rPr lang="zh-CN" altLang="en-US" sz="4800" b="1" dirty="0">
+                <a:solidFill>
+                  <a:srgbClr val="660033"/>
+                </a:solidFill>
+                <a:latin typeface="微軟正黑體" pitchFamily="34" charset="-120"/>
+                <a:ea typeface="微軟正黑體" pitchFamily="34" charset="-120"/>
+              </a:rPr>
+              <a:t>袮</a:t>
+            </a:r>
+            <a:r>
+              <a:rPr lang="zh-TW" altLang="en-US" sz="4800" b="1" dirty="0">
+                <a:solidFill>
+                  <a:srgbClr val="660033"/>
+                </a:solidFill>
+                <a:latin typeface="微軟正黑體" pitchFamily="34" charset="-120"/>
+                <a:ea typeface="微軟正黑體" pitchFamily="34" charset="-120"/>
+              </a:rPr>
+              <a:t>是王</a:t>
+            </a:r>
+            <a:endParaRPr lang="en-US" altLang="zh-TW" sz="4800" b="1" dirty="0">
+              <a:solidFill>
+                <a:srgbClr val="660033"/>
+              </a:solidFill>
+              <a:latin typeface="微軟正黑體" pitchFamily="34" charset="-120"/>
+              <a:ea typeface="微軟正黑體" pitchFamily="34" charset="-120"/>
+            </a:endParaRPr>
+          </a:p>
+        </p:txBody>
+      </p:sp>
+    </p:spTree>
+    <p:extLst>
+      <p:ext uri="{BB962C8B-B14F-4D97-AF65-F5344CB8AC3E}">
+        <p14:creationId xmlns:p14="http://schemas.microsoft.com/office/powerpoint/2010/main" xmlns="" val="2335412257"/>
+      </p:ext>
+    </p:extLst>
+  </p:cSld>
+  <p:clrMapOvr>
+    <a:masterClrMapping/>
+  </p:clrMapOvr>
+</p:sld>
+</file>
+
+<file path=ppt/slides/slide9.xml><?xml version="1.0" encoding="utf-8"?>
+<p:sld xmlns:a="http://schemas.openxmlformats.org/drawingml/2006/main" xmlns:r="http://schemas.openxmlformats.org/officeDocument/2006/relationships" xmlns:p="http://schemas.openxmlformats.org/presentationml/2006/main">
+  <p:cSld>
+    <p:spTree>
+      <p:nvGrpSpPr>
+        <p:cNvPr id="1" name=""/>
+        <p:cNvGrpSpPr/>
+        <p:nvPr/>
+      </p:nvGrpSpPr>
+      <p:grpSpPr>
+        <a:xfrm>
+          <a:off x="0" y="0"/>
+          <a:ext cx="0" cy="0"/>
+          <a:chOff x="0" y="0"/>
+          <a:chExt cx="0" cy="0"/>
+        </a:xfrm>
+      </p:grpSpPr>
+      <p:sp>
+        <p:nvSpPr>
+          <p:cNvPr id="5" name="內容版面配置區 4"/>
+          <p:cNvSpPr>
+            <a:spLocks noGrp="1"/>
+          </p:cNvSpPr>
+          <p:nvPr>
+            <p:ph idx="1"/>
+          </p:nvPr>
+        </p:nvSpPr>
+        <p:spPr>
+          <a:xfrm>
+            <a:off x="0" y="1563638"/>
+            <a:ext cx="9144000" cy="1803647"/>
+          </a:xfrm>
+        </p:spPr>
+        <p:txBody>
+          <a:bodyPr anchor="ctr">
+            <a:normAutofit/>
+          </a:bodyPr>
+          <a:lstStyle/>
+          <a:p>
+            <a:pPr algn="ctr">
+              <a:buNone/>
+            </a:pPr>
+            <a:r>
+              <a:rPr lang="zh-TW" altLang="en-US" sz="4800" b="1" dirty="0">
+                <a:solidFill>
+                  <a:srgbClr val="660033"/>
+                </a:solidFill>
+                <a:latin typeface="微軟正黑體" pitchFamily="34" charset="-120"/>
+                <a:ea typeface="微軟正黑體" pitchFamily="34" charset="-120"/>
+              </a:rPr>
+              <a:t>尊貴主  我景仰</a:t>
+            </a:r>
+            <a:endParaRPr lang="en-US" altLang="zh-TW" sz="4800" b="1" dirty="0">
+              <a:solidFill>
+                <a:srgbClr val="660033"/>
+              </a:solidFill>
+              <a:latin typeface="微軟正黑體" pitchFamily="34" charset="-120"/>
+              <a:ea typeface="微軟正黑體" pitchFamily="34" charset="-120"/>
+            </a:endParaRPr>
+          </a:p>
+          <a:p>
+            <a:pPr algn="ctr">
+              <a:buNone/>
+            </a:pPr>
+            <a:r>
+              <a:rPr lang="zh-TW" altLang="en-US" sz="4800" b="1" dirty="0">
+                <a:solidFill>
+                  <a:srgbClr val="660033"/>
+                </a:solidFill>
+                <a:latin typeface="微軟正黑體" pitchFamily="34" charset="-120"/>
+                <a:ea typeface="微軟正黑體" pitchFamily="34" charset="-120"/>
+              </a:rPr>
+              <a:t>屈膝</a:t>
+            </a:r>
+            <a:r>
+              <a:rPr lang="zh-CN" altLang="en-US" sz="4800" b="1" dirty="0">
+                <a:solidFill>
+                  <a:srgbClr val="660033"/>
+                </a:solidFill>
+                <a:latin typeface="微軟正黑體" pitchFamily="34" charset="-120"/>
+                <a:ea typeface="微軟正黑體" pitchFamily="34" charset="-120"/>
+              </a:rPr>
+              <a:t>袮</a:t>
+            </a:r>
+            <a:r>
+              <a:rPr lang="zh-TW" altLang="en-US" sz="4800" b="1" dirty="0">
+                <a:solidFill>
+                  <a:srgbClr val="660033"/>
+                </a:solidFill>
+                <a:latin typeface="微軟正黑體" pitchFamily="34" charset="-120"/>
+                <a:ea typeface="微軟正黑體" pitchFamily="34" charset="-120"/>
+              </a:rPr>
+              <a:t>前  讓我頌讚</a:t>
+            </a:r>
+            <a:r>
+              <a:rPr lang="zh-CN" altLang="en-US" sz="4800" b="1" dirty="0">
+                <a:solidFill>
+                  <a:srgbClr val="660033"/>
+                </a:solidFill>
+                <a:latin typeface="微軟正黑體" pitchFamily="34" charset="-120"/>
+                <a:ea typeface="微軟正黑體" pitchFamily="34" charset="-120"/>
+              </a:rPr>
+              <a:t>袮</a:t>
+            </a:r>
+            <a:endParaRPr lang="en-US" sz="4800" b="1" dirty="0">
+              <a:solidFill>
+                <a:srgbClr val="660033"/>
+              </a:solidFill>
+              <a:latin typeface="微軟正黑體" pitchFamily="34" charset="-120"/>
+              <a:ea typeface="微軟正黑體" pitchFamily="34" charset="-120"/>
+            </a:endParaRPr>
+          </a:p>
+        </p:txBody>
+      </p:sp>
+    </p:spTree>
+    <p:extLst>
+      <p:ext uri="{BB962C8B-B14F-4D97-AF65-F5344CB8AC3E}">
+        <p14:creationId xmlns:p14="http://schemas.microsoft.com/office/powerpoint/2010/main" xmlns="" val="3977907090"/>
       </p:ext>
     </p:extLst>
   </p:cSld>
